--- a/Progettazione/AstroAllies_Presentazione_AndreaCagnolati.pptx
+++ b/Progettazione/AstroAllies_Presentazione_AndreaCagnolati.pptx
@@ -21,23 +21,24 @@
     <p:sldId id="266" r:id="rId17"/>
     <p:sldId id="267" r:id="rId18"/>
     <p:sldId id="268" r:id="rId19"/>
+    <p:sldId id="269" r:id="rId20"/>
   </p:sldIdLst>
   <p:sldSz cy="5143500" cx="9144000"/>
   <p:notesSz cx="6858000" cy="9144000"/>
   <p:embeddedFontLst>
     <p:embeddedFont>
       <p:font typeface="Montserrat"/>
-      <p:regular r:id="rId20"/>
-      <p:bold r:id="rId21"/>
-      <p:italic r:id="rId22"/>
-      <p:boldItalic r:id="rId23"/>
+      <p:regular r:id="rId21"/>
+      <p:bold r:id="rId22"/>
+      <p:italic r:id="rId23"/>
+      <p:boldItalic r:id="rId24"/>
     </p:embeddedFont>
     <p:embeddedFont>
       <p:font typeface="Lato"/>
-      <p:regular r:id="rId24"/>
-      <p:bold r:id="rId25"/>
-      <p:italic r:id="rId26"/>
-      <p:boldItalic r:id="rId27"/>
+      <p:regular r:id="rId25"/>
+      <p:bold r:id="rId26"/>
+      <p:italic r:id="rId27"/>
+      <p:boldItalic r:id="rId28"/>
     </p:embeddedFont>
   </p:embeddedFontLst>
   <p:defaultTextStyle>
@@ -818,7 +819,7 @@
   <p:cSld>
     <p:spTree>
       <p:nvGrpSpPr>
-        <p:cNvPr id="193" name="Shape 193"/>
+        <p:cNvPr id="191" name="Shape 191"/>
         <p:cNvGrpSpPr/>
         <p:nvPr/>
       </p:nvGrpSpPr>
@@ -832,7 +833,7 @@
       </p:grpSpPr>
       <p:sp>
         <p:nvSpPr>
-          <p:cNvPr id="194" name="Google Shape;194;g3801f5f98d5_0_192:notes"/>
+          <p:cNvPr id="192" name="Google Shape;192;g3801f5f98d5_0_180:notes"/>
           <p:cNvSpPr/>
           <p:nvPr>
             <p:ph idx="2" type="sldImg"/>
@@ -867,7 +868,7 @@
       </p:sp>
       <p:sp>
         <p:nvSpPr>
-          <p:cNvPr id="195" name="Google Shape;195;g3801f5f98d5_0_192:notes"/>
+          <p:cNvPr id="193" name="Google Shape;193;g3801f5f98d5_0_180:notes"/>
           <p:cNvSpPr txBox="1"/>
           <p:nvPr>
             <p:ph idx="1" type="body"/>
@@ -917,7 +918,7 @@
   <p:cSld>
     <p:spTree>
       <p:nvGrpSpPr>
-        <p:cNvPr id="207" name="Shape 207"/>
+        <p:cNvPr id="200" name="Shape 200"/>
         <p:cNvGrpSpPr/>
         <p:nvPr/>
       </p:nvGrpSpPr>
@@ -931,7 +932,7 @@
       </p:grpSpPr>
       <p:sp>
         <p:nvSpPr>
-          <p:cNvPr id="208" name="Google Shape;208;g3801f5f98d5_0_200:notes"/>
+          <p:cNvPr id="201" name="Google Shape;201;g3801f5f98d5_0_192:notes"/>
           <p:cNvSpPr/>
           <p:nvPr>
             <p:ph idx="2" type="sldImg"/>
@@ -966,7 +967,7 @@
       </p:sp>
       <p:sp>
         <p:nvSpPr>
-          <p:cNvPr id="209" name="Google Shape;209;g3801f5f98d5_0_200:notes"/>
+          <p:cNvPr id="202" name="Google Shape;202;g3801f5f98d5_0_192:notes"/>
           <p:cNvSpPr txBox="1"/>
           <p:nvPr>
             <p:ph idx="1" type="body"/>
@@ -1030,7 +1031,7 @@
       </p:grpSpPr>
       <p:sp>
         <p:nvSpPr>
-          <p:cNvPr id="215" name="Google Shape;215;g3801f5f98d5_0_228:notes"/>
+          <p:cNvPr id="215" name="Google Shape;215;g3801f5f98d5_0_200:notes"/>
           <p:cNvSpPr/>
           <p:nvPr>
             <p:ph idx="2" type="sldImg"/>
@@ -1065,7 +1066,7 @@
       </p:sp>
       <p:sp>
         <p:nvSpPr>
-          <p:cNvPr id="216" name="Google Shape;216;g3801f5f98d5_0_228:notes"/>
+          <p:cNvPr id="216" name="Google Shape;216;g3801f5f98d5_0_200:notes"/>
           <p:cNvSpPr txBox="1"/>
           <p:nvPr>
             <p:ph idx="1" type="body"/>
@@ -1115,7 +1116,7 @@
   <p:cSld>
     <p:spTree>
       <p:nvGrpSpPr>
-        <p:cNvPr id="219" name="Shape 219"/>
+        <p:cNvPr id="221" name="Shape 221"/>
         <p:cNvGrpSpPr/>
         <p:nvPr/>
       </p:nvGrpSpPr>
@@ -1129,7 +1130,7 @@
       </p:grpSpPr>
       <p:sp>
         <p:nvSpPr>
-          <p:cNvPr id="220" name="Google Shape;220;g3801f5f98d5_0_232:notes"/>
+          <p:cNvPr id="222" name="Google Shape;222;g3801f5f98d5_0_228:notes"/>
           <p:cNvSpPr/>
           <p:nvPr>
             <p:ph idx="2" type="sldImg"/>
@@ -1164,7 +1165,106 @@
       </p:sp>
       <p:sp>
         <p:nvSpPr>
-          <p:cNvPr id="221" name="Google Shape;221;g3801f5f98d5_0_232:notes"/>
+          <p:cNvPr id="223" name="Google Shape;223;g3801f5f98d5_0_228:notes"/>
+          <p:cNvSpPr txBox="1"/>
+          <p:nvPr>
+            <p:ph idx="1" type="body"/>
+          </p:nvPr>
+        </p:nvSpPr>
+        <p:spPr>
+          <a:xfrm>
+            <a:off x="685800" y="4343400"/>
+            <a:ext cx="5486400" cy="4114800"/>
+          </a:xfrm>
+          <a:prstGeom prst="rect">
+            <a:avLst/>
+          </a:prstGeom>
+        </p:spPr>
+        <p:txBody>
+          <a:bodyPr anchorCtr="0" anchor="t" bIns="91425" lIns="91425" spcFirstLastPara="1" rIns="91425" wrap="square" tIns="91425">
+            <a:noAutofit/>
+          </a:bodyPr>
+          <a:lstStyle/>
+          <a:p>
+            <a:pPr indent="0" lvl="0" marL="0" rtl="0" algn="l">
+              <a:spcBef>
+                <a:spcPts val="0"/>
+              </a:spcBef>
+              <a:spcAft>
+                <a:spcPts val="0"/>
+              </a:spcAft>
+              <a:buNone/>
+            </a:pPr>
+            <a:r>
+              <a:t/>
+            </a:r>
+            <a:endParaRPr/>
+          </a:p>
+        </p:txBody>
+      </p:sp>
+    </p:spTree>
+  </p:cSld>
+  <p:clrMapOvr>
+    <a:masterClrMapping/>
+  </p:clrMapOvr>
+</p:notes>
+</file>
+
+<file path=ppt/notesSlides/notesSlide14.xml><?xml version="1.0" encoding="utf-8"?>
+<p:notes xmlns:a="http://schemas.openxmlformats.org/drawingml/2006/main" xmlns:r="http://schemas.openxmlformats.org/officeDocument/2006/relationships" xmlns:mc="http://schemas.openxmlformats.org/markup-compatibility/2006" xmlns:mv="urn:schemas-microsoft-com:mac:vml" xmlns:p="http://schemas.openxmlformats.org/presentationml/2006/main" xmlns:c="http://schemas.openxmlformats.org/drawingml/2006/chart" xmlns:dgm="http://schemas.openxmlformats.org/drawingml/2006/diagram" xmlns:o="urn:schemas-microsoft-com:office:office" xmlns:v="urn:schemas-microsoft-com:vml" xmlns:pvml="urn:schemas-microsoft-com:office:powerpoint" xmlns:com="http://schemas.openxmlformats.org/drawingml/2006/compatibility" xmlns:p14="http://schemas.microsoft.com/office/powerpoint/2010/main" xmlns:p15="http://schemas.microsoft.com/office/powerpoint/2012/main" xmlns:ahyp="http://schemas.microsoft.com/office/drawing/2018/hyperlinkcolor" showMasterPhAnim="0" showMasterSp="0">
+  <p:cSld>
+    <p:spTree>
+      <p:nvGrpSpPr>
+        <p:cNvPr id="226" name="Shape 226"/>
+        <p:cNvGrpSpPr/>
+        <p:nvPr/>
+      </p:nvGrpSpPr>
+      <p:grpSpPr>
+        <a:xfrm>
+          <a:off x="0" y="0"/>
+          <a:ext cx="0" cy="0"/>
+          <a:chOff x="0" y="0"/>
+          <a:chExt cx="0" cy="0"/>
+        </a:xfrm>
+      </p:grpSpPr>
+      <p:sp>
+        <p:nvSpPr>
+          <p:cNvPr id="227" name="Google Shape;227;g3801f5f98d5_0_232:notes"/>
+          <p:cNvSpPr/>
+          <p:nvPr>
+            <p:ph idx="2" type="sldImg"/>
+          </p:nvPr>
+        </p:nvSpPr>
+        <p:spPr>
+          <a:xfrm>
+            <a:off x="381300" y="685800"/>
+            <a:ext cx="6096000" cy="3429000"/>
+          </a:xfrm>
+          <a:custGeom>
+            <a:rect b="b" l="l" r="r" t="t"/>
+            <a:pathLst>
+              <a:path extrusionOk="0" h="120000" w="120000">
+                <a:moveTo>
+                  <a:pt x="0" y="0"/>
+                </a:moveTo>
+                <a:lnTo>
+                  <a:pt x="120000" y="0"/>
+                </a:lnTo>
+                <a:lnTo>
+                  <a:pt x="120000" y="120000"/>
+                </a:lnTo>
+                <a:lnTo>
+                  <a:pt x="0" y="120000"/>
+                </a:lnTo>
+                <a:close/>
+              </a:path>
+            </a:pathLst>
+          </a:custGeom>
+        </p:spPr>
+      </p:sp>
+      <p:sp>
+        <p:nvSpPr>
+          <p:cNvPr id="228" name="Google Shape;228;g3801f5f98d5_0_232:notes"/>
           <p:cNvSpPr txBox="1"/>
           <p:nvPr>
             <p:ph idx="1" type="body"/>
@@ -1327,7 +1427,7 @@
       </p:grpSpPr>
       <p:sp>
         <p:nvSpPr>
-          <p:cNvPr id="144" name="Google Shape;144;g3801f5f98d5_0_125:notes"/>
+          <p:cNvPr id="144" name="Google Shape;144;g3808643a290_0_0:notes"/>
           <p:cNvSpPr/>
           <p:nvPr>
             <p:ph idx="2" type="sldImg"/>
@@ -1362,7 +1462,7 @@
       </p:sp>
       <p:sp>
         <p:nvSpPr>
-          <p:cNvPr id="145" name="Google Shape;145;g3801f5f98d5_0_125:notes"/>
+          <p:cNvPr id="145" name="Google Shape;145;g3808643a290_0_0:notes"/>
           <p:cNvSpPr txBox="1"/>
           <p:nvPr>
             <p:ph idx="1" type="body"/>
@@ -1412,7 +1512,7 @@
   <p:cSld>
     <p:spTree>
       <p:nvGrpSpPr>
-        <p:cNvPr id="148" name="Shape 148"/>
+        <p:cNvPr id="149" name="Shape 149"/>
         <p:cNvGrpSpPr/>
         <p:nvPr/>
       </p:nvGrpSpPr>
@@ -1426,7 +1526,7 @@
       </p:grpSpPr>
       <p:sp>
         <p:nvSpPr>
-          <p:cNvPr id="149" name="Google Shape;149;g3801f5f98d5_0_133:notes"/>
+          <p:cNvPr id="150" name="Google Shape;150;g3801f5f98d5_0_125:notes"/>
           <p:cNvSpPr/>
           <p:nvPr>
             <p:ph idx="2" type="sldImg"/>
@@ -1461,7 +1561,7 @@
       </p:sp>
       <p:sp>
         <p:nvSpPr>
-          <p:cNvPr id="150" name="Google Shape;150;g3801f5f98d5_0_133:notes"/>
+          <p:cNvPr id="151" name="Google Shape;151;g3801f5f98d5_0_125:notes"/>
           <p:cNvSpPr txBox="1"/>
           <p:nvPr>
             <p:ph idx="1" type="body"/>
@@ -1511,7 +1611,7 @@
   <p:cSld>
     <p:spTree>
       <p:nvGrpSpPr>
-        <p:cNvPr id="157" name="Shape 157"/>
+        <p:cNvPr id="154" name="Shape 154"/>
         <p:cNvGrpSpPr/>
         <p:nvPr/>
       </p:nvGrpSpPr>
@@ -1525,7 +1625,7 @@
       </p:grpSpPr>
       <p:sp>
         <p:nvSpPr>
-          <p:cNvPr id="158" name="Google Shape;158;g3801f5f98d5_0_139:notes"/>
+          <p:cNvPr id="155" name="Google Shape;155;g3801f5f98d5_0_133:notes"/>
           <p:cNvSpPr/>
           <p:nvPr>
             <p:ph idx="2" type="sldImg"/>
@@ -1560,7 +1660,7 @@
       </p:sp>
       <p:sp>
         <p:nvSpPr>
-          <p:cNvPr id="159" name="Google Shape;159;g3801f5f98d5_0_139:notes"/>
+          <p:cNvPr id="156" name="Google Shape;156;g3801f5f98d5_0_133:notes"/>
           <p:cNvSpPr txBox="1"/>
           <p:nvPr>
             <p:ph idx="1" type="body"/>
@@ -1610,7 +1710,7 @@
   <p:cSld>
     <p:spTree>
       <p:nvGrpSpPr>
-        <p:cNvPr id="165" name="Shape 165"/>
+        <p:cNvPr id="163" name="Shape 163"/>
         <p:cNvGrpSpPr/>
         <p:nvPr/>
       </p:nvGrpSpPr>
@@ -1624,7 +1724,7 @@
       </p:grpSpPr>
       <p:sp>
         <p:nvSpPr>
-          <p:cNvPr id="166" name="Google Shape;166;g3801f5f98d5_0_167:notes"/>
+          <p:cNvPr id="164" name="Google Shape;164;g3801f5f98d5_0_139:notes"/>
           <p:cNvSpPr/>
           <p:nvPr>
             <p:ph idx="2" type="sldImg"/>
@@ -1659,7 +1759,7 @@
       </p:sp>
       <p:sp>
         <p:nvSpPr>
-          <p:cNvPr id="167" name="Google Shape;167;g3801f5f98d5_0_167:notes"/>
+          <p:cNvPr id="165" name="Google Shape;165;g3801f5f98d5_0_139:notes"/>
           <p:cNvSpPr txBox="1"/>
           <p:nvPr>
             <p:ph idx="1" type="body"/>
@@ -1709,7 +1809,7 @@
   <p:cSld>
     <p:spTree>
       <p:nvGrpSpPr>
-        <p:cNvPr id="172" name="Shape 172"/>
+        <p:cNvPr id="171" name="Shape 171"/>
         <p:cNvGrpSpPr/>
         <p:nvPr/>
       </p:nvGrpSpPr>
@@ -1723,7 +1823,7 @@
       </p:grpSpPr>
       <p:sp>
         <p:nvSpPr>
-          <p:cNvPr id="173" name="Google Shape;173;g3801f5f98d5_0_145:notes"/>
+          <p:cNvPr id="172" name="Google Shape;172;g3801f5f98d5_0_167:notes"/>
           <p:cNvSpPr/>
           <p:nvPr>
             <p:ph idx="2" type="sldImg"/>
@@ -1758,7 +1858,7 @@
       </p:sp>
       <p:sp>
         <p:nvSpPr>
-          <p:cNvPr id="174" name="Google Shape;174;g3801f5f98d5_0_145:notes"/>
+          <p:cNvPr id="173" name="Google Shape;173;g3801f5f98d5_0_167:notes"/>
           <p:cNvSpPr txBox="1"/>
           <p:nvPr>
             <p:ph idx="1" type="body"/>
@@ -1808,7 +1908,7 @@
   <p:cSld>
     <p:spTree>
       <p:nvGrpSpPr>
-        <p:cNvPr id="177" name="Shape 177"/>
+        <p:cNvPr id="178" name="Shape 178"/>
         <p:cNvGrpSpPr/>
         <p:nvPr/>
       </p:nvGrpSpPr>
@@ -1822,7 +1922,7 @@
       </p:grpSpPr>
       <p:sp>
         <p:nvSpPr>
-          <p:cNvPr id="178" name="Google Shape;178;g3801f5f98d5_0_174:notes"/>
+          <p:cNvPr id="179" name="Google Shape;179;g3801f5f98d5_0_145:notes"/>
           <p:cNvSpPr/>
           <p:nvPr>
             <p:ph idx="2" type="sldImg"/>
@@ -1857,7 +1957,7 @@
       </p:sp>
       <p:sp>
         <p:nvSpPr>
-          <p:cNvPr id="179" name="Google Shape;179;g3801f5f98d5_0_174:notes"/>
+          <p:cNvPr id="180" name="Google Shape;180;g3801f5f98d5_0_145:notes"/>
           <p:cNvSpPr txBox="1"/>
           <p:nvPr>
             <p:ph idx="1" type="body"/>
@@ -1907,7 +2007,7 @@
   <p:cSld>
     <p:spTree>
       <p:nvGrpSpPr>
-        <p:cNvPr id="184" name="Shape 184"/>
+        <p:cNvPr id="183" name="Shape 183"/>
         <p:cNvGrpSpPr/>
         <p:nvPr/>
       </p:nvGrpSpPr>
@@ -1921,7 +2021,7 @@
       </p:grpSpPr>
       <p:sp>
         <p:nvSpPr>
-          <p:cNvPr id="185" name="Google Shape;185;g3801f5f98d5_0_180:notes"/>
+          <p:cNvPr id="184" name="Google Shape;184;g3801f5f98d5_0_174:notes"/>
           <p:cNvSpPr/>
           <p:nvPr>
             <p:ph idx="2" type="sldImg"/>
@@ -1956,7 +2056,7 @@
       </p:sp>
       <p:sp>
         <p:nvSpPr>
-          <p:cNvPr id="186" name="Google Shape;186;g3801f5f98d5_0_180:notes"/>
+          <p:cNvPr id="185" name="Google Shape;185;g3801f5f98d5_0_174:notes"/>
           <p:cNvSpPr txBox="1"/>
           <p:nvPr>
             <p:ph idx="1" type="body"/>
@@ -10373,7 +10473,7 @@
   <p:cSld>
     <p:spTree>
       <p:nvGrpSpPr>
-        <p:cNvPr id="196" name="Shape 196"/>
+        <p:cNvPr id="194" name="Shape 194"/>
         <p:cNvGrpSpPr/>
         <p:nvPr/>
       </p:nvGrpSpPr>
@@ -10387,7 +10487,265 @@
       </p:grpSpPr>
       <p:sp>
         <p:nvSpPr>
-          <p:cNvPr id="197" name="Google Shape;197;p22"/>
+          <p:cNvPr id="195" name="Google Shape;195;p22"/>
+          <p:cNvSpPr txBox="1"/>
+          <p:nvPr>
+            <p:ph type="title"/>
+          </p:nvPr>
+        </p:nvSpPr>
+        <p:spPr>
+          <a:xfrm>
+            <a:off x="1100200" y="821275"/>
+            <a:ext cx="4510200" cy="560100"/>
+          </a:xfrm>
+          <a:prstGeom prst="rect">
+            <a:avLst/>
+          </a:prstGeom>
+        </p:spPr>
+        <p:txBody>
+          <a:bodyPr anchorCtr="0" anchor="t" bIns="91425" lIns="91425" spcFirstLastPara="1" rIns="91425" wrap="square" tIns="91425">
+            <a:normAutofit/>
+          </a:bodyPr>
+          <a:lstStyle/>
+          <a:p>
+            <a:pPr indent="0" lvl="0" marL="0" rtl="0" algn="l">
+              <a:spcBef>
+                <a:spcPts val="0"/>
+              </a:spcBef>
+              <a:spcAft>
+                <a:spcPts val="0"/>
+              </a:spcAft>
+              <a:buNone/>
+            </a:pPr>
+            <a:r>
+              <a:rPr lang="it" sz="2000"/>
+              <a:t>IMPLEMENTAZIONE CLASSI</a:t>
+            </a:r>
+            <a:endParaRPr sz="2000"/>
+          </a:p>
+        </p:txBody>
+      </p:sp>
+      <p:grpSp>
+        <p:nvGrpSpPr>
+          <p:cNvPr id="196" name="Google Shape;196;p22"/>
+          <p:cNvGrpSpPr/>
+          <p:nvPr/>
+        </p:nvGrpSpPr>
+        <p:grpSpPr>
+          <a:xfrm>
+            <a:off x="5057356" y="1646478"/>
+            <a:ext cx="3578911" cy="2316945"/>
+            <a:chOff x="2696850" y="1357800"/>
+            <a:chExt cx="3750300" cy="2427900"/>
+          </a:xfrm>
+        </p:grpSpPr>
+        <p:sp>
+          <p:nvSpPr>
+            <p:cNvPr id="197" name="Google Shape;197;p22"/>
+            <p:cNvSpPr/>
+            <p:nvPr/>
+          </p:nvSpPr>
+          <p:spPr>
+            <a:xfrm>
+              <a:off x="2696850" y="1357800"/>
+              <a:ext cx="3750300" cy="2427900"/>
+            </a:xfrm>
+            <a:prstGeom prst="rect">
+              <a:avLst/>
+            </a:prstGeom>
+            <a:solidFill>
+              <a:schemeClr val="lt1"/>
+            </a:solidFill>
+            <a:ln cap="flat" cmpd="sng" w="9075">
+              <a:solidFill>
+                <a:schemeClr val="dk2"/>
+              </a:solidFill>
+              <a:prstDash val="solid"/>
+              <a:round/>
+              <a:headEnd len="sm" w="sm" type="none"/>
+              <a:tailEnd len="sm" w="sm" type="none"/>
+            </a:ln>
+          </p:spPr>
+          <p:txBody>
+            <a:bodyPr anchorCtr="0" anchor="ctr" bIns="87250" lIns="87250" spcFirstLastPara="1" rIns="87250" wrap="square" tIns="87250">
+              <a:noAutofit/>
+            </a:bodyPr>
+            <a:lstStyle/>
+            <a:p>
+              <a:pPr indent="0" lvl="0" marL="0" rtl="0" algn="ctr">
+                <a:spcBef>
+                  <a:spcPts val="0"/>
+                </a:spcBef>
+                <a:spcAft>
+                  <a:spcPts val="0"/>
+                </a:spcAft>
+                <a:buNone/>
+              </a:pPr>
+              <a:r>
+                <a:t/>
+              </a:r>
+              <a:endParaRPr sz="1335">
+                <a:latin typeface="Lato"/>
+                <a:ea typeface="Lato"/>
+                <a:cs typeface="Lato"/>
+                <a:sym typeface="Lato"/>
+              </a:endParaRPr>
+            </a:p>
+          </p:txBody>
+        </p:sp>
+        <p:pic>
+          <p:nvPicPr>
+            <p:cNvPr id="198" name="Google Shape;198;p22"/>
+            <p:cNvPicPr preferRelativeResize="0"/>
+            <p:nvPr/>
+          </p:nvPicPr>
+          <p:blipFill>
+            <a:blip r:embed="rId3">
+              <a:alphaModFix/>
+            </a:blip>
+            <a:stretch>
+              <a:fillRect/>
+            </a:stretch>
+          </p:blipFill>
+          <p:spPr>
+            <a:xfrm>
+              <a:off x="2769188" y="1454725"/>
+              <a:ext cx="3605625" cy="2234050"/>
+            </a:xfrm>
+            <a:prstGeom prst="rect">
+              <a:avLst/>
+            </a:prstGeom>
+            <a:noFill/>
+            <a:ln>
+              <a:noFill/>
+            </a:ln>
+          </p:spPr>
+        </p:pic>
+      </p:grpSp>
+      <p:sp>
+        <p:nvSpPr>
+          <p:cNvPr id="199" name="Google Shape;199;p22"/>
+          <p:cNvSpPr txBox="1"/>
+          <p:nvPr>
+            <p:ph idx="1" type="body"/>
+          </p:nvPr>
+        </p:nvSpPr>
+        <p:spPr>
+          <a:xfrm>
+            <a:off x="1100200" y="1646475"/>
+            <a:ext cx="3403200" cy="2911200"/>
+          </a:xfrm>
+          <a:prstGeom prst="rect">
+            <a:avLst/>
+          </a:prstGeom>
+        </p:spPr>
+        <p:txBody>
+          <a:bodyPr anchorCtr="0" anchor="t" bIns="91425" lIns="91425" spcFirstLastPara="1" rIns="91425" wrap="square" tIns="91425">
+            <a:normAutofit/>
+          </a:bodyPr>
+          <a:lstStyle/>
+          <a:p>
+            <a:pPr indent="0" lvl="0" marL="0" rtl="0" algn="l">
+              <a:spcBef>
+                <a:spcPts val="0"/>
+              </a:spcBef>
+              <a:spcAft>
+                <a:spcPts val="0"/>
+              </a:spcAft>
+              <a:buNone/>
+            </a:pPr>
+            <a:r>
+              <a:rPr lang="it"/>
+              <a:t>Suddivisione in due fasi:</a:t>
+            </a:r>
+            <a:endParaRPr/>
+          </a:p>
+          <a:p>
+            <a:pPr indent="-311150" lvl="0" marL="457200" rtl="0" algn="l">
+              <a:lnSpc>
+                <a:spcPct val="200000"/>
+              </a:lnSpc>
+              <a:spcBef>
+                <a:spcPts val="1200"/>
+              </a:spcBef>
+              <a:spcAft>
+                <a:spcPts val="0"/>
+              </a:spcAft>
+              <a:buSzPts val="1300"/>
+              <a:buAutoNum type="arabicPeriod"/>
+            </a:pPr>
+            <a:r>
+              <a:rPr lang="it"/>
+              <a:t>Sviluppo diagramma </a:t>
+            </a:r>
+            <a:endParaRPr/>
+          </a:p>
+          <a:p>
+            <a:pPr indent="-311150" lvl="0" marL="457200" rtl="0" algn="l">
+              <a:lnSpc>
+                <a:spcPct val="200000"/>
+              </a:lnSpc>
+              <a:spcBef>
+                <a:spcPts val="0"/>
+              </a:spcBef>
+              <a:spcAft>
+                <a:spcPts val="0"/>
+              </a:spcAft>
+              <a:buSzPts val="1300"/>
+              <a:buAutoNum type="arabicPeriod"/>
+            </a:pPr>
+            <a:r>
+              <a:rPr lang="it"/>
+              <a:t>Refactoring codice</a:t>
+            </a:r>
+            <a:endParaRPr/>
+          </a:p>
+          <a:p>
+            <a:pPr indent="0" lvl="0" marL="0" rtl="0" algn="l">
+              <a:spcBef>
+                <a:spcPts val="1200"/>
+              </a:spcBef>
+              <a:spcAft>
+                <a:spcPts val="1200"/>
+              </a:spcAft>
+              <a:buNone/>
+            </a:pPr>
+            <a:r>
+              <a:rPr lang="it"/>
+              <a:t>Significativo il testing coordinato del software  per il debugging.</a:t>
+            </a:r>
+            <a:endParaRPr/>
+          </a:p>
+        </p:txBody>
+      </p:sp>
+    </p:spTree>
+  </p:cSld>
+  <p:clrMapOvr>
+    <a:masterClrMapping/>
+  </p:clrMapOvr>
+</p:sld>
+</file>
+
+<file path=ppt/slides/slide11.xml><?xml version="1.0" encoding="utf-8"?>
+<p:sld xmlns:a="http://schemas.openxmlformats.org/drawingml/2006/main" xmlns:r="http://schemas.openxmlformats.org/officeDocument/2006/relationships" xmlns:mc="http://schemas.openxmlformats.org/markup-compatibility/2006" xmlns:mv="urn:schemas-microsoft-com:mac:vml" xmlns:p="http://schemas.openxmlformats.org/presentationml/2006/main" xmlns:c="http://schemas.openxmlformats.org/drawingml/2006/chart" xmlns:dgm="http://schemas.openxmlformats.org/drawingml/2006/diagram" xmlns:o="urn:schemas-microsoft-com:office:office" xmlns:v="urn:schemas-microsoft-com:vml" xmlns:pvml="urn:schemas-microsoft-com:office:powerpoint" xmlns:com="http://schemas.openxmlformats.org/drawingml/2006/compatibility" xmlns:p14="http://schemas.microsoft.com/office/powerpoint/2010/main" xmlns:p15="http://schemas.microsoft.com/office/powerpoint/2012/main" xmlns:ahyp="http://schemas.microsoft.com/office/drawing/2018/hyperlinkcolor">
+  <p:cSld>
+    <p:spTree>
+      <p:nvGrpSpPr>
+        <p:cNvPr id="203" name="Shape 203"/>
+        <p:cNvGrpSpPr/>
+        <p:nvPr/>
+      </p:nvGrpSpPr>
+      <p:grpSpPr>
+        <a:xfrm>
+          <a:off x="0" y="0"/>
+          <a:ext cx="0" cy="0"/>
+          <a:chOff x="0" y="0"/>
+          <a:chExt cx="0" cy="0"/>
+        </a:xfrm>
+      </p:grpSpPr>
+      <p:sp>
+        <p:nvSpPr>
+          <p:cNvPr id="204" name="Google Shape;204;p23"/>
           <p:cNvSpPr txBox="1"/>
           <p:nvPr>
             <p:ph type="title"/>
@@ -10427,7 +10785,7 @@
       </p:sp>
       <p:sp>
         <p:nvSpPr>
-          <p:cNvPr id="198" name="Google Shape;198;p22"/>
+          <p:cNvPr id="205" name="Google Shape;205;p23"/>
           <p:cNvSpPr txBox="1"/>
           <p:nvPr>
             <p:ph idx="1" type="body"/>
@@ -10542,7 +10900,7 @@
       </p:sp>
       <p:pic>
         <p:nvPicPr>
-          <p:cNvPr id="199" name="Google Shape;199;p22"/>
+          <p:cNvPr id="206" name="Google Shape;206;p23"/>
           <p:cNvPicPr preferRelativeResize="0"/>
           <p:nvPr/>
         </p:nvPicPr>
@@ -10570,7 +10928,7 @@
       </p:pic>
       <p:sp>
         <p:nvSpPr>
-          <p:cNvPr id="200" name="Google Shape;200;p22"/>
+          <p:cNvPr id="207" name="Google Shape;207;p23"/>
           <p:cNvSpPr txBox="1"/>
           <p:nvPr/>
         </p:nvSpPr>
@@ -10619,7 +10977,7 @@
       </p:sp>
       <p:grpSp>
         <p:nvGrpSpPr>
-          <p:cNvPr id="201" name="Google Shape;201;p22"/>
+          <p:cNvPr id="208" name="Google Shape;208;p23"/>
           <p:cNvGrpSpPr/>
           <p:nvPr/>
         </p:nvGrpSpPr>
@@ -10633,7 +10991,7 @@
         </p:grpSpPr>
         <p:pic>
           <p:nvPicPr>
-            <p:cNvPr id="202" name="Google Shape;202;p22"/>
+            <p:cNvPr id="209" name="Google Shape;209;p23"/>
             <p:cNvPicPr preferRelativeResize="0"/>
             <p:nvPr/>
           </p:nvPicPr>
@@ -10660,7 +11018,7 @@
         </p:pic>
         <p:sp>
           <p:nvSpPr>
-            <p:cNvPr id="203" name="Google Shape;203;p22"/>
+            <p:cNvPr id="210" name="Google Shape;210;p23"/>
             <p:cNvSpPr txBox="1"/>
             <p:nvPr/>
           </p:nvSpPr>
@@ -10719,7 +11077,7 @@
       </p:grpSp>
       <p:grpSp>
         <p:nvGrpSpPr>
-          <p:cNvPr id="204" name="Google Shape;204;p22"/>
+          <p:cNvPr id="211" name="Google Shape;211;p23"/>
           <p:cNvGrpSpPr/>
           <p:nvPr/>
         </p:nvGrpSpPr>
@@ -10733,7 +11091,7 @@
         </p:grpSpPr>
         <p:pic>
           <p:nvPicPr>
-            <p:cNvPr id="205" name="Google Shape;205;p22"/>
+            <p:cNvPr id="212" name="Google Shape;212;p23"/>
             <p:cNvPicPr preferRelativeResize="0"/>
             <p:nvPr/>
           </p:nvPicPr>
@@ -10760,7 +11118,7 @@
         </p:pic>
         <p:sp>
           <p:nvSpPr>
-            <p:cNvPr id="206" name="Google Shape;206;p22"/>
+            <p:cNvPr id="213" name="Google Shape;213;p23"/>
             <p:cNvSpPr txBox="1"/>
             <p:nvPr/>
           </p:nvSpPr>
@@ -10825,12 +11183,12 @@
 </p:sld>
 </file>
 
-<file path=ppt/slides/slide11.xml><?xml version="1.0" encoding="utf-8"?>
+<file path=ppt/slides/slide12.xml><?xml version="1.0" encoding="utf-8"?>
 <p:sld xmlns:a="http://schemas.openxmlformats.org/drawingml/2006/main" xmlns:r="http://schemas.openxmlformats.org/officeDocument/2006/relationships" xmlns:mc="http://schemas.openxmlformats.org/markup-compatibility/2006" xmlns:mv="urn:schemas-microsoft-com:mac:vml" xmlns:p="http://schemas.openxmlformats.org/presentationml/2006/main" xmlns:c="http://schemas.openxmlformats.org/drawingml/2006/chart" xmlns:dgm="http://schemas.openxmlformats.org/drawingml/2006/diagram" xmlns:o="urn:schemas-microsoft-com:office:office" xmlns:v="urn:schemas-microsoft-com:vml" xmlns:pvml="urn:schemas-microsoft-com:office:powerpoint" xmlns:com="http://schemas.openxmlformats.org/drawingml/2006/compatibility" xmlns:p14="http://schemas.microsoft.com/office/powerpoint/2010/main" xmlns:p15="http://schemas.microsoft.com/office/powerpoint/2012/main" xmlns:ahyp="http://schemas.microsoft.com/office/drawing/2018/hyperlinkcolor">
   <p:cSld>
     <p:spTree>
       <p:nvGrpSpPr>
-        <p:cNvPr id="210" name="Shape 210"/>
+        <p:cNvPr id="217" name="Shape 217"/>
         <p:cNvGrpSpPr/>
         <p:nvPr/>
       </p:nvGrpSpPr>
@@ -10844,7 +11202,7 @@
       </p:grpSpPr>
       <p:sp>
         <p:nvSpPr>
-          <p:cNvPr id="211" name="Google Shape;211;p23"/>
+          <p:cNvPr id="218" name="Google Shape;218;p24"/>
           <p:cNvSpPr txBox="1"/>
           <p:nvPr>
             <p:ph type="title"/>
@@ -10884,7 +11242,7 @@
       </p:sp>
       <p:sp>
         <p:nvSpPr>
-          <p:cNvPr id="212" name="Google Shape;212;p23"/>
+          <p:cNvPr id="219" name="Google Shape;219;p24"/>
           <p:cNvSpPr txBox="1"/>
           <p:nvPr>
             <p:ph idx="1" type="body"/>
@@ -10964,7 +11322,7 @@
       </p:sp>
       <p:pic>
         <p:nvPicPr>
-          <p:cNvPr id="213" name="Google Shape;213;p23" title="flusso.png"/>
+          <p:cNvPr id="220" name="Google Shape;220;p24" title="flusso.png"/>
           <p:cNvPicPr preferRelativeResize="0"/>
           <p:nvPr/>
         </p:nvPicPr>
@@ -10998,12 +11356,12 @@
 </p:sld>
 </file>
 
-<file path=ppt/slides/slide12.xml><?xml version="1.0" encoding="utf-8"?>
+<file path=ppt/slides/slide13.xml><?xml version="1.0" encoding="utf-8"?>
 <p:sld xmlns:a="http://schemas.openxmlformats.org/drawingml/2006/main" xmlns:r="http://schemas.openxmlformats.org/officeDocument/2006/relationships" xmlns:mc="http://schemas.openxmlformats.org/markup-compatibility/2006" xmlns:mv="urn:schemas-microsoft-com:mac:vml" xmlns:p="http://schemas.openxmlformats.org/presentationml/2006/main" xmlns:c="http://schemas.openxmlformats.org/drawingml/2006/chart" xmlns:dgm="http://schemas.openxmlformats.org/drawingml/2006/diagram" xmlns:o="urn:schemas-microsoft-com:office:office" xmlns:v="urn:schemas-microsoft-com:vml" xmlns:pvml="urn:schemas-microsoft-com:office:powerpoint" xmlns:com="http://schemas.openxmlformats.org/drawingml/2006/compatibility" xmlns:p14="http://schemas.microsoft.com/office/powerpoint/2010/main" xmlns:p15="http://schemas.microsoft.com/office/powerpoint/2012/main" xmlns:ahyp="http://schemas.microsoft.com/office/drawing/2018/hyperlinkcolor">
   <p:cSld>
     <p:spTree>
       <p:nvGrpSpPr>
-        <p:cNvPr id="217" name="Shape 217"/>
+        <p:cNvPr id="224" name="Shape 224"/>
         <p:cNvGrpSpPr/>
         <p:nvPr/>
       </p:nvGrpSpPr>
@@ -11017,7 +11375,7 @@
       </p:grpSpPr>
       <p:sp>
         <p:nvSpPr>
-          <p:cNvPr id="218" name="Google Shape;218;p24"/>
+          <p:cNvPr id="225" name="Google Shape;225;p25"/>
           <p:cNvSpPr txBox="1"/>
           <p:nvPr>
             <p:ph type="title"/>
@@ -11063,12 +11421,12 @@
 </p:sld>
 </file>
 
-<file path=ppt/slides/slide13.xml><?xml version="1.0" encoding="utf-8"?>
+<file path=ppt/slides/slide14.xml><?xml version="1.0" encoding="utf-8"?>
 <p:sld xmlns:a="http://schemas.openxmlformats.org/drawingml/2006/main" xmlns:r="http://schemas.openxmlformats.org/officeDocument/2006/relationships" xmlns:mc="http://schemas.openxmlformats.org/markup-compatibility/2006" xmlns:mv="urn:schemas-microsoft-com:mac:vml" xmlns:p="http://schemas.openxmlformats.org/presentationml/2006/main" xmlns:c="http://schemas.openxmlformats.org/drawingml/2006/chart" xmlns:dgm="http://schemas.openxmlformats.org/drawingml/2006/diagram" xmlns:o="urn:schemas-microsoft-com:office:office" xmlns:v="urn:schemas-microsoft-com:vml" xmlns:pvml="urn:schemas-microsoft-com:office:powerpoint" xmlns:com="http://schemas.openxmlformats.org/drawingml/2006/compatibility" xmlns:p14="http://schemas.microsoft.com/office/powerpoint/2010/main" xmlns:p15="http://schemas.microsoft.com/office/powerpoint/2012/main" xmlns:ahyp="http://schemas.microsoft.com/office/drawing/2018/hyperlinkcolor">
   <p:cSld>
     <p:spTree>
       <p:nvGrpSpPr>
-        <p:cNvPr id="222" name="Shape 222"/>
+        <p:cNvPr id="229" name="Shape 229"/>
         <p:cNvGrpSpPr/>
         <p:nvPr/>
       </p:nvGrpSpPr>
@@ -11082,7 +11440,7 @@
       </p:grpSpPr>
       <p:sp>
         <p:nvSpPr>
-          <p:cNvPr id="223" name="Google Shape;223;p25"/>
+          <p:cNvPr id="230" name="Google Shape;230;p26"/>
           <p:cNvSpPr txBox="1"/>
           <p:nvPr>
             <p:ph type="title"/>
@@ -11122,7 +11480,7 @@
       </p:sp>
       <p:sp>
         <p:nvSpPr>
-          <p:cNvPr id="224" name="Google Shape;224;p25"/>
+          <p:cNvPr id="231" name="Google Shape;231;p26"/>
           <p:cNvSpPr txBox="1"/>
           <p:nvPr>
             <p:ph idx="1" type="body"/>
@@ -11202,7 +11560,7 @@
       </p:sp>
       <p:graphicFrame>
         <p:nvGraphicFramePr>
-          <p:cNvPr id="225" name="Google Shape;225;p25"/>
+          <p:cNvPr id="232" name="Google Shape;232;p26"/>
           <p:cNvGraphicFramePr/>
           <p:nvPr/>
         </p:nvGraphicFramePr>
@@ -11215,7 +11573,7 @@
             <a:tbl>
               <a:tblPr>
                 <a:noFill/>
-                <a:tableStyleId>{247A5063-D817-4142-A812-E12212E0DBE5}</a:tableStyleId>
+                <a:tableStyleId>{450F87D2-49EB-4E2D-8740-32A8A3695292}</a:tableStyleId>
               </a:tblPr>
               <a:tblGrid>
                 <a:gridCol w="1990275"/>
@@ -11850,7 +12208,7 @@
       </p:graphicFrame>
       <p:sp>
         <p:nvSpPr>
-          <p:cNvPr id="226" name="Google Shape;226;p25"/>
+          <p:cNvPr id="233" name="Google Shape;233;p26"/>
           <p:cNvSpPr txBox="1"/>
           <p:nvPr/>
         </p:nvSpPr>
@@ -11968,11 +12326,111 @@
                 <a:spcPts val="0"/>
               </a:spcAft>
               <a:buSzPts val="1300"/>
-              <a:buAutoNum type="arabicPeriod"/>
+              <a:buChar char="●"/>
             </a:pPr>
             <a:r>
               <a:rPr lang="it" sz="1300"/>
-              <a:t>PROGETTAZIONE</a:t>
+              <a:t>Creazione di un gioco arcade </a:t>
+            </a:r>
+            <a:endParaRPr sz="1300"/>
+          </a:p>
+          <a:p>
+            <a:pPr indent="-311150" lvl="1" marL="914400" rtl="0" algn="l">
+              <a:lnSpc>
+                <a:spcPct val="200000"/>
+              </a:lnSpc>
+              <a:spcBef>
+                <a:spcPts val="0"/>
+              </a:spcBef>
+              <a:spcAft>
+                <a:spcPts val="0"/>
+              </a:spcAft>
+              <a:buSzPts val="1300"/>
+              <a:buChar char="○"/>
+            </a:pPr>
+            <a:r>
+              <a:rPr lang="it" sz="1300"/>
+              <a:t>Space Invaders, Asteroid e simili</a:t>
+            </a:r>
+            <a:endParaRPr sz="1300"/>
+          </a:p>
+          <a:p>
+            <a:pPr indent="-311150" lvl="0" marL="457200" rtl="0" algn="l">
+              <a:lnSpc>
+                <a:spcPct val="150000"/>
+              </a:lnSpc>
+              <a:spcBef>
+                <a:spcPts val="0"/>
+              </a:spcBef>
+              <a:spcAft>
+                <a:spcPts val="0"/>
+              </a:spcAft>
+              <a:buSzPts val="1300"/>
+              <a:buChar char="●"/>
+            </a:pPr>
+            <a:r>
+              <a:rPr lang="it" sz="1300"/>
+              <a:t>Multigiocatore cooperativo</a:t>
+            </a:r>
+            <a:endParaRPr sz="1300"/>
+          </a:p>
+          <a:p>
+            <a:pPr indent="-311150" lvl="1" marL="914400" rtl="0" algn="l">
+              <a:lnSpc>
+                <a:spcPct val="150000"/>
+              </a:lnSpc>
+              <a:spcBef>
+                <a:spcPts val="0"/>
+              </a:spcBef>
+              <a:spcAft>
+                <a:spcPts val="0"/>
+              </a:spcAft>
+              <a:buSzPts val="1300"/>
+              <a:buChar char="○"/>
+            </a:pPr>
+            <a:r>
+              <a:rPr lang="it" sz="1300"/>
+              <a:t>Un giocatore per il movimento</a:t>
+            </a:r>
+            <a:endParaRPr sz="1300"/>
+          </a:p>
+          <a:p>
+            <a:pPr indent="-311150" lvl="1" marL="914400" rtl="0" algn="l">
+              <a:lnSpc>
+                <a:spcPct val="200000"/>
+              </a:lnSpc>
+              <a:spcBef>
+                <a:spcPts val="0"/>
+              </a:spcBef>
+              <a:spcAft>
+                <a:spcPts val="0"/>
+              </a:spcAft>
+              <a:buSzPts val="1300"/>
+              <a:buChar char="○"/>
+            </a:pPr>
+            <a:r>
+              <a:rPr lang="it" sz="1300"/>
+              <a:t>Altri giocatori per l’uso dei cannoni</a:t>
+            </a:r>
+            <a:endParaRPr sz="1300"/>
+          </a:p>
+          <a:p>
+            <a:pPr indent="-311150" lvl="0" marL="457200" rtl="0" algn="l">
+              <a:lnSpc>
+                <a:spcPct val="115000"/>
+              </a:lnSpc>
+              <a:spcBef>
+                <a:spcPts val="0"/>
+              </a:spcBef>
+              <a:spcAft>
+                <a:spcPts val="0"/>
+              </a:spcAft>
+              <a:buSzPts val="1300"/>
+              <a:buChar char="●"/>
+            </a:pPr>
+            <a:r>
+              <a:rPr lang="it" sz="1300"/>
+              <a:t>Applicativo Web</a:t>
             </a:r>
             <a:endParaRPr sz="1300"/>
           </a:p>
@@ -11988,11 +12446,11 @@
                 <a:spcPts val="0"/>
               </a:spcAft>
               <a:buSzPts val="1300"/>
-              <a:buAutoNum type="arabicPeriod"/>
+              <a:buChar char="○"/>
             </a:pPr>
             <a:r>
               <a:rPr lang="it" sz="1300"/>
-              <a:t>Requisiti Utente</a:t>
+              <a:t>PHP, HTML, CSS, JavaScript</a:t>
             </a:r>
             <a:endParaRPr sz="1300"/>
           </a:p>
@@ -12008,151 +12466,11 @@
                 <a:spcPts val="0"/>
               </a:spcAft>
               <a:buSzPts val="1300"/>
-              <a:buAutoNum type="arabicPeriod"/>
+              <a:buChar char="○"/>
             </a:pPr>
             <a:r>
               <a:rPr lang="it" sz="1300"/>
-              <a:t>Software Requirements Specification</a:t>
-            </a:r>
-            <a:endParaRPr sz="1300"/>
-          </a:p>
-          <a:p>
-            <a:pPr indent="-311150" lvl="1" marL="914400" rtl="0" algn="l">
-              <a:lnSpc>
-                <a:spcPct val="200000"/>
-              </a:lnSpc>
-              <a:spcBef>
-                <a:spcPts val="0"/>
-              </a:spcBef>
-              <a:spcAft>
-                <a:spcPts val="0"/>
-              </a:spcAft>
-              <a:buSzPts val="1300"/>
-              <a:buAutoNum type="arabicPeriod"/>
-            </a:pPr>
-            <a:r>
-              <a:rPr lang="it" sz="1300"/>
-              <a:t>Story Cards</a:t>
-            </a:r>
-            <a:endParaRPr sz="1300"/>
-          </a:p>
-          <a:p>
-            <a:pPr indent="-311150" lvl="0" marL="457200" rtl="0" algn="l">
-              <a:lnSpc>
-                <a:spcPct val="150000"/>
-              </a:lnSpc>
-              <a:spcBef>
-                <a:spcPts val="0"/>
-              </a:spcBef>
-              <a:spcAft>
-                <a:spcPts val="0"/>
-              </a:spcAft>
-              <a:buSzPts val="1300"/>
-              <a:buAutoNum type="arabicPeriod"/>
-            </a:pPr>
-            <a:r>
-              <a:rPr lang="it" sz="1300"/>
-              <a:t>SVILUPPO</a:t>
-            </a:r>
-            <a:endParaRPr sz="1300"/>
-          </a:p>
-          <a:p>
-            <a:pPr indent="-311150" lvl="1" marL="914400" rtl="0" algn="l">
-              <a:lnSpc>
-                <a:spcPct val="115000"/>
-              </a:lnSpc>
-              <a:spcBef>
-                <a:spcPts val="0"/>
-              </a:spcBef>
-              <a:spcAft>
-                <a:spcPts val="0"/>
-              </a:spcAft>
-              <a:buSzPts val="1300"/>
-              <a:buAutoNum type="arabicPeriod"/>
-            </a:pPr>
-            <a:r>
-              <a:rPr lang="it" sz="1300"/>
-              <a:t>Sistema</a:t>
-            </a:r>
-            <a:endParaRPr sz="1300"/>
-          </a:p>
-          <a:p>
-            <a:pPr indent="-311150" lvl="1" marL="914400" rtl="0" algn="l">
-              <a:lnSpc>
-                <a:spcPct val="115000"/>
-              </a:lnSpc>
-              <a:spcBef>
-                <a:spcPts val="0"/>
-              </a:spcBef>
-              <a:spcAft>
-                <a:spcPts val="0"/>
-              </a:spcAft>
-              <a:buSzPts val="1300"/>
-              <a:buAutoNum type="arabicPeriod"/>
-            </a:pPr>
-            <a:r>
-              <a:rPr lang="it" sz="1300"/>
-              <a:t>Implementazione Classi</a:t>
-            </a:r>
-            <a:endParaRPr sz="1300"/>
-          </a:p>
-          <a:p>
-            <a:pPr indent="-311150" lvl="1" marL="914400" rtl="0" algn="l">
-              <a:lnSpc>
-                <a:spcPct val="115000"/>
-              </a:lnSpc>
-              <a:spcBef>
-                <a:spcPts val="0"/>
-              </a:spcBef>
-              <a:spcAft>
-                <a:spcPts val="0"/>
-              </a:spcAft>
-              <a:buSzPts val="1300"/>
-              <a:buAutoNum type="arabicPeriod"/>
-            </a:pPr>
-            <a:r>
-              <a:rPr lang="it" sz="1300"/>
-              <a:t>Visualizzazione Client</a:t>
-            </a:r>
-            <a:endParaRPr sz="1300"/>
-          </a:p>
-          <a:p>
-            <a:pPr indent="-311150" lvl="1" marL="914400" rtl="0" algn="l">
-              <a:lnSpc>
-                <a:spcPct val="200000"/>
-              </a:lnSpc>
-              <a:spcBef>
-                <a:spcPts val="0"/>
-              </a:spcBef>
-              <a:spcAft>
-                <a:spcPts val="0"/>
-              </a:spcAft>
-              <a:buSzPts val="1300"/>
-              <a:buAutoNum type="arabicPeriod"/>
-            </a:pPr>
-            <a:r>
-              <a:rPr lang="it" sz="1300"/>
-              <a:t>Input Client</a:t>
-            </a:r>
-            <a:endParaRPr sz="1300"/>
-          </a:p>
-          <a:p>
-            <a:pPr indent="-311150" lvl="0" marL="457200" rtl="0" algn="l">
-              <a:lnSpc>
-                <a:spcPct val="115000"/>
-              </a:lnSpc>
-              <a:spcBef>
-                <a:spcPts val="0"/>
-              </a:spcBef>
-              <a:spcAft>
-                <a:spcPts val="0"/>
-              </a:spcAft>
-              <a:buSzPts val="1300"/>
-              <a:buAutoNum type="arabicPeriod"/>
-            </a:pPr>
-            <a:r>
-              <a:rPr lang="it" sz="1300"/>
-              <a:t>DEBUGGING</a:t>
+              <a:t>Container Docker</a:t>
             </a:r>
             <a:endParaRPr sz="1300"/>
           </a:p>
@@ -12196,8 +12514,8 @@
         </p:nvSpPr>
         <p:spPr>
           <a:xfrm>
-            <a:off x="3072000" y="795850"/>
-            <a:ext cx="3000000" cy="492600"/>
+            <a:off x="2740950" y="795850"/>
+            <a:ext cx="3662100" cy="492600"/>
           </a:xfrm>
           <a:prstGeom prst="rect">
             <a:avLst/>
@@ -12232,7 +12550,7 @@
                 <a:cs typeface="Montserrat"/>
                 <a:sym typeface="Montserrat"/>
               </a:rPr>
-              <a:t>INDICE </a:t>
+              <a:t>Panoramica del Progetto</a:t>
             </a:r>
             <a:endParaRPr sz="2000" u="sng">
               <a:solidFill>
@@ -12281,6 +12599,343 @@
         </p:nvSpPr>
         <p:spPr>
           <a:xfrm>
+            <a:off x="1052550" y="1511875"/>
+            <a:ext cx="7038900" cy="2980500"/>
+          </a:xfrm>
+          <a:prstGeom prst="rect">
+            <a:avLst/>
+          </a:prstGeom>
+        </p:spPr>
+        <p:txBody>
+          <a:bodyPr anchorCtr="0" anchor="t" bIns="91425" lIns="91425" spcFirstLastPara="1" rIns="91425" wrap="square" tIns="91425">
+            <a:noAutofit/>
+          </a:bodyPr>
+          <a:lstStyle/>
+          <a:p>
+            <a:pPr indent="-311150" lvl="0" marL="457200" rtl="0" algn="l">
+              <a:lnSpc>
+                <a:spcPct val="150000"/>
+              </a:lnSpc>
+              <a:spcBef>
+                <a:spcPts val="0"/>
+              </a:spcBef>
+              <a:spcAft>
+                <a:spcPts val="0"/>
+              </a:spcAft>
+              <a:buSzPts val="1300"/>
+              <a:buAutoNum type="arabicPeriod"/>
+            </a:pPr>
+            <a:r>
+              <a:rPr lang="it" sz="1300"/>
+              <a:t>PROGETTAZIONE</a:t>
+            </a:r>
+            <a:endParaRPr sz="1300"/>
+          </a:p>
+          <a:p>
+            <a:pPr indent="-311150" lvl="1" marL="914400" rtl="0" algn="l">
+              <a:lnSpc>
+                <a:spcPct val="115000"/>
+              </a:lnSpc>
+              <a:spcBef>
+                <a:spcPts val="0"/>
+              </a:spcBef>
+              <a:spcAft>
+                <a:spcPts val="0"/>
+              </a:spcAft>
+              <a:buSzPts val="1300"/>
+              <a:buAutoNum type="arabicPeriod"/>
+            </a:pPr>
+            <a:r>
+              <a:rPr lang="it" sz="1300"/>
+              <a:t>Requisiti Utente</a:t>
+            </a:r>
+            <a:endParaRPr sz="1300"/>
+          </a:p>
+          <a:p>
+            <a:pPr indent="-311150" lvl="1" marL="914400" rtl="0" algn="l">
+              <a:lnSpc>
+                <a:spcPct val="115000"/>
+              </a:lnSpc>
+              <a:spcBef>
+                <a:spcPts val="0"/>
+              </a:spcBef>
+              <a:spcAft>
+                <a:spcPts val="0"/>
+              </a:spcAft>
+              <a:buSzPts val="1300"/>
+              <a:buAutoNum type="arabicPeriod"/>
+            </a:pPr>
+            <a:r>
+              <a:rPr lang="it" sz="1300"/>
+              <a:t>Software Requirements Specification</a:t>
+            </a:r>
+            <a:endParaRPr sz="1300"/>
+          </a:p>
+          <a:p>
+            <a:pPr indent="-311150" lvl="1" marL="914400" rtl="0" algn="l">
+              <a:lnSpc>
+                <a:spcPct val="200000"/>
+              </a:lnSpc>
+              <a:spcBef>
+                <a:spcPts val="0"/>
+              </a:spcBef>
+              <a:spcAft>
+                <a:spcPts val="0"/>
+              </a:spcAft>
+              <a:buSzPts val="1300"/>
+              <a:buAutoNum type="arabicPeriod"/>
+            </a:pPr>
+            <a:r>
+              <a:rPr lang="it" sz="1300"/>
+              <a:t>Story Cards</a:t>
+            </a:r>
+            <a:endParaRPr sz="1300"/>
+          </a:p>
+          <a:p>
+            <a:pPr indent="-311150" lvl="0" marL="457200" rtl="0" algn="l">
+              <a:lnSpc>
+                <a:spcPct val="150000"/>
+              </a:lnSpc>
+              <a:spcBef>
+                <a:spcPts val="0"/>
+              </a:spcBef>
+              <a:spcAft>
+                <a:spcPts val="0"/>
+              </a:spcAft>
+              <a:buSzPts val="1300"/>
+              <a:buAutoNum type="arabicPeriod"/>
+            </a:pPr>
+            <a:r>
+              <a:rPr lang="it" sz="1300"/>
+              <a:t>SVILUPPO</a:t>
+            </a:r>
+            <a:endParaRPr sz="1300"/>
+          </a:p>
+          <a:p>
+            <a:pPr indent="-311150" lvl="1" marL="914400" rtl="0" algn="l">
+              <a:lnSpc>
+                <a:spcPct val="115000"/>
+              </a:lnSpc>
+              <a:spcBef>
+                <a:spcPts val="0"/>
+              </a:spcBef>
+              <a:spcAft>
+                <a:spcPts val="0"/>
+              </a:spcAft>
+              <a:buSzPts val="1300"/>
+              <a:buAutoNum type="arabicPeriod"/>
+            </a:pPr>
+            <a:r>
+              <a:rPr lang="it" sz="1300"/>
+              <a:t>Sistema</a:t>
+            </a:r>
+            <a:endParaRPr sz="1300"/>
+          </a:p>
+          <a:p>
+            <a:pPr indent="-311150" lvl="1" marL="914400" rtl="0" algn="l">
+              <a:lnSpc>
+                <a:spcPct val="115000"/>
+              </a:lnSpc>
+              <a:spcBef>
+                <a:spcPts val="0"/>
+              </a:spcBef>
+              <a:spcAft>
+                <a:spcPts val="0"/>
+              </a:spcAft>
+              <a:buSzPts val="1300"/>
+              <a:buAutoNum type="arabicPeriod"/>
+            </a:pPr>
+            <a:r>
+              <a:rPr lang="it" sz="1300"/>
+              <a:t>Implementazione Classi</a:t>
+            </a:r>
+            <a:endParaRPr sz="1300"/>
+          </a:p>
+          <a:p>
+            <a:pPr indent="-311150" lvl="1" marL="914400" rtl="0" algn="l">
+              <a:lnSpc>
+                <a:spcPct val="115000"/>
+              </a:lnSpc>
+              <a:spcBef>
+                <a:spcPts val="0"/>
+              </a:spcBef>
+              <a:spcAft>
+                <a:spcPts val="0"/>
+              </a:spcAft>
+              <a:buSzPts val="1300"/>
+              <a:buAutoNum type="arabicPeriod"/>
+            </a:pPr>
+            <a:r>
+              <a:rPr lang="it" sz="1300"/>
+              <a:t>Visualizzazione Client</a:t>
+            </a:r>
+            <a:endParaRPr sz="1300"/>
+          </a:p>
+          <a:p>
+            <a:pPr indent="-311150" lvl="1" marL="914400" rtl="0" algn="l">
+              <a:lnSpc>
+                <a:spcPct val="200000"/>
+              </a:lnSpc>
+              <a:spcBef>
+                <a:spcPts val="0"/>
+              </a:spcBef>
+              <a:spcAft>
+                <a:spcPts val="0"/>
+              </a:spcAft>
+              <a:buSzPts val="1300"/>
+              <a:buAutoNum type="arabicPeriod"/>
+            </a:pPr>
+            <a:r>
+              <a:rPr lang="it" sz="1300"/>
+              <a:t>Input Client</a:t>
+            </a:r>
+            <a:endParaRPr sz="1300"/>
+          </a:p>
+          <a:p>
+            <a:pPr indent="-311150" lvl="0" marL="457200" rtl="0" algn="l">
+              <a:lnSpc>
+                <a:spcPct val="115000"/>
+              </a:lnSpc>
+              <a:spcBef>
+                <a:spcPts val="0"/>
+              </a:spcBef>
+              <a:spcAft>
+                <a:spcPts val="0"/>
+              </a:spcAft>
+              <a:buSzPts val="1300"/>
+              <a:buAutoNum type="arabicPeriod"/>
+            </a:pPr>
+            <a:r>
+              <a:rPr lang="it" sz="1300"/>
+              <a:t>DEBUGGING</a:t>
+            </a:r>
+            <a:endParaRPr sz="1300"/>
+          </a:p>
+          <a:p>
+            <a:pPr indent="0" lvl="0" marL="914400" rtl="0" algn="l">
+              <a:spcBef>
+                <a:spcPts val="0"/>
+              </a:spcBef>
+              <a:spcAft>
+                <a:spcPts val="0"/>
+              </a:spcAft>
+              <a:buNone/>
+            </a:pPr>
+            <a:r>
+              <a:t/>
+            </a:r>
+            <a:endParaRPr sz="1300"/>
+          </a:p>
+          <a:p>
+            <a:pPr indent="0" lvl="0" marL="0" rtl="0" algn="l">
+              <a:spcBef>
+                <a:spcPts val="0"/>
+              </a:spcBef>
+              <a:spcAft>
+                <a:spcPts val="0"/>
+              </a:spcAft>
+              <a:buNone/>
+            </a:pPr>
+            <a:r>
+              <a:t/>
+            </a:r>
+            <a:endParaRPr sz="2000"/>
+          </a:p>
+        </p:txBody>
+      </p:sp>
+      <p:sp>
+        <p:nvSpPr>
+          <p:cNvPr id="148" name="Google Shape;148;p15"/>
+          <p:cNvSpPr txBox="1"/>
+          <p:nvPr/>
+        </p:nvSpPr>
+        <p:spPr>
+          <a:xfrm>
+            <a:off x="3072000" y="795850"/>
+            <a:ext cx="3000000" cy="492600"/>
+          </a:xfrm>
+          <a:prstGeom prst="rect">
+            <a:avLst/>
+          </a:prstGeom>
+          <a:noFill/>
+          <a:ln>
+            <a:noFill/>
+          </a:ln>
+        </p:spPr>
+        <p:txBody>
+          <a:bodyPr anchorCtr="0" anchor="t" bIns="91425" lIns="91425" spcFirstLastPara="1" rIns="91425" wrap="square" tIns="91425">
+            <a:spAutoFit/>
+          </a:bodyPr>
+          <a:lstStyle/>
+          <a:p>
+            <a:pPr indent="0" lvl="0" marL="0" rtl="0" algn="ctr">
+              <a:spcBef>
+                <a:spcPts val="0"/>
+              </a:spcBef>
+              <a:spcAft>
+                <a:spcPts val="0"/>
+              </a:spcAft>
+              <a:buNone/>
+            </a:pPr>
+            <a:r>
+              <a:rPr lang="it" sz="2000" u="sng">
+                <a:solidFill>
+                  <a:schemeClr val="lt1"/>
+                </a:solidFill>
+                <a:latin typeface="Montserrat"/>
+                <a:ea typeface="Montserrat"/>
+                <a:cs typeface="Montserrat"/>
+                <a:sym typeface="Montserrat"/>
+              </a:rPr>
+              <a:t>INDICE </a:t>
+            </a:r>
+            <a:endParaRPr sz="2000" u="sng">
+              <a:solidFill>
+                <a:schemeClr val="lt1"/>
+              </a:solidFill>
+              <a:latin typeface="Montserrat"/>
+              <a:ea typeface="Montserrat"/>
+              <a:cs typeface="Montserrat"/>
+              <a:sym typeface="Montserrat"/>
+            </a:endParaRPr>
+          </a:p>
+        </p:txBody>
+      </p:sp>
+    </p:spTree>
+  </p:cSld>
+  <p:clrMapOvr>
+    <a:masterClrMapping/>
+  </p:clrMapOvr>
+</p:sld>
+</file>
+
+<file path=ppt/slides/slide4.xml><?xml version="1.0" encoding="utf-8"?>
+<p:sld xmlns:a="http://schemas.openxmlformats.org/drawingml/2006/main" xmlns:r="http://schemas.openxmlformats.org/officeDocument/2006/relationships" xmlns:mc="http://schemas.openxmlformats.org/markup-compatibility/2006" xmlns:mv="urn:schemas-microsoft-com:mac:vml" xmlns:p="http://schemas.openxmlformats.org/presentationml/2006/main" xmlns:c="http://schemas.openxmlformats.org/drawingml/2006/chart" xmlns:dgm="http://schemas.openxmlformats.org/drawingml/2006/diagram" xmlns:o="urn:schemas-microsoft-com:office:office" xmlns:v="urn:schemas-microsoft-com:vml" xmlns:pvml="urn:schemas-microsoft-com:office:powerpoint" xmlns:com="http://schemas.openxmlformats.org/drawingml/2006/compatibility" xmlns:p14="http://schemas.microsoft.com/office/powerpoint/2010/main" xmlns:p15="http://schemas.microsoft.com/office/powerpoint/2012/main" xmlns:ahyp="http://schemas.microsoft.com/office/drawing/2018/hyperlinkcolor">
+  <p:cSld>
+    <p:spTree>
+      <p:nvGrpSpPr>
+        <p:cNvPr id="152" name="Shape 152"/>
+        <p:cNvGrpSpPr/>
+        <p:nvPr/>
+      </p:nvGrpSpPr>
+      <p:grpSpPr>
+        <a:xfrm>
+          <a:off x="0" y="0"/>
+          <a:ext cx="0" cy="0"/>
+          <a:chOff x="0" y="0"/>
+          <a:chExt cx="0" cy="0"/>
+        </a:xfrm>
+      </p:grpSpPr>
+      <p:sp>
+        <p:nvSpPr>
+          <p:cNvPr id="153" name="Google Shape;153;p16"/>
+          <p:cNvSpPr txBox="1"/>
+          <p:nvPr>
+            <p:ph type="title"/>
+          </p:nvPr>
+        </p:nvSpPr>
+        <p:spPr>
+          <a:xfrm>
             <a:off x="2087150" y="1991850"/>
             <a:ext cx="3891000" cy="1159800"/>
           </a:xfrm>
@@ -12319,12 +12974,12 @@
 </p:sld>
 </file>
 
-<file path=ppt/slides/slide4.xml><?xml version="1.0" encoding="utf-8"?>
+<file path=ppt/slides/slide5.xml><?xml version="1.0" encoding="utf-8"?>
 <p:sld xmlns:a="http://schemas.openxmlformats.org/drawingml/2006/main" xmlns:r="http://schemas.openxmlformats.org/officeDocument/2006/relationships" xmlns:mc="http://schemas.openxmlformats.org/markup-compatibility/2006" xmlns:mv="urn:schemas-microsoft-com:mac:vml" xmlns:p="http://schemas.openxmlformats.org/presentationml/2006/main" xmlns:c="http://schemas.openxmlformats.org/drawingml/2006/chart" xmlns:dgm="http://schemas.openxmlformats.org/drawingml/2006/diagram" xmlns:o="urn:schemas-microsoft-com:office:office" xmlns:v="urn:schemas-microsoft-com:vml" xmlns:pvml="urn:schemas-microsoft-com:office:powerpoint" xmlns:com="http://schemas.openxmlformats.org/drawingml/2006/compatibility" xmlns:p14="http://schemas.microsoft.com/office/powerpoint/2010/main" xmlns:p15="http://schemas.microsoft.com/office/powerpoint/2012/main" xmlns:ahyp="http://schemas.microsoft.com/office/drawing/2018/hyperlinkcolor">
   <p:cSld>
     <p:spTree>
       <p:nvGrpSpPr>
-        <p:cNvPr id="151" name="Shape 151"/>
+        <p:cNvPr id="157" name="Shape 157"/>
         <p:cNvGrpSpPr/>
         <p:nvPr/>
       </p:nvGrpSpPr>
@@ -12338,7 +12993,7 @@
       </p:grpSpPr>
       <p:sp>
         <p:nvSpPr>
-          <p:cNvPr id="152" name="Google Shape;152;p16"/>
+          <p:cNvPr id="158" name="Google Shape;158;p17"/>
           <p:cNvSpPr txBox="1"/>
           <p:nvPr>
             <p:ph type="title"/>
@@ -12378,7 +13033,7 @@
       </p:sp>
       <p:sp>
         <p:nvSpPr>
-          <p:cNvPr id="153" name="Google Shape;153;p16"/>
+          <p:cNvPr id="159" name="Google Shape;159;p17"/>
           <p:cNvSpPr txBox="1"/>
           <p:nvPr>
             <p:ph idx="1" type="body"/>
@@ -12493,7 +13148,7 @@
       </p:sp>
       <p:grpSp>
         <p:nvGrpSpPr>
-          <p:cNvPr id="154" name="Google Shape;154;p16"/>
+          <p:cNvPr id="160" name="Google Shape;160;p17"/>
           <p:cNvGrpSpPr/>
           <p:nvPr/>
         </p:nvGrpSpPr>
@@ -12507,7 +13162,7 @@
         </p:grpSpPr>
         <p:sp>
           <p:nvSpPr>
-            <p:cNvPr id="155" name="Google Shape;155;p16"/>
+            <p:cNvPr id="161" name="Google Shape;161;p17"/>
             <p:cNvSpPr/>
             <p:nvPr/>
           </p:nvSpPr>
@@ -12561,7 +13216,7 @@
         </p:sp>
         <p:pic>
           <p:nvPicPr>
-            <p:cNvPr id="156" name="Google Shape;156;p16"/>
+            <p:cNvPr id="162" name="Google Shape;162;p17"/>
             <p:cNvPicPr preferRelativeResize="0"/>
             <p:nvPr/>
           </p:nvPicPr>
@@ -12596,12 +13251,12 @@
 </p:sld>
 </file>
 
-<file path=ppt/slides/slide5.xml><?xml version="1.0" encoding="utf-8"?>
+<file path=ppt/slides/slide6.xml><?xml version="1.0" encoding="utf-8"?>
 <p:sld xmlns:a="http://schemas.openxmlformats.org/drawingml/2006/main" xmlns:r="http://schemas.openxmlformats.org/officeDocument/2006/relationships" xmlns:mc="http://schemas.openxmlformats.org/markup-compatibility/2006" xmlns:mv="urn:schemas-microsoft-com:mac:vml" xmlns:p="http://schemas.openxmlformats.org/presentationml/2006/main" xmlns:c="http://schemas.openxmlformats.org/drawingml/2006/chart" xmlns:dgm="http://schemas.openxmlformats.org/drawingml/2006/diagram" xmlns:o="urn:schemas-microsoft-com:office:office" xmlns:v="urn:schemas-microsoft-com:vml" xmlns:pvml="urn:schemas-microsoft-com:office:powerpoint" xmlns:com="http://schemas.openxmlformats.org/drawingml/2006/compatibility" xmlns:p14="http://schemas.microsoft.com/office/powerpoint/2010/main" xmlns:p15="http://schemas.microsoft.com/office/powerpoint/2012/main" xmlns:ahyp="http://schemas.microsoft.com/office/drawing/2018/hyperlinkcolor">
   <p:cSld>
     <p:spTree>
       <p:nvGrpSpPr>
-        <p:cNvPr id="160" name="Shape 160"/>
+        <p:cNvPr id="166" name="Shape 166"/>
         <p:cNvGrpSpPr/>
         <p:nvPr/>
       </p:nvGrpSpPr>
@@ -12615,7 +13270,7 @@
       </p:grpSpPr>
       <p:sp>
         <p:nvSpPr>
-          <p:cNvPr id="161" name="Google Shape;161;p17"/>
+          <p:cNvPr id="167" name="Google Shape;167;p18"/>
           <p:cNvSpPr txBox="1"/>
           <p:nvPr>
             <p:ph type="title"/>
@@ -12671,7 +13326,7 @@
       </p:sp>
       <p:sp>
         <p:nvSpPr>
-          <p:cNvPr id="162" name="Google Shape;162;p17"/>
+          <p:cNvPr id="168" name="Google Shape;168;p18"/>
           <p:cNvSpPr txBox="1"/>
           <p:nvPr>
             <p:ph idx="1" type="body"/>
@@ -12810,7 +13465,7 @@
       </p:sp>
       <p:pic>
         <p:nvPicPr>
-          <p:cNvPr id="163" name="Google Shape;163;p17"/>
+          <p:cNvPr id="169" name="Google Shape;169;p18"/>
           <p:cNvPicPr preferRelativeResize="0"/>
           <p:nvPr/>
         </p:nvPicPr>
@@ -12837,7 +13492,7 @@
       </p:pic>
       <p:sp>
         <p:nvSpPr>
-          <p:cNvPr id="164" name="Google Shape;164;p17"/>
+          <p:cNvPr id="170" name="Google Shape;170;p18"/>
           <p:cNvSpPr txBox="1"/>
           <p:nvPr>
             <p:ph idx="1" type="body"/>
@@ -12926,12 +13581,12 @@
 </p:sld>
 </file>
 
-<file path=ppt/slides/slide6.xml><?xml version="1.0" encoding="utf-8"?>
+<file path=ppt/slides/slide7.xml><?xml version="1.0" encoding="utf-8"?>
 <p:sld xmlns:a="http://schemas.openxmlformats.org/drawingml/2006/main" xmlns:r="http://schemas.openxmlformats.org/officeDocument/2006/relationships" xmlns:mc="http://schemas.openxmlformats.org/markup-compatibility/2006" xmlns:mv="urn:schemas-microsoft-com:mac:vml" xmlns:p="http://schemas.openxmlformats.org/presentationml/2006/main" xmlns:c="http://schemas.openxmlformats.org/drawingml/2006/chart" xmlns:dgm="http://schemas.openxmlformats.org/drawingml/2006/diagram" xmlns:o="urn:schemas-microsoft-com:office:office" xmlns:v="urn:schemas-microsoft-com:vml" xmlns:pvml="urn:schemas-microsoft-com:office:powerpoint" xmlns:com="http://schemas.openxmlformats.org/drawingml/2006/compatibility" xmlns:p14="http://schemas.microsoft.com/office/powerpoint/2010/main" xmlns:p15="http://schemas.microsoft.com/office/powerpoint/2012/main" xmlns:ahyp="http://schemas.microsoft.com/office/drawing/2018/hyperlinkcolor">
   <p:cSld>
     <p:spTree>
       <p:nvGrpSpPr>
-        <p:cNvPr id="168" name="Shape 168"/>
+        <p:cNvPr id="174" name="Shape 174"/>
         <p:cNvGrpSpPr/>
         <p:nvPr/>
       </p:nvGrpSpPr>
@@ -12945,7 +13600,7 @@
       </p:grpSpPr>
       <p:sp>
         <p:nvSpPr>
-          <p:cNvPr id="169" name="Google Shape;169;p18"/>
+          <p:cNvPr id="175" name="Google Shape;175;p19"/>
           <p:cNvSpPr txBox="1"/>
           <p:nvPr>
             <p:ph type="title"/>
@@ -12985,7 +13640,7 @@
       </p:sp>
       <p:sp>
         <p:nvSpPr>
-          <p:cNvPr id="170" name="Google Shape;170;p18"/>
+          <p:cNvPr id="176" name="Google Shape;176;p19"/>
           <p:cNvSpPr txBox="1"/>
           <p:nvPr>
             <p:ph idx="1" type="body"/>
@@ -13041,7 +13696,7 @@
       </p:sp>
       <p:pic>
         <p:nvPicPr>
-          <p:cNvPr id="171" name="Google Shape;171;p18"/>
+          <p:cNvPr id="177" name="Google Shape;177;p19"/>
           <p:cNvPicPr preferRelativeResize="0"/>
           <p:nvPr/>
         </p:nvPicPr>
@@ -13055,8 +13710,8 @@
         </p:blipFill>
         <p:spPr>
           <a:xfrm>
-            <a:off x="5029500" y="1654900"/>
-            <a:ext cx="3712174" cy="2004700"/>
+            <a:off x="5155575" y="1741026"/>
+            <a:ext cx="3438275" cy="1856800"/>
           </a:xfrm>
           <a:prstGeom prst="rect">
             <a:avLst/>
@@ -13075,12 +13730,12 @@
 </p:sld>
 </file>
 
-<file path=ppt/slides/slide7.xml><?xml version="1.0" encoding="utf-8"?>
+<file path=ppt/slides/slide8.xml><?xml version="1.0" encoding="utf-8"?>
 <p:sld xmlns:a="http://schemas.openxmlformats.org/drawingml/2006/main" xmlns:r="http://schemas.openxmlformats.org/officeDocument/2006/relationships" xmlns:mc="http://schemas.openxmlformats.org/markup-compatibility/2006" xmlns:mv="urn:schemas-microsoft-com:mac:vml" xmlns:p="http://schemas.openxmlformats.org/presentationml/2006/main" xmlns:c="http://schemas.openxmlformats.org/drawingml/2006/chart" xmlns:dgm="http://schemas.openxmlformats.org/drawingml/2006/diagram" xmlns:o="urn:schemas-microsoft-com:office:office" xmlns:v="urn:schemas-microsoft-com:vml" xmlns:pvml="urn:schemas-microsoft-com:office:powerpoint" xmlns:com="http://schemas.openxmlformats.org/drawingml/2006/compatibility" xmlns:p14="http://schemas.microsoft.com/office/powerpoint/2010/main" xmlns:p15="http://schemas.microsoft.com/office/powerpoint/2012/main" xmlns:ahyp="http://schemas.microsoft.com/office/drawing/2018/hyperlinkcolor">
   <p:cSld>
     <p:spTree>
       <p:nvGrpSpPr>
-        <p:cNvPr id="175" name="Shape 175"/>
+        <p:cNvPr id="181" name="Shape 181"/>
         <p:cNvGrpSpPr/>
         <p:nvPr/>
       </p:nvGrpSpPr>
@@ -13094,7 +13749,7 @@
       </p:grpSpPr>
       <p:sp>
         <p:nvSpPr>
-          <p:cNvPr id="176" name="Google Shape;176;p19"/>
+          <p:cNvPr id="182" name="Google Shape;182;p20"/>
           <p:cNvSpPr txBox="1"/>
           <p:nvPr>
             <p:ph type="title"/>
@@ -13140,12 +13795,12 @@
 </p:sld>
 </file>
 
-<file path=ppt/slides/slide8.xml><?xml version="1.0" encoding="utf-8"?>
+<file path=ppt/slides/slide9.xml><?xml version="1.0" encoding="utf-8"?>
 <p:sld xmlns:a="http://schemas.openxmlformats.org/drawingml/2006/main" xmlns:r="http://schemas.openxmlformats.org/officeDocument/2006/relationships" xmlns:mc="http://schemas.openxmlformats.org/markup-compatibility/2006" xmlns:mv="urn:schemas-microsoft-com:mac:vml" xmlns:p="http://schemas.openxmlformats.org/presentationml/2006/main" xmlns:c="http://schemas.openxmlformats.org/drawingml/2006/chart" xmlns:dgm="http://schemas.openxmlformats.org/drawingml/2006/diagram" xmlns:o="urn:schemas-microsoft-com:office:office" xmlns:v="urn:schemas-microsoft-com:vml" xmlns:pvml="urn:schemas-microsoft-com:office:powerpoint" xmlns:com="http://schemas.openxmlformats.org/drawingml/2006/compatibility" xmlns:p14="http://schemas.microsoft.com/office/powerpoint/2010/main" xmlns:p15="http://schemas.microsoft.com/office/powerpoint/2012/main" xmlns:ahyp="http://schemas.microsoft.com/office/drawing/2018/hyperlinkcolor">
   <p:cSld>
     <p:spTree>
       <p:nvGrpSpPr>
-        <p:cNvPr id="180" name="Shape 180"/>
+        <p:cNvPr id="186" name="Shape 186"/>
         <p:cNvGrpSpPr/>
         <p:nvPr/>
       </p:nvGrpSpPr>
@@ -13159,7 +13814,7 @@
       </p:grpSpPr>
       <p:sp>
         <p:nvSpPr>
-          <p:cNvPr id="181" name="Google Shape;181;p20"/>
+          <p:cNvPr id="187" name="Google Shape;187;p21"/>
           <p:cNvSpPr txBox="1"/>
           <p:nvPr>
             <p:ph type="title"/>
@@ -13199,7 +13854,7 @@
       </p:sp>
       <p:sp>
         <p:nvSpPr>
-          <p:cNvPr id="182" name="Google Shape;182;p20"/>
+          <p:cNvPr id="188" name="Google Shape;188;p21"/>
           <p:cNvSpPr txBox="1"/>
           <p:nvPr>
             <p:ph idx="1" type="body"/>
@@ -13315,7 +13970,7 @@
       </p:sp>
       <p:sp>
         <p:nvSpPr>
-          <p:cNvPr id="183" name="Google Shape;183;p20"/>
+          <p:cNvPr id="189" name="Google Shape;189;p21"/>
           <p:cNvSpPr txBox="1"/>
           <p:nvPr>
             <p:ph idx="2" type="body"/>
@@ -13378,8 +14033,7 @@
               <a:buNone/>
             </a:pPr>
             <a:r>
-              <a:rPr lang="it"/>
-              <a:t>Il Socket Server viene interpellato tramite richieste inoltrate dal Web Server utilizzando un proxy.</a:t>
+              <a:t/>
             </a:r>
             <a:endParaRPr/>
           </a:p>
@@ -13400,264 +14054,34 @@
           </a:p>
         </p:txBody>
       </p:sp>
-    </p:spTree>
-  </p:cSld>
-  <p:clrMapOvr>
-    <a:masterClrMapping/>
-  </p:clrMapOvr>
-</p:sld>
-</file>
-
-<file path=ppt/slides/slide9.xml><?xml version="1.0" encoding="utf-8"?>
-<p:sld xmlns:a="http://schemas.openxmlformats.org/drawingml/2006/main" xmlns:r="http://schemas.openxmlformats.org/officeDocument/2006/relationships" xmlns:mc="http://schemas.openxmlformats.org/markup-compatibility/2006" xmlns:mv="urn:schemas-microsoft-com:mac:vml" xmlns:p="http://schemas.openxmlformats.org/presentationml/2006/main" xmlns:c="http://schemas.openxmlformats.org/drawingml/2006/chart" xmlns:dgm="http://schemas.openxmlformats.org/drawingml/2006/diagram" xmlns:o="urn:schemas-microsoft-com:office:office" xmlns:v="urn:schemas-microsoft-com:vml" xmlns:pvml="urn:schemas-microsoft-com:office:powerpoint" xmlns:com="http://schemas.openxmlformats.org/drawingml/2006/compatibility" xmlns:p14="http://schemas.microsoft.com/office/powerpoint/2010/main" xmlns:p15="http://schemas.microsoft.com/office/powerpoint/2012/main" xmlns:ahyp="http://schemas.microsoft.com/office/drawing/2018/hyperlinkcolor">
-  <p:cSld>
-    <p:spTree>
-      <p:nvGrpSpPr>
-        <p:cNvPr id="187" name="Shape 187"/>
-        <p:cNvGrpSpPr/>
-        <p:nvPr/>
-      </p:nvGrpSpPr>
-      <p:grpSpPr>
-        <a:xfrm>
-          <a:off x="0" y="0"/>
-          <a:ext cx="0" cy="0"/>
-          <a:chOff x="0" y="0"/>
-          <a:chExt cx="0" cy="0"/>
-        </a:xfrm>
-      </p:grpSpPr>
-      <p:sp>
-        <p:nvSpPr>
-          <p:cNvPr id="188" name="Google Shape;188;p21"/>
-          <p:cNvSpPr txBox="1"/>
-          <p:nvPr>
-            <p:ph type="title"/>
-          </p:nvPr>
-        </p:nvSpPr>
+      <p:pic>
+        <p:nvPicPr>
+          <p:cNvPr id="190" name="Google Shape;190;p21" title="Immagine WhatsApp 2025-09-18 ore 02.18.46_6b278d9f.jpg"/>
+          <p:cNvPicPr preferRelativeResize="0"/>
+          <p:nvPr/>
+        </p:nvPicPr>
+        <p:blipFill>
+          <a:blip r:embed="rId3">
+            <a:alphaModFix/>
+          </a:blip>
+          <a:stretch>
+            <a:fillRect/>
+          </a:stretch>
+        </p:blipFill>
         <p:spPr>
           <a:xfrm>
-            <a:off x="1100200" y="821275"/>
-            <a:ext cx="4510200" cy="560100"/>
+            <a:off x="5666937" y="3106800"/>
+            <a:ext cx="1843675" cy="1325900"/>
           </a:xfrm>
           <a:prstGeom prst="rect">
             <a:avLst/>
           </a:prstGeom>
+          <a:noFill/>
+          <a:ln>
+            <a:noFill/>
+          </a:ln>
         </p:spPr>
-        <p:txBody>
-          <a:bodyPr anchorCtr="0" anchor="t" bIns="91425" lIns="91425" spcFirstLastPara="1" rIns="91425" wrap="square" tIns="91425">
-            <a:normAutofit/>
-          </a:bodyPr>
-          <a:lstStyle/>
-          <a:p>
-            <a:pPr indent="0" lvl="0" marL="0" rtl="0" algn="l">
-              <a:spcBef>
-                <a:spcPts val="0"/>
-              </a:spcBef>
-              <a:spcAft>
-                <a:spcPts val="0"/>
-              </a:spcAft>
-              <a:buNone/>
-            </a:pPr>
-            <a:r>
-              <a:rPr lang="it" sz="2000"/>
-              <a:t>IMPLEMENTAZIONE CLASSI</a:t>
-            </a:r>
-            <a:endParaRPr sz="2000"/>
-          </a:p>
-        </p:txBody>
-      </p:sp>
-      <p:grpSp>
-        <p:nvGrpSpPr>
-          <p:cNvPr id="189" name="Google Shape;189;p21"/>
-          <p:cNvGrpSpPr/>
-          <p:nvPr/>
-        </p:nvGrpSpPr>
-        <p:grpSpPr>
-          <a:xfrm>
-            <a:off x="5057356" y="1646478"/>
-            <a:ext cx="3578911" cy="2316945"/>
-            <a:chOff x="2696850" y="1357800"/>
-            <a:chExt cx="3750300" cy="2427900"/>
-          </a:xfrm>
-        </p:grpSpPr>
-        <p:sp>
-          <p:nvSpPr>
-            <p:cNvPr id="190" name="Google Shape;190;p21"/>
-            <p:cNvSpPr/>
-            <p:nvPr/>
-          </p:nvSpPr>
-          <p:spPr>
-            <a:xfrm>
-              <a:off x="2696850" y="1357800"/>
-              <a:ext cx="3750300" cy="2427900"/>
-            </a:xfrm>
-            <a:prstGeom prst="rect">
-              <a:avLst/>
-            </a:prstGeom>
-            <a:solidFill>
-              <a:schemeClr val="lt1"/>
-            </a:solidFill>
-            <a:ln cap="flat" cmpd="sng" w="9075">
-              <a:solidFill>
-                <a:schemeClr val="dk2"/>
-              </a:solidFill>
-              <a:prstDash val="solid"/>
-              <a:round/>
-              <a:headEnd len="sm" w="sm" type="none"/>
-              <a:tailEnd len="sm" w="sm" type="none"/>
-            </a:ln>
-          </p:spPr>
-          <p:txBody>
-            <a:bodyPr anchorCtr="0" anchor="ctr" bIns="87250" lIns="87250" spcFirstLastPara="1" rIns="87250" wrap="square" tIns="87250">
-              <a:noAutofit/>
-            </a:bodyPr>
-            <a:lstStyle/>
-            <a:p>
-              <a:pPr indent="0" lvl="0" marL="0" rtl="0" algn="ctr">
-                <a:spcBef>
-                  <a:spcPts val="0"/>
-                </a:spcBef>
-                <a:spcAft>
-                  <a:spcPts val="0"/>
-                </a:spcAft>
-                <a:buNone/>
-              </a:pPr>
-              <a:r>
-                <a:t/>
-              </a:r>
-              <a:endParaRPr sz="1335">
-                <a:latin typeface="Lato"/>
-                <a:ea typeface="Lato"/>
-                <a:cs typeface="Lato"/>
-                <a:sym typeface="Lato"/>
-              </a:endParaRPr>
-            </a:p>
-          </p:txBody>
-        </p:sp>
-        <p:pic>
-          <p:nvPicPr>
-            <p:cNvPr id="191" name="Google Shape;191;p21"/>
-            <p:cNvPicPr preferRelativeResize="0"/>
-            <p:nvPr/>
-          </p:nvPicPr>
-          <p:blipFill>
-            <a:blip r:embed="rId3">
-              <a:alphaModFix/>
-            </a:blip>
-            <a:stretch>
-              <a:fillRect/>
-            </a:stretch>
-          </p:blipFill>
-          <p:spPr>
-            <a:xfrm>
-              <a:off x="2769188" y="1454725"/>
-              <a:ext cx="3605625" cy="2234050"/>
-            </a:xfrm>
-            <a:prstGeom prst="rect">
-              <a:avLst/>
-            </a:prstGeom>
-            <a:noFill/>
-            <a:ln>
-              <a:noFill/>
-            </a:ln>
-          </p:spPr>
-        </p:pic>
-      </p:grpSp>
-      <p:sp>
-        <p:nvSpPr>
-          <p:cNvPr id="192" name="Google Shape;192;p21"/>
-          <p:cNvSpPr txBox="1"/>
-          <p:nvPr>
-            <p:ph idx="1" type="body"/>
-          </p:nvPr>
-        </p:nvSpPr>
-        <p:spPr>
-          <a:xfrm>
-            <a:off x="1100200" y="1646475"/>
-            <a:ext cx="3403200" cy="2911200"/>
-          </a:xfrm>
-          <a:prstGeom prst="rect">
-            <a:avLst/>
-          </a:prstGeom>
-        </p:spPr>
-        <p:txBody>
-          <a:bodyPr anchorCtr="0" anchor="t" bIns="91425" lIns="91425" spcFirstLastPara="1" rIns="91425" wrap="square" tIns="91425">
-            <a:normAutofit/>
-          </a:bodyPr>
-          <a:lstStyle/>
-          <a:p>
-            <a:pPr indent="0" lvl="0" marL="0" rtl="0" algn="l">
-              <a:spcBef>
-                <a:spcPts val="0"/>
-              </a:spcBef>
-              <a:spcAft>
-                <a:spcPts val="0"/>
-              </a:spcAft>
-              <a:buNone/>
-            </a:pPr>
-            <a:r>
-              <a:rPr lang="it"/>
-              <a:t>Suddivisione in due fasi:</a:t>
-            </a:r>
-            <a:endParaRPr/>
-          </a:p>
-          <a:p>
-            <a:pPr indent="-311150" lvl="0" marL="457200" rtl="0" algn="l">
-              <a:lnSpc>
-                <a:spcPct val="200000"/>
-              </a:lnSpc>
-              <a:spcBef>
-                <a:spcPts val="1200"/>
-              </a:spcBef>
-              <a:spcAft>
-                <a:spcPts val="0"/>
-              </a:spcAft>
-              <a:buSzPts val="1300"/>
-              <a:buAutoNum type="arabicPeriod"/>
-            </a:pPr>
-            <a:r>
-              <a:rPr lang="it"/>
-              <a:t>Sviluppo diagramma </a:t>
-            </a:r>
-            <a:endParaRPr/>
-          </a:p>
-          <a:p>
-            <a:pPr indent="-311150" lvl="0" marL="457200" rtl="0" algn="l">
-              <a:lnSpc>
-                <a:spcPct val="200000"/>
-              </a:lnSpc>
-              <a:spcBef>
-                <a:spcPts val="0"/>
-              </a:spcBef>
-              <a:spcAft>
-                <a:spcPts val="0"/>
-              </a:spcAft>
-              <a:buSzPts val="1300"/>
-              <a:buAutoNum type="arabicPeriod"/>
-            </a:pPr>
-            <a:r>
-              <a:rPr lang="it"/>
-              <a:t>Refactoring codice</a:t>
-            </a:r>
-            <a:endParaRPr/>
-          </a:p>
-          <a:p>
-            <a:pPr indent="0" lvl="0" marL="0" rtl="0" algn="l">
-              <a:spcBef>
-                <a:spcPts val="1200"/>
-              </a:spcBef>
-              <a:spcAft>
-                <a:spcPts val="1200"/>
-              </a:spcAft>
-              <a:buNone/>
-            </a:pPr>
-            <a:r>
-              <a:rPr lang="it"/>
-              <a:t>Significativo il testing coordinato del software  per il debugging.</a:t>
-            </a:r>
-            <a:endParaRPr/>
-          </a:p>
-        </p:txBody>
-      </p:sp>
+      </p:pic>
     </p:spTree>
   </p:cSld>
   <p:clrMapOvr>
@@ -13667,6 +14091,285 @@
 </file>
 
 <file path=ppt/theme/theme1.xml><?xml version="1.0" encoding="utf-8"?>
+<a:theme xmlns:a="http://schemas.openxmlformats.org/drawingml/2006/main" xmlns:r="http://schemas.openxmlformats.org/officeDocument/2006/relationships" name="Focus">
+  <a:themeElements>
+    <a:clrScheme name="Focus">
+      <a:dk1>
+        <a:srgbClr val="1B212C"/>
+      </a:dk1>
+      <a:lt1>
+        <a:srgbClr val="FFFFFF"/>
+      </a:lt1>
+      <a:dk2>
+        <a:srgbClr val="D9D9D9"/>
+      </a:dk2>
+      <a:lt2>
+        <a:srgbClr val="82C7A5"/>
+      </a:lt2>
+      <a:accent1>
+        <a:srgbClr val="0145AC"/>
+      </a:accent1>
+      <a:accent2>
+        <a:srgbClr val="EECE1A"/>
+      </a:accent2>
+      <a:accent3>
+        <a:srgbClr val="4E5567"/>
+      </a:accent3>
+      <a:accent4>
+        <a:srgbClr val="F4D6AD"/>
+      </a:accent4>
+      <a:accent5>
+        <a:srgbClr val="7890CD"/>
+      </a:accent5>
+      <a:accent6>
+        <a:srgbClr val="F15E22"/>
+      </a:accent6>
+      <a:hlink>
+        <a:srgbClr val="7890CD"/>
+      </a:hlink>
+      <a:folHlink>
+        <a:srgbClr val="7890CD"/>
+      </a:folHlink>
+    </a:clrScheme>
+    <a:fontScheme name="Office">
+      <a:majorFont>
+        <a:latin typeface="Arial"/>
+        <a:ea typeface=""/>
+        <a:cs typeface=""/>
+        <a:font script="Jpan" typeface="ＭＳ Ｐゴシック"/>
+        <a:font script="Hang" typeface="맑은 고딕"/>
+        <a:font script="Hans" typeface="宋体"/>
+        <a:font script="Hant" typeface="新細明體"/>
+        <a:font script="Arab" typeface="Times New Roman"/>
+        <a:font script="Hebr" typeface="Times New Roman"/>
+        <a:font script="Thai" typeface="Angsana New"/>
+        <a:font script="Ethi" typeface="Nyala"/>
+        <a:font script="Beng" typeface="Vrinda"/>
+        <a:font script="Gujr" typeface="Shruti"/>
+        <a:font script="Khmr" typeface="MoolBoran"/>
+        <a:font script="Knda" typeface="Tunga"/>
+        <a:font script="Guru" typeface="Raavi"/>
+        <a:font script="Cans" typeface="Euphemia"/>
+        <a:font script="Cher" typeface="Plantagenet Cherokee"/>
+        <a:font script="Yiii" typeface="Microsoft Yi Baiti"/>
+        <a:font script="Tibt" typeface="Microsoft Himalaya"/>
+        <a:font script="Thaa" typeface="MV Boli"/>
+        <a:font script="Deva" typeface="Mangal"/>
+        <a:font script="Telu" typeface="Gautami"/>
+        <a:font script="Taml" typeface="Latha"/>
+        <a:font script="Syrc" typeface="Estrangelo Edessa"/>
+        <a:font script="Orya" typeface="Kalinga"/>
+        <a:font script="Mlym" typeface="Kartika"/>
+        <a:font script="Laoo" typeface="DokChampa"/>
+        <a:font script="Sinh" typeface="Iskoola Pota"/>
+        <a:font script="Mong" typeface="Mongolian Baiti"/>
+        <a:font script="Viet" typeface="Times New Roman"/>
+        <a:font script="Uigh" typeface="Microsoft Uighur"/>
+        <a:font script="Geor" typeface="Sylfaen"/>
+      </a:majorFont>
+      <a:minorFont>
+        <a:latin typeface="Arial"/>
+        <a:ea typeface=""/>
+        <a:cs typeface=""/>
+        <a:font script="Jpan" typeface="ＭＳ Ｐゴシック"/>
+        <a:font script="Hang" typeface="맑은 고딕"/>
+        <a:font script="Hans" typeface="宋体"/>
+        <a:font script="Hant" typeface="新細明體"/>
+        <a:font script="Arab" typeface="Arial"/>
+        <a:font script="Hebr" typeface="Arial"/>
+        <a:font script="Thai" typeface="Cordia New"/>
+        <a:font script="Ethi" typeface="Nyala"/>
+        <a:font script="Beng" typeface="Vrinda"/>
+        <a:font script="Gujr" typeface="Shruti"/>
+        <a:font script="Khmr" typeface="DaunPenh"/>
+        <a:font script="Knda" typeface="Tunga"/>
+        <a:font script="Guru" typeface="Raavi"/>
+        <a:font script="Cans" typeface="Euphemia"/>
+        <a:font script="Cher" typeface="Plantagenet Cherokee"/>
+        <a:font script="Yiii" typeface="Microsoft Yi Baiti"/>
+        <a:font script="Tibt" typeface="Microsoft Himalaya"/>
+        <a:font script="Thaa" typeface="MV Boli"/>
+        <a:font script="Deva" typeface="Mangal"/>
+        <a:font script="Telu" typeface="Gautami"/>
+        <a:font script="Taml" typeface="Latha"/>
+        <a:font script="Syrc" typeface="Estrangelo Edessa"/>
+        <a:font script="Orya" typeface="Kalinga"/>
+        <a:font script="Mlym" typeface="Kartika"/>
+        <a:font script="Laoo" typeface="DokChampa"/>
+        <a:font script="Sinh" typeface="Iskoola Pota"/>
+        <a:font script="Mong" typeface="Mongolian Baiti"/>
+        <a:font script="Viet" typeface="Arial"/>
+        <a:font script="Uigh" typeface="Microsoft Uighur"/>
+        <a:font script="Geor" typeface="Sylfaen"/>
+      </a:minorFont>
+    </a:fontScheme>
+    <a:fmtScheme name="Office">
+      <a:fillStyleLst>
+        <a:solidFill>
+          <a:schemeClr val="phClr"/>
+        </a:solidFill>
+        <a:gradFill rotWithShape="1">
+          <a:gsLst>
+            <a:gs pos="0">
+              <a:schemeClr val="phClr">
+                <a:tint val="50000"/>
+                <a:satMod val="300000"/>
+              </a:schemeClr>
+            </a:gs>
+            <a:gs pos="35000">
+              <a:schemeClr val="phClr">
+                <a:tint val="37000"/>
+                <a:satMod val="300000"/>
+              </a:schemeClr>
+            </a:gs>
+            <a:gs pos="100000">
+              <a:schemeClr val="phClr">
+                <a:tint val="15000"/>
+                <a:satMod val="350000"/>
+              </a:schemeClr>
+            </a:gs>
+          </a:gsLst>
+          <a:lin ang="16200000" scaled="1"/>
+        </a:gradFill>
+        <a:gradFill rotWithShape="1">
+          <a:gsLst>
+            <a:gs pos="0">
+              <a:schemeClr val="phClr">
+                <a:tint val="100000"/>
+                <a:shade val="100000"/>
+                <a:satMod val="130000"/>
+              </a:schemeClr>
+            </a:gs>
+            <a:gs pos="100000">
+              <a:schemeClr val="phClr">
+                <a:tint val="50000"/>
+                <a:shade val="100000"/>
+                <a:satMod val="350000"/>
+              </a:schemeClr>
+            </a:gs>
+          </a:gsLst>
+          <a:lin ang="16200000" scaled="0"/>
+        </a:gradFill>
+      </a:fillStyleLst>
+      <a:lnStyleLst>
+        <a:ln w="9525" cap="flat" cmpd="sng" algn="ctr">
+          <a:solidFill>
+            <a:schemeClr val="phClr">
+              <a:shade val="95000"/>
+              <a:satMod val="105000"/>
+            </a:schemeClr>
+          </a:solidFill>
+          <a:prstDash val="solid"/>
+        </a:ln>
+        <a:ln w="25400" cap="flat" cmpd="sng" algn="ctr">
+          <a:solidFill>
+            <a:schemeClr val="phClr"/>
+          </a:solidFill>
+          <a:prstDash val="solid"/>
+        </a:ln>
+        <a:ln w="38100" cap="flat" cmpd="sng" algn="ctr">
+          <a:solidFill>
+            <a:schemeClr val="phClr"/>
+          </a:solidFill>
+          <a:prstDash val="solid"/>
+        </a:ln>
+      </a:lnStyleLst>
+      <a:effectStyleLst>
+        <a:effectStyle>
+          <a:effectLst>
+            <a:outerShdw blurRad="40000" dist="20000" dir="5400000" rotWithShape="0">
+              <a:srgbClr val="000000">
+                <a:alpha val="38000"/>
+              </a:srgbClr>
+            </a:outerShdw>
+          </a:effectLst>
+        </a:effectStyle>
+        <a:effectStyle>
+          <a:effectLst>
+            <a:outerShdw blurRad="40000" dist="23000" dir="5400000" rotWithShape="0">
+              <a:srgbClr val="000000">
+                <a:alpha val="35000"/>
+              </a:srgbClr>
+            </a:outerShdw>
+          </a:effectLst>
+        </a:effectStyle>
+        <a:effectStyle>
+          <a:effectLst>
+            <a:outerShdw blurRad="40000" dist="23000" dir="5400000" rotWithShape="0">
+              <a:srgbClr val="000000">
+                <a:alpha val="35000"/>
+              </a:srgbClr>
+            </a:outerShdw>
+          </a:effectLst>
+          <a:scene3d>
+            <a:camera prst="orthographicFront">
+              <a:rot lat="0" lon="0" rev="0"/>
+            </a:camera>
+            <a:lightRig rig="threePt" dir="t">
+              <a:rot lat="0" lon="0" rev="1200000"/>
+            </a:lightRig>
+          </a:scene3d>
+          <a:sp3d>
+            <a:bevelT w="63500" h="25400"/>
+          </a:sp3d>
+        </a:effectStyle>
+      </a:effectStyleLst>
+      <a:bgFillStyleLst>
+        <a:solidFill>
+          <a:schemeClr val="phClr"/>
+        </a:solidFill>
+        <a:gradFill rotWithShape="1">
+          <a:gsLst>
+            <a:gs pos="0">
+              <a:schemeClr val="phClr">
+                <a:tint val="40000"/>
+                <a:satMod val="350000"/>
+              </a:schemeClr>
+            </a:gs>
+            <a:gs pos="40000">
+              <a:schemeClr val="phClr">
+                <a:tint val="45000"/>
+                <a:shade val="99000"/>
+                <a:satMod val="350000"/>
+              </a:schemeClr>
+            </a:gs>
+            <a:gs pos="100000">
+              <a:schemeClr val="phClr">
+                <a:shade val="20000"/>
+                <a:satMod val="255000"/>
+              </a:schemeClr>
+            </a:gs>
+          </a:gsLst>
+          <a:path path="circle">
+            <a:fillToRect l="50000" t="-80000" r="50000" b="180000"/>
+          </a:path>
+        </a:gradFill>
+        <a:gradFill rotWithShape="1">
+          <a:gsLst>
+            <a:gs pos="0">
+              <a:schemeClr val="phClr">
+                <a:tint val="80000"/>
+                <a:satMod val="300000"/>
+              </a:schemeClr>
+            </a:gs>
+            <a:gs pos="100000">
+              <a:schemeClr val="phClr">
+                <a:shade val="30000"/>
+                <a:satMod val="200000"/>
+              </a:schemeClr>
+            </a:gs>
+          </a:gsLst>
+          <a:path path="circle">
+            <a:fillToRect l="50000" t="50000" r="50000" b="50000"/>
+          </a:path>
+        </a:gradFill>
+      </a:bgFillStyleLst>
+    </a:fmtScheme>
+  </a:themeElements>
+</a:theme>
+</file>
+
+<file path=ppt/theme/theme2.xml><?xml version="1.0" encoding="utf-8"?>
 <a:theme xmlns:a="http://schemas.openxmlformats.org/drawingml/2006/main" xmlns:r="http://schemas.openxmlformats.org/officeDocument/2006/relationships">
   <a:themeElements>
     <a:clrScheme name="Default">
@@ -13943,283 +14646,4 @@
     </a:fmtScheme>
   </a:themeElements>
 </a:theme>
-</file>
-
-<file path=ppt/theme/theme2.xml><?xml version="1.0" encoding="utf-8"?>
-<a:theme xmlns:a="http://schemas.openxmlformats.org/drawingml/2006/main" xmlns:r="http://schemas.openxmlformats.org/officeDocument/2006/relationships" name="Focus">
-  <a:themeElements>
-    <a:clrScheme name="Focus">
-      <a:dk1>
-        <a:srgbClr val="1B212C"/>
-      </a:dk1>
-      <a:lt1>
-        <a:srgbClr val="FFFFFF"/>
-      </a:lt1>
-      <a:dk2>
-        <a:srgbClr val="D9D9D9"/>
-      </a:dk2>
-      <a:lt2>
-        <a:srgbClr val="82C7A5"/>
-      </a:lt2>
-      <a:accent1>
-        <a:srgbClr val="0145AC"/>
-      </a:accent1>
-      <a:accent2>
-        <a:srgbClr val="EECE1A"/>
-      </a:accent2>
-      <a:accent3>
-        <a:srgbClr val="4E5567"/>
-      </a:accent3>
-      <a:accent4>
-        <a:srgbClr val="F4D6AD"/>
-      </a:accent4>
-      <a:accent5>
-        <a:srgbClr val="7890CD"/>
-      </a:accent5>
-      <a:accent6>
-        <a:srgbClr val="F15E22"/>
-      </a:accent6>
-      <a:hlink>
-        <a:srgbClr val="7890CD"/>
-      </a:hlink>
-      <a:folHlink>
-        <a:srgbClr val="7890CD"/>
-      </a:folHlink>
-    </a:clrScheme>
-    <a:fontScheme name="Office">
-      <a:majorFont>
-        <a:latin typeface="Arial"/>
-        <a:ea typeface=""/>
-        <a:cs typeface=""/>
-        <a:font script="Jpan" typeface="ＭＳ Ｐゴシック"/>
-        <a:font script="Hang" typeface="맑은 고딕"/>
-        <a:font script="Hans" typeface="宋体"/>
-        <a:font script="Hant" typeface="新細明體"/>
-        <a:font script="Arab" typeface="Times New Roman"/>
-        <a:font script="Hebr" typeface="Times New Roman"/>
-        <a:font script="Thai" typeface="Angsana New"/>
-        <a:font script="Ethi" typeface="Nyala"/>
-        <a:font script="Beng" typeface="Vrinda"/>
-        <a:font script="Gujr" typeface="Shruti"/>
-        <a:font script="Khmr" typeface="MoolBoran"/>
-        <a:font script="Knda" typeface="Tunga"/>
-        <a:font script="Guru" typeface="Raavi"/>
-        <a:font script="Cans" typeface="Euphemia"/>
-        <a:font script="Cher" typeface="Plantagenet Cherokee"/>
-        <a:font script="Yiii" typeface="Microsoft Yi Baiti"/>
-        <a:font script="Tibt" typeface="Microsoft Himalaya"/>
-        <a:font script="Thaa" typeface="MV Boli"/>
-        <a:font script="Deva" typeface="Mangal"/>
-        <a:font script="Telu" typeface="Gautami"/>
-        <a:font script="Taml" typeface="Latha"/>
-        <a:font script="Syrc" typeface="Estrangelo Edessa"/>
-        <a:font script="Orya" typeface="Kalinga"/>
-        <a:font script="Mlym" typeface="Kartika"/>
-        <a:font script="Laoo" typeface="DokChampa"/>
-        <a:font script="Sinh" typeface="Iskoola Pota"/>
-        <a:font script="Mong" typeface="Mongolian Baiti"/>
-        <a:font script="Viet" typeface="Times New Roman"/>
-        <a:font script="Uigh" typeface="Microsoft Uighur"/>
-        <a:font script="Geor" typeface="Sylfaen"/>
-      </a:majorFont>
-      <a:minorFont>
-        <a:latin typeface="Arial"/>
-        <a:ea typeface=""/>
-        <a:cs typeface=""/>
-        <a:font script="Jpan" typeface="ＭＳ Ｐゴシック"/>
-        <a:font script="Hang" typeface="맑은 고딕"/>
-        <a:font script="Hans" typeface="宋体"/>
-        <a:font script="Hant" typeface="新細明體"/>
-        <a:font script="Arab" typeface="Arial"/>
-        <a:font script="Hebr" typeface="Arial"/>
-        <a:font script="Thai" typeface="Cordia New"/>
-        <a:font script="Ethi" typeface="Nyala"/>
-        <a:font script="Beng" typeface="Vrinda"/>
-        <a:font script="Gujr" typeface="Shruti"/>
-        <a:font script="Khmr" typeface="DaunPenh"/>
-        <a:font script="Knda" typeface="Tunga"/>
-        <a:font script="Guru" typeface="Raavi"/>
-        <a:font script="Cans" typeface="Euphemia"/>
-        <a:font script="Cher" typeface="Plantagenet Cherokee"/>
-        <a:font script="Yiii" typeface="Microsoft Yi Baiti"/>
-        <a:font script="Tibt" typeface="Microsoft Himalaya"/>
-        <a:font script="Thaa" typeface="MV Boli"/>
-        <a:font script="Deva" typeface="Mangal"/>
-        <a:font script="Telu" typeface="Gautami"/>
-        <a:font script="Taml" typeface="Latha"/>
-        <a:font script="Syrc" typeface="Estrangelo Edessa"/>
-        <a:font script="Orya" typeface="Kalinga"/>
-        <a:font script="Mlym" typeface="Kartika"/>
-        <a:font script="Laoo" typeface="DokChampa"/>
-        <a:font script="Sinh" typeface="Iskoola Pota"/>
-        <a:font script="Mong" typeface="Mongolian Baiti"/>
-        <a:font script="Viet" typeface="Arial"/>
-        <a:font script="Uigh" typeface="Microsoft Uighur"/>
-        <a:font script="Geor" typeface="Sylfaen"/>
-      </a:minorFont>
-    </a:fontScheme>
-    <a:fmtScheme name="Office">
-      <a:fillStyleLst>
-        <a:solidFill>
-          <a:schemeClr val="phClr"/>
-        </a:solidFill>
-        <a:gradFill rotWithShape="1">
-          <a:gsLst>
-            <a:gs pos="0">
-              <a:schemeClr val="phClr">
-                <a:tint val="50000"/>
-                <a:satMod val="300000"/>
-              </a:schemeClr>
-            </a:gs>
-            <a:gs pos="35000">
-              <a:schemeClr val="phClr">
-                <a:tint val="37000"/>
-                <a:satMod val="300000"/>
-              </a:schemeClr>
-            </a:gs>
-            <a:gs pos="100000">
-              <a:schemeClr val="phClr">
-                <a:tint val="15000"/>
-                <a:satMod val="350000"/>
-              </a:schemeClr>
-            </a:gs>
-          </a:gsLst>
-          <a:lin ang="16200000" scaled="1"/>
-        </a:gradFill>
-        <a:gradFill rotWithShape="1">
-          <a:gsLst>
-            <a:gs pos="0">
-              <a:schemeClr val="phClr">
-                <a:tint val="100000"/>
-                <a:shade val="100000"/>
-                <a:satMod val="130000"/>
-              </a:schemeClr>
-            </a:gs>
-            <a:gs pos="100000">
-              <a:schemeClr val="phClr">
-                <a:tint val="50000"/>
-                <a:shade val="100000"/>
-                <a:satMod val="350000"/>
-              </a:schemeClr>
-            </a:gs>
-          </a:gsLst>
-          <a:lin ang="16200000" scaled="0"/>
-        </a:gradFill>
-      </a:fillStyleLst>
-      <a:lnStyleLst>
-        <a:ln w="9525" cap="flat" cmpd="sng" algn="ctr">
-          <a:solidFill>
-            <a:schemeClr val="phClr">
-              <a:shade val="95000"/>
-              <a:satMod val="105000"/>
-            </a:schemeClr>
-          </a:solidFill>
-          <a:prstDash val="solid"/>
-        </a:ln>
-        <a:ln w="25400" cap="flat" cmpd="sng" algn="ctr">
-          <a:solidFill>
-            <a:schemeClr val="phClr"/>
-          </a:solidFill>
-          <a:prstDash val="solid"/>
-        </a:ln>
-        <a:ln w="38100" cap="flat" cmpd="sng" algn="ctr">
-          <a:solidFill>
-            <a:schemeClr val="phClr"/>
-          </a:solidFill>
-          <a:prstDash val="solid"/>
-        </a:ln>
-      </a:lnStyleLst>
-      <a:effectStyleLst>
-        <a:effectStyle>
-          <a:effectLst>
-            <a:outerShdw blurRad="40000" dist="20000" dir="5400000" rotWithShape="0">
-              <a:srgbClr val="000000">
-                <a:alpha val="38000"/>
-              </a:srgbClr>
-            </a:outerShdw>
-          </a:effectLst>
-        </a:effectStyle>
-        <a:effectStyle>
-          <a:effectLst>
-            <a:outerShdw blurRad="40000" dist="23000" dir="5400000" rotWithShape="0">
-              <a:srgbClr val="000000">
-                <a:alpha val="35000"/>
-              </a:srgbClr>
-            </a:outerShdw>
-          </a:effectLst>
-        </a:effectStyle>
-        <a:effectStyle>
-          <a:effectLst>
-            <a:outerShdw blurRad="40000" dist="23000" dir="5400000" rotWithShape="0">
-              <a:srgbClr val="000000">
-                <a:alpha val="35000"/>
-              </a:srgbClr>
-            </a:outerShdw>
-          </a:effectLst>
-          <a:scene3d>
-            <a:camera prst="orthographicFront">
-              <a:rot lat="0" lon="0" rev="0"/>
-            </a:camera>
-            <a:lightRig rig="threePt" dir="t">
-              <a:rot lat="0" lon="0" rev="1200000"/>
-            </a:lightRig>
-          </a:scene3d>
-          <a:sp3d>
-            <a:bevelT w="63500" h="25400"/>
-          </a:sp3d>
-        </a:effectStyle>
-      </a:effectStyleLst>
-      <a:bgFillStyleLst>
-        <a:solidFill>
-          <a:schemeClr val="phClr"/>
-        </a:solidFill>
-        <a:gradFill rotWithShape="1">
-          <a:gsLst>
-            <a:gs pos="0">
-              <a:schemeClr val="phClr">
-                <a:tint val="40000"/>
-                <a:satMod val="350000"/>
-              </a:schemeClr>
-            </a:gs>
-            <a:gs pos="40000">
-              <a:schemeClr val="phClr">
-                <a:tint val="45000"/>
-                <a:shade val="99000"/>
-                <a:satMod val="350000"/>
-              </a:schemeClr>
-            </a:gs>
-            <a:gs pos="100000">
-              <a:schemeClr val="phClr">
-                <a:shade val="20000"/>
-                <a:satMod val="255000"/>
-              </a:schemeClr>
-            </a:gs>
-          </a:gsLst>
-          <a:path path="circle">
-            <a:fillToRect l="50000" t="-80000" r="50000" b="180000"/>
-          </a:path>
-        </a:gradFill>
-        <a:gradFill rotWithShape="1">
-          <a:gsLst>
-            <a:gs pos="0">
-              <a:schemeClr val="phClr">
-                <a:tint val="80000"/>
-                <a:satMod val="300000"/>
-              </a:schemeClr>
-            </a:gs>
-            <a:gs pos="100000">
-              <a:schemeClr val="phClr">
-                <a:shade val="30000"/>
-                <a:satMod val="200000"/>
-              </a:schemeClr>
-            </a:gs>
-          </a:gsLst>
-          <a:path path="circle">
-            <a:fillToRect l="50000" t="50000" r="50000" b="50000"/>
-          </a:path>
-        </a:gradFill>
-      </a:bgFillStyleLst>
-    </a:fmtScheme>
-  </a:themeElements>
-</a:theme>
 </file>
--- a/Progettazione/AstroAllies_Presentazione_AndreaCagnolati.pptx
+++ b/Progettazione/AstroAllies_Presentazione_AndreaCagnolati.pptx
@@ -22,23 +22,24 @@
     <p:sldId id="267" r:id="rId18"/>
     <p:sldId id="268" r:id="rId19"/>
     <p:sldId id="269" r:id="rId20"/>
+    <p:sldId id="270" r:id="rId21"/>
   </p:sldIdLst>
   <p:sldSz cy="5143500" cx="9144000"/>
   <p:notesSz cx="6858000" cy="9144000"/>
   <p:embeddedFontLst>
     <p:embeddedFont>
       <p:font typeface="Montserrat"/>
-      <p:regular r:id="rId21"/>
-      <p:bold r:id="rId22"/>
-      <p:italic r:id="rId23"/>
-      <p:boldItalic r:id="rId24"/>
+      <p:regular r:id="rId22"/>
+      <p:bold r:id="rId23"/>
+      <p:italic r:id="rId24"/>
+      <p:boldItalic r:id="rId25"/>
     </p:embeddedFont>
     <p:embeddedFont>
       <p:font typeface="Lato"/>
-      <p:regular r:id="rId25"/>
-      <p:bold r:id="rId26"/>
-      <p:italic r:id="rId27"/>
-      <p:boldItalic r:id="rId28"/>
+      <p:regular r:id="rId26"/>
+      <p:bold r:id="rId27"/>
+      <p:italic r:id="rId28"/>
+      <p:boldItalic r:id="rId29"/>
     </p:embeddedFont>
   </p:embeddedFontLst>
   <p:defaultTextStyle>
@@ -819,7 +820,7 @@
   <p:cSld>
     <p:spTree>
       <p:nvGrpSpPr>
-        <p:cNvPr id="191" name="Shape 191"/>
+        <p:cNvPr id="192" name="Shape 192"/>
         <p:cNvGrpSpPr/>
         <p:nvPr/>
       </p:nvGrpSpPr>
@@ -833,7 +834,7 @@
       </p:grpSpPr>
       <p:sp>
         <p:nvSpPr>
-          <p:cNvPr id="192" name="Google Shape;192;g3801f5f98d5_0_180:notes"/>
+          <p:cNvPr id="193" name="Google Shape;193;g3801f5f98d5_0_174:notes"/>
           <p:cNvSpPr/>
           <p:nvPr>
             <p:ph idx="2" type="sldImg"/>
@@ -868,7 +869,7 @@
       </p:sp>
       <p:sp>
         <p:nvSpPr>
-          <p:cNvPr id="193" name="Google Shape;193;g3801f5f98d5_0_180:notes"/>
+          <p:cNvPr id="194" name="Google Shape;194;g3801f5f98d5_0_174:notes"/>
           <p:cNvSpPr txBox="1"/>
           <p:nvPr>
             <p:ph idx="1" type="body"/>
@@ -932,7 +933,7 @@
       </p:grpSpPr>
       <p:sp>
         <p:nvSpPr>
-          <p:cNvPr id="201" name="Google Shape;201;g3801f5f98d5_0_192:notes"/>
+          <p:cNvPr id="201" name="Google Shape;201;g3801f5f98d5_0_180:notes"/>
           <p:cNvSpPr/>
           <p:nvPr>
             <p:ph idx="2" type="sldImg"/>
@@ -967,7 +968,7 @@
       </p:sp>
       <p:sp>
         <p:nvSpPr>
-          <p:cNvPr id="202" name="Google Shape;202;g3801f5f98d5_0_192:notes"/>
+          <p:cNvPr id="202" name="Google Shape;202;g3801f5f98d5_0_180:notes"/>
           <p:cNvSpPr txBox="1"/>
           <p:nvPr>
             <p:ph idx="1" type="body"/>
@@ -1017,7 +1018,7 @@
   <p:cSld>
     <p:spTree>
       <p:nvGrpSpPr>
-        <p:cNvPr id="214" name="Shape 214"/>
+        <p:cNvPr id="209" name="Shape 209"/>
         <p:cNvGrpSpPr/>
         <p:nvPr/>
       </p:nvGrpSpPr>
@@ -1031,7 +1032,7 @@
       </p:grpSpPr>
       <p:sp>
         <p:nvSpPr>
-          <p:cNvPr id="215" name="Google Shape;215;g3801f5f98d5_0_200:notes"/>
+          <p:cNvPr id="210" name="Google Shape;210;g3801f5f98d5_0_192:notes"/>
           <p:cNvSpPr/>
           <p:nvPr>
             <p:ph idx="2" type="sldImg"/>
@@ -1066,7 +1067,7 @@
       </p:sp>
       <p:sp>
         <p:nvSpPr>
-          <p:cNvPr id="216" name="Google Shape;216;g3801f5f98d5_0_200:notes"/>
+          <p:cNvPr id="211" name="Google Shape;211;g3801f5f98d5_0_192:notes"/>
           <p:cNvSpPr txBox="1"/>
           <p:nvPr>
             <p:ph idx="1" type="body"/>
@@ -1116,7 +1117,7 @@
   <p:cSld>
     <p:spTree>
       <p:nvGrpSpPr>
-        <p:cNvPr id="221" name="Shape 221"/>
+        <p:cNvPr id="223" name="Shape 223"/>
         <p:cNvGrpSpPr/>
         <p:nvPr/>
       </p:nvGrpSpPr>
@@ -1130,7 +1131,7 @@
       </p:grpSpPr>
       <p:sp>
         <p:nvSpPr>
-          <p:cNvPr id="222" name="Google Shape;222;g3801f5f98d5_0_228:notes"/>
+          <p:cNvPr id="224" name="Google Shape;224;g3801f5f98d5_0_200:notes"/>
           <p:cNvSpPr/>
           <p:nvPr>
             <p:ph idx="2" type="sldImg"/>
@@ -1165,7 +1166,7 @@
       </p:sp>
       <p:sp>
         <p:nvSpPr>
-          <p:cNvPr id="223" name="Google Shape;223;g3801f5f98d5_0_228:notes"/>
+          <p:cNvPr id="225" name="Google Shape;225;g3801f5f98d5_0_200:notes"/>
           <p:cNvSpPr txBox="1"/>
           <p:nvPr>
             <p:ph idx="1" type="body"/>
@@ -1215,7 +1216,7 @@
   <p:cSld>
     <p:spTree>
       <p:nvGrpSpPr>
-        <p:cNvPr id="226" name="Shape 226"/>
+        <p:cNvPr id="230" name="Shape 230"/>
         <p:cNvGrpSpPr/>
         <p:nvPr/>
       </p:nvGrpSpPr>
@@ -1229,7 +1230,7 @@
       </p:grpSpPr>
       <p:sp>
         <p:nvSpPr>
-          <p:cNvPr id="227" name="Google Shape;227;g3801f5f98d5_0_232:notes"/>
+          <p:cNvPr id="231" name="Google Shape;231;g3801f5f98d5_0_228:notes"/>
           <p:cNvSpPr/>
           <p:nvPr>
             <p:ph idx="2" type="sldImg"/>
@@ -1264,7 +1265,106 @@
       </p:sp>
       <p:sp>
         <p:nvSpPr>
-          <p:cNvPr id="228" name="Google Shape;228;g3801f5f98d5_0_232:notes"/>
+          <p:cNvPr id="232" name="Google Shape;232;g3801f5f98d5_0_228:notes"/>
+          <p:cNvSpPr txBox="1"/>
+          <p:nvPr>
+            <p:ph idx="1" type="body"/>
+          </p:nvPr>
+        </p:nvSpPr>
+        <p:spPr>
+          <a:xfrm>
+            <a:off x="685800" y="4343400"/>
+            <a:ext cx="5486400" cy="4114800"/>
+          </a:xfrm>
+          <a:prstGeom prst="rect">
+            <a:avLst/>
+          </a:prstGeom>
+        </p:spPr>
+        <p:txBody>
+          <a:bodyPr anchorCtr="0" anchor="t" bIns="91425" lIns="91425" spcFirstLastPara="1" rIns="91425" wrap="square" tIns="91425">
+            <a:noAutofit/>
+          </a:bodyPr>
+          <a:lstStyle/>
+          <a:p>
+            <a:pPr indent="0" lvl="0" marL="0" rtl="0" algn="l">
+              <a:spcBef>
+                <a:spcPts val="0"/>
+              </a:spcBef>
+              <a:spcAft>
+                <a:spcPts val="0"/>
+              </a:spcAft>
+              <a:buNone/>
+            </a:pPr>
+            <a:r>
+              <a:t/>
+            </a:r>
+            <a:endParaRPr/>
+          </a:p>
+        </p:txBody>
+      </p:sp>
+    </p:spTree>
+  </p:cSld>
+  <p:clrMapOvr>
+    <a:masterClrMapping/>
+  </p:clrMapOvr>
+</p:notes>
+</file>
+
+<file path=ppt/notesSlides/notesSlide15.xml><?xml version="1.0" encoding="utf-8"?>
+<p:notes xmlns:a="http://schemas.openxmlformats.org/drawingml/2006/main" xmlns:r="http://schemas.openxmlformats.org/officeDocument/2006/relationships" xmlns:mc="http://schemas.openxmlformats.org/markup-compatibility/2006" xmlns:mv="urn:schemas-microsoft-com:mac:vml" xmlns:p="http://schemas.openxmlformats.org/presentationml/2006/main" xmlns:c="http://schemas.openxmlformats.org/drawingml/2006/chart" xmlns:dgm="http://schemas.openxmlformats.org/drawingml/2006/diagram" xmlns:o="urn:schemas-microsoft-com:office:office" xmlns:v="urn:schemas-microsoft-com:vml" xmlns:pvml="urn:schemas-microsoft-com:office:powerpoint" xmlns:com="http://schemas.openxmlformats.org/drawingml/2006/compatibility" xmlns:p14="http://schemas.microsoft.com/office/powerpoint/2010/main" xmlns:p15="http://schemas.microsoft.com/office/powerpoint/2012/main" xmlns:ahyp="http://schemas.microsoft.com/office/drawing/2018/hyperlinkcolor" showMasterPhAnim="0" showMasterSp="0">
+  <p:cSld>
+    <p:spTree>
+      <p:nvGrpSpPr>
+        <p:cNvPr id="235" name="Shape 235"/>
+        <p:cNvGrpSpPr/>
+        <p:nvPr/>
+      </p:nvGrpSpPr>
+      <p:grpSpPr>
+        <a:xfrm>
+          <a:off x="0" y="0"/>
+          <a:ext cx="0" cy="0"/>
+          <a:chOff x="0" y="0"/>
+          <a:chExt cx="0" cy="0"/>
+        </a:xfrm>
+      </p:grpSpPr>
+      <p:sp>
+        <p:nvSpPr>
+          <p:cNvPr id="236" name="Google Shape;236;g3801f5f98d5_0_232:notes"/>
+          <p:cNvSpPr/>
+          <p:nvPr>
+            <p:ph idx="2" type="sldImg"/>
+          </p:nvPr>
+        </p:nvSpPr>
+        <p:spPr>
+          <a:xfrm>
+            <a:off x="381300" y="685800"/>
+            <a:ext cx="6096000" cy="3429000"/>
+          </a:xfrm>
+          <a:custGeom>
+            <a:rect b="b" l="l" r="r" t="t"/>
+            <a:pathLst>
+              <a:path extrusionOk="0" h="120000" w="120000">
+                <a:moveTo>
+                  <a:pt x="0" y="0"/>
+                </a:moveTo>
+                <a:lnTo>
+                  <a:pt x="120000" y="0"/>
+                </a:lnTo>
+                <a:lnTo>
+                  <a:pt x="120000" y="120000"/>
+                </a:lnTo>
+                <a:lnTo>
+                  <a:pt x="0" y="120000"/>
+                </a:lnTo>
+                <a:close/>
+              </a:path>
+            </a:pathLst>
+          </a:custGeom>
+        </p:spPr>
+      </p:sp>
+      <p:sp>
+        <p:nvSpPr>
+          <p:cNvPr id="237" name="Google Shape;237;g3801f5f98d5_0_232:notes"/>
           <p:cNvSpPr txBox="1"/>
           <p:nvPr>
             <p:ph idx="1" type="body"/>
@@ -1823,7 +1923,7 @@
       </p:grpSpPr>
       <p:sp>
         <p:nvSpPr>
-          <p:cNvPr id="172" name="Google Shape;172;g3801f5f98d5_0_167:notes"/>
+          <p:cNvPr id="172" name="Google Shape;172;g380c79cc99a_0_0:notes"/>
           <p:cNvSpPr/>
           <p:nvPr>
             <p:ph idx="2" type="sldImg"/>
@@ -1858,7 +1958,7 @@
       </p:sp>
       <p:sp>
         <p:nvSpPr>
-          <p:cNvPr id="173" name="Google Shape;173;g3801f5f98d5_0_167:notes"/>
+          <p:cNvPr id="173" name="Google Shape;173;g380c79cc99a_0_0:notes"/>
           <p:cNvSpPr txBox="1"/>
           <p:nvPr>
             <p:ph idx="1" type="body"/>
@@ -1908,7 +2008,7 @@
   <p:cSld>
     <p:spTree>
       <p:nvGrpSpPr>
-        <p:cNvPr id="178" name="Shape 178"/>
+        <p:cNvPr id="180" name="Shape 180"/>
         <p:cNvGrpSpPr/>
         <p:nvPr/>
       </p:nvGrpSpPr>
@@ -1922,7 +2022,7 @@
       </p:grpSpPr>
       <p:sp>
         <p:nvSpPr>
-          <p:cNvPr id="179" name="Google Shape;179;g3801f5f98d5_0_145:notes"/>
+          <p:cNvPr id="181" name="Google Shape;181;g3801f5f98d5_0_167:notes"/>
           <p:cNvSpPr/>
           <p:nvPr>
             <p:ph idx="2" type="sldImg"/>
@@ -1957,7 +2057,7 @@
       </p:sp>
       <p:sp>
         <p:nvSpPr>
-          <p:cNvPr id="180" name="Google Shape;180;g3801f5f98d5_0_145:notes"/>
+          <p:cNvPr id="182" name="Google Shape;182;g3801f5f98d5_0_167:notes"/>
           <p:cNvSpPr txBox="1"/>
           <p:nvPr>
             <p:ph idx="1" type="body"/>
@@ -2007,7 +2107,7 @@
   <p:cSld>
     <p:spTree>
       <p:nvGrpSpPr>
-        <p:cNvPr id="183" name="Shape 183"/>
+        <p:cNvPr id="187" name="Shape 187"/>
         <p:cNvGrpSpPr/>
         <p:nvPr/>
       </p:nvGrpSpPr>
@@ -2021,7 +2121,7 @@
       </p:grpSpPr>
       <p:sp>
         <p:nvSpPr>
-          <p:cNvPr id="184" name="Google Shape;184;g3801f5f98d5_0_174:notes"/>
+          <p:cNvPr id="188" name="Google Shape;188;g3801f5f98d5_0_145:notes"/>
           <p:cNvSpPr/>
           <p:nvPr>
             <p:ph idx="2" type="sldImg"/>
@@ -2056,7 +2156,7 @@
       </p:sp>
       <p:sp>
         <p:nvSpPr>
-          <p:cNvPr id="185" name="Google Shape;185;g3801f5f98d5_0_174:notes"/>
+          <p:cNvPr id="189" name="Google Shape;189;g3801f5f98d5_0_145:notes"/>
           <p:cNvSpPr txBox="1"/>
           <p:nvPr>
             <p:ph idx="1" type="body"/>
@@ -10402,7 +10502,7 @@
             </a:pPr>
             <a:r>
               <a:rPr lang="it" sz="1100"/>
-              <a:t>TEAM: Marco Anghinetti, Andrea Cagnolati</a:t>
+              <a:t>Marco Anghinetti - Andrea Cagnolati</a:t>
             </a:r>
             <a:endParaRPr sz="1100"/>
           </a:p>
@@ -10473,7 +10573,7 @@
   <p:cSld>
     <p:spTree>
       <p:nvGrpSpPr>
-        <p:cNvPr id="194" name="Shape 194"/>
+        <p:cNvPr id="195" name="Shape 195"/>
         <p:cNvGrpSpPr/>
         <p:nvPr/>
       </p:nvGrpSpPr>
@@ -10487,7 +10587,302 @@
       </p:grpSpPr>
       <p:sp>
         <p:nvSpPr>
-          <p:cNvPr id="195" name="Google Shape;195;p22"/>
+          <p:cNvPr id="196" name="Google Shape;196;p22"/>
+          <p:cNvSpPr txBox="1"/>
+          <p:nvPr>
+            <p:ph type="title"/>
+          </p:nvPr>
+        </p:nvSpPr>
+        <p:spPr>
+          <a:xfrm>
+            <a:off x="1100200" y="831075"/>
+            <a:ext cx="1754400" cy="491100"/>
+          </a:xfrm>
+          <a:prstGeom prst="rect">
+            <a:avLst/>
+          </a:prstGeom>
+        </p:spPr>
+        <p:txBody>
+          <a:bodyPr anchorCtr="0" anchor="t" bIns="91425" lIns="91425" spcFirstLastPara="1" rIns="91425" wrap="square" tIns="91425">
+            <a:normAutofit/>
+          </a:bodyPr>
+          <a:lstStyle/>
+          <a:p>
+            <a:pPr indent="0" lvl="0" marL="0" rtl="0" algn="l">
+              <a:spcBef>
+                <a:spcPts val="0"/>
+              </a:spcBef>
+              <a:spcAft>
+                <a:spcPts val="0"/>
+              </a:spcAft>
+              <a:buNone/>
+            </a:pPr>
+            <a:r>
+              <a:rPr lang="it" sz="2000"/>
+              <a:t>SISTEMA</a:t>
+            </a:r>
+            <a:endParaRPr sz="2000"/>
+          </a:p>
+        </p:txBody>
+      </p:sp>
+      <p:sp>
+        <p:nvSpPr>
+          <p:cNvPr id="197" name="Google Shape;197;p22"/>
+          <p:cNvSpPr txBox="1"/>
+          <p:nvPr>
+            <p:ph idx="1" type="body"/>
+          </p:nvPr>
+        </p:nvSpPr>
+        <p:spPr>
+          <a:xfrm>
+            <a:off x="1100200" y="1567550"/>
+            <a:ext cx="3403200" cy="2911200"/>
+          </a:xfrm>
+          <a:prstGeom prst="rect">
+            <a:avLst/>
+          </a:prstGeom>
+        </p:spPr>
+        <p:txBody>
+          <a:bodyPr anchorCtr="0" anchor="t" bIns="91425" lIns="91425" spcFirstLastPara="1" rIns="91425" wrap="square" tIns="91425">
+            <a:normAutofit/>
+          </a:bodyPr>
+          <a:lstStyle/>
+          <a:p>
+            <a:pPr indent="0" lvl="0" marL="0" rtl="0" algn="l">
+              <a:spcBef>
+                <a:spcPts val="0"/>
+              </a:spcBef>
+              <a:spcAft>
+                <a:spcPts val="0"/>
+              </a:spcAft>
+              <a:buNone/>
+            </a:pPr>
+            <a:r>
+              <a:rPr lang="it"/>
+              <a:t>Container Docker:</a:t>
+            </a:r>
+            <a:endParaRPr/>
+          </a:p>
+          <a:p>
+            <a:pPr indent="-311150" lvl="0" marL="457200" rtl="0" algn="l">
+              <a:lnSpc>
+                <a:spcPct val="200000"/>
+              </a:lnSpc>
+              <a:spcBef>
+                <a:spcPts val="1200"/>
+              </a:spcBef>
+              <a:spcAft>
+                <a:spcPts val="0"/>
+              </a:spcAft>
+              <a:buSzPts val="1300"/>
+              <a:buChar char="●"/>
+            </a:pPr>
+            <a:r>
+              <a:rPr lang="it"/>
+              <a:t>Database: mariadb 10.5</a:t>
+            </a:r>
+            <a:endParaRPr/>
+          </a:p>
+          <a:p>
+            <a:pPr indent="-311150" lvl="0" marL="457200" rtl="0" algn="l">
+              <a:lnSpc>
+                <a:spcPct val="200000"/>
+              </a:lnSpc>
+              <a:spcBef>
+                <a:spcPts val="0"/>
+              </a:spcBef>
+              <a:spcAft>
+                <a:spcPts val="0"/>
+              </a:spcAft>
+              <a:buSzPts val="1300"/>
+              <a:buChar char="●"/>
+            </a:pPr>
+            <a:r>
+              <a:rPr lang="it"/>
+              <a:t>Web Server: apache php 8.1</a:t>
+            </a:r>
+            <a:endParaRPr/>
+          </a:p>
+          <a:p>
+            <a:pPr indent="-311150" lvl="0" marL="457200" rtl="0" algn="l">
+              <a:lnSpc>
+                <a:spcPct val="200000"/>
+              </a:lnSpc>
+              <a:spcBef>
+                <a:spcPts val="0"/>
+              </a:spcBef>
+              <a:spcAft>
+                <a:spcPts val="0"/>
+              </a:spcAft>
+              <a:buSzPts val="1300"/>
+              <a:buChar char="●"/>
+            </a:pPr>
+            <a:r>
+              <a:rPr lang="it"/>
+              <a:t>Socket Server: alpine php 8.1</a:t>
+            </a:r>
+            <a:endParaRPr/>
+          </a:p>
+          <a:p>
+            <a:pPr indent="0" lvl="0" marL="0" rtl="0" algn="l">
+              <a:spcBef>
+                <a:spcPts val="1200"/>
+              </a:spcBef>
+              <a:spcAft>
+                <a:spcPts val="1200"/>
+              </a:spcAft>
+              <a:buNone/>
+            </a:pPr>
+            <a:r>
+              <a:rPr lang="it"/>
+              <a:t>Garantisce portabilità ed indipendenza tra le parti del software.</a:t>
+            </a:r>
+            <a:endParaRPr/>
+          </a:p>
+        </p:txBody>
+      </p:sp>
+      <p:sp>
+        <p:nvSpPr>
+          <p:cNvPr id="198" name="Google Shape;198;p22"/>
+          <p:cNvSpPr txBox="1"/>
+          <p:nvPr>
+            <p:ph idx="2" type="body"/>
+          </p:nvPr>
+        </p:nvSpPr>
+        <p:spPr>
+          <a:xfrm>
+            <a:off x="4887171" y="1521500"/>
+            <a:ext cx="3403200" cy="2911200"/>
+          </a:xfrm>
+          <a:prstGeom prst="rect">
+            <a:avLst/>
+          </a:prstGeom>
+        </p:spPr>
+        <p:txBody>
+          <a:bodyPr anchorCtr="0" anchor="t" bIns="91425" lIns="91425" spcFirstLastPara="1" rIns="91425" wrap="square" tIns="91425">
+            <a:normAutofit/>
+          </a:bodyPr>
+          <a:lstStyle/>
+          <a:p>
+            <a:pPr indent="0" lvl="0" marL="0" rtl="0" algn="l">
+              <a:spcBef>
+                <a:spcPts val="0"/>
+              </a:spcBef>
+              <a:spcAft>
+                <a:spcPts val="0"/>
+              </a:spcAft>
+              <a:buNone/>
+            </a:pPr>
+            <a:r>
+              <a:rPr lang="it"/>
+              <a:t>La procedura per l’installazione, l’avvio e la gestione dei container è presente nel documento “Manuale Installazione”.</a:t>
+            </a:r>
+            <a:endParaRPr/>
+          </a:p>
+          <a:p>
+            <a:pPr indent="0" lvl="0" marL="0" rtl="0" algn="l">
+              <a:spcBef>
+                <a:spcPts val="1200"/>
+              </a:spcBef>
+              <a:spcAft>
+                <a:spcPts val="0"/>
+              </a:spcAft>
+              <a:buNone/>
+            </a:pPr>
+            <a:r>
+              <a:rPr lang="it"/>
+              <a:t>Il Database istanzia lo schema al primo avvio del container tramite il file init.sql.</a:t>
+            </a:r>
+            <a:endParaRPr/>
+          </a:p>
+          <a:p>
+            <a:pPr indent="0" lvl="0" marL="0" rtl="0" algn="l">
+              <a:spcBef>
+                <a:spcPts val="1200"/>
+              </a:spcBef>
+              <a:spcAft>
+                <a:spcPts val="0"/>
+              </a:spcAft>
+              <a:buNone/>
+            </a:pPr>
+            <a:r>
+              <a:t/>
+            </a:r>
+            <a:endParaRPr/>
+          </a:p>
+          <a:p>
+            <a:pPr indent="0" lvl="0" marL="0" rtl="0" algn="l">
+              <a:spcBef>
+                <a:spcPts val="1200"/>
+              </a:spcBef>
+              <a:spcAft>
+                <a:spcPts val="1200"/>
+              </a:spcAft>
+              <a:buNone/>
+            </a:pPr>
+            <a:r>
+              <a:t/>
+            </a:r>
+            <a:endParaRPr/>
+          </a:p>
+        </p:txBody>
+      </p:sp>
+      <p:pic>
+        <p:nvPicPr>
+          <p:cNvPr id="199" name="Google Shape;199;p22" title="Immagine WhatsApp 2025-09-18 ore 02.18.46_6b278d9f.jpg"/>
+          <p:cNvPicPr preferRelativeResize="0"/>
+          <p:nvPr/>
+        </p:nvPicPr>
+        <p:blipFill>
+          <a:blip r:embed="rId3">
+            <a:alphaModFix/>
+          </a:blip>
+          <a:stretch>
+            <a:fillRect/>
+          </a:stretch>
+        </p:blipFill>
+        <p:spPr>
+          <a:xfrm>
+            <a:off x="5666937" y="3106800"/>
+            <a:ext cx="1843675" cy="1325900"/>
+          </a:xfrm>
+          <a:prstGeom prst="rect">
+            <a:avLst/>
+          </a:prstGeom>
+          <a:noFill/>
+          <a:ln>
+            <a:noFill/>
+          </a:ln>
+        </p:spPr>
+      </p:pic>
+    </p:spTree>
+  </p:cSld>
+  <p:clrMapOvr>
+    <a:masterClrMapping/>
+  </p:clrMapOvr>
+</p:sld>
+</file>
+
+<file path=ppt/slides/slide11.xml><?xml version="1.0" encoding="utf-8"?>
+<p:sld xmlns:a="http://schemas.openxmlformats.org/drawingml/2006/main" xmlns:r="http://schemas.openxmlformats.org/officeDocument/2006/relationships" xmlns:mc="http://schemas.openxmlformats.org/markup-compatibility/2006" xmlns:mv="urn:schemas-microsoft-com:mac:vml" xmlns:p="http://schemas.openxmlformats.org/presentationml/2006/main" xmlns:c="http://schemas.openxmlformats.org/drawingml/2006/chart" xmlns:dgm="http://schemas.openxmlformats.org/drawingml/2006/diagram" xmlns:o="urn:schemas-microsoft-com:office:office" xmlns:v="urn:schemas-microsoft-com:vml" xmlns:pvml="urn:schemas-microsoft-com:office:powerpoint" xmlns:com="http://schemas.openxmlformats.org/drawingml/2006/compatibility" xmlns:p14="http://schemas.microsoft.com/office/powerpoint/2010/main" xmlns:p15="http://schemas.microsoft.com/office/powerpoint/2012/main" xmlns:ahyp="http://schemas.microsoft.com/office/drawing/2018/hyperlinkcolor">
+  <p:cSld>
+    <p:spTree>
+      <p:nvGrpSpPr>
+        <p:cNvPr id="203" name="Shape 203"/>
+        <p:cNvGrpSpPr/>
+        <p:nvPr/>
+      </p:nvGrpSpPr>
+      <p:grpSpPr>
+        <a:xfrm>
+          <a:off x="0" y="0"/>
+          <a:ext cx="0" cy="0"/>
+          <a:chOff x="0" y="0"/>
+          <a:chExt cx="0" cy="0"/>
+        </a:xfrm>
+      </p:grpSpPr>
+      <p:sp>
+        <p:nvSpPr>
+          <p:cNvPr id="204" name="Google Shape;204;p23"/>
           <p:cNvSpPr txBox="1"/>
           <p:nvPr>
             <p:ph type="title"/>
@@ -10527,7 +10922,7 @@
       </p:sp>
       <p:grpSp>
         <p:nvGrpSpPr>
-          <p:cNvPr id="196" name="Google Shape;196;p22"/>
+          <p:cNvPr id="205" name="Google Shape;205;p23"/>
           <p:cNvGrpSpPr/>
           <p:nvPr/>
         </p:nvGrpSpPr>
@@ -10541,7 +10936,7 @@
         </p:grpSpPr>
         <p:sp>
           <p:nvSpPr>
-            <p:cNvPr id="197" name="Google Shape;197;p22"/>
+            <p:cNvPr id="206" name="Google Shape;206;p23"/>
             <p:cNvSpPr/>
             <p:nvPr/>
           </p:nvSpPr>
@@ -10595,7 +10990,7 @@
         </p:sp>
         <p:pic>
           <p:nvPicPr>
-            <p:cNvPr id="198" name="Google Shape;198;p22"/>
+            <p:cNvPr id="207" name="Google Shape;207;p23"/>
             <p:cNvPicPr preferRelativeResize="0"/>
             <p:nvPr/>
           </p:nvPicPr>
@@ -10624,7 +11019,7 @@
       </p:grpSp>
       <p:sp>
         <p:nvSpPr>
-          <p:cNvPr id="199" name="Google Shape;199;p22"/>
+          <p:cNvPr id="208" name="Google Shape;208;p23"/>
           <p:cNvSpPr txBox="1"/>
           <p:nvPr>
             <p:ph idx="1" type="body"/>
@@ -10726,12 +11121,12 @@
 </p:sld>
 </file>
 
-<file path=ppt/slides/slide11.xml><?xml version="1.0" encoding="utf-8"?>
+<file path=ppt/slides/slide12.xml><?xml version="1.0" encoding="utf-8"?>
 <p:sld xmlns:a="http://schemas.openxmlformats.org/drawingml/2006/main" xmlns:r="http://schemas.openxmlformats.org/officeDocument/2006/relationships" xmlns:mc="http://schemas.openxmlformats.org/markup-compatibility/2006" xmlns:mv="urn:schemas-microsoft-com:mac:vml" xmlns:p="http://schemas.openxmlformats.org/presentationml/2006/main" xmlns:c="http://schemas.openxmlformats.org/drawingml/2006/chart" xmlns:dgm="http://schemas.openxmlformats.org/drawingml/2006/diagram" xmlns:o="urn:schemas-microsoft-com:office:office" xmlns:v="urn:schemas-microsoft-com:vml" xmlns:pvml="urn:schemas-microsoft-com:office:powerpoint" xmlns:com="http://schemas.openxmlformats.org/drawingml/2006/compatibility" xmlns:p14="http://schemas.microsoft.com/office/powerpoint/2010/main" xmlns:p15="http://schemas.microsoft.com/office/powerpoint/2012/main" xmlns:ahyp="http://schemas.microsoft.com/office/drawing/2018/hyperlinkcolor">
   <p:cSld>
     <p:spTree>
       <p:nvGrpSpPr>
-        <p:cNvPr id="203" name="Shape 203"/>
+        <p:cNvPr id="212" name="Shape 212"/>
         <p:cNvGrpSpPr/>
         <p:nvPr/>
       </p:nvGrpSpPr>
@@ -10745,7 +11140,7 @@
       </p:grpSpPr>
       <p:sp>
         <p:nvSpPr>
-          <p:cNvPr id="204" name="Google Shape;204;p23"/>
+          <p:cNvPr id="213" name="Google Shape;213;p24"/>
           <p:cNvSpPr txBox="1"/>
           <p:nvPr>
             <p:ph type="title"/>
@@ -10785,7 +11180,7 @@
       </p:sp>
       <p:sp>
         <p:nvSpPr>
-          <p:cNvPr id="205" name="Google Shape;205;p23"/>
+          <p:cNvPr id="214" name="Google Shape;214;p24"/>
           <p:cNvSpPr txBox="1"/>
           <p:nvPr>
             <p:ph idx="1" type="body"/>
@@ -10900,7 +11295,7 @@
       </p:sp>
       <p:pic>
         <p:nvPicPr>
-          <p:cNvPr id="206" name="Google Shape;206;p23"/>
+          <p:cNvPr id="215" name="Google Shape;215;p24"/>
           <p:cNvPicPr preferRelativeResize="0"/>
           <p:nvPr/>
         </p:nvPicPr>
@@ -10928,7 +11323,7 @@
       </p:pic>
       <p:sp>
         <p:nvSpPr>
-          <p:cNvPr id="207" name="Google Shape;207;p23"/>
+          <p:cNvPr id="216" name="Google Shape;216;p24"/>
           <p:cNvSpPr txBox="1"/>
           <p:nvPr/>
         </p:nvSpPr>
@@ -10977,7 +11372,7 @@
       </p:sp>
       <p:grpSp>
         <p:nvGrpSpPr>
-          <p:cNvPr id="208" name="Google Shape;208;p23"/>
+          <p:cNvPr id="217" name="Google Shape;217;p24"/>
           <p:cNvGrpSpPr/>
           <p:nvPr/>
         </p:nvGrpSpPr>
@@ -10991,7 +11386,7 @@
         </p:grpSpPr>
         <p:pic>
           <p:nvPicPr>
-            <p:cNvPr id="209" name="Google Shape;209;p23"/>
+            <p:cNvPr id="218" name="Google Shape;218;p24"/>
             <p:cNvPicPr preferRelativeResize="0"/>
             <p:nvPr/>
           </p:nvPicPr>
@@ -11018,7 +11413,7 @@
         </p:pic>
         <p:sp>
           <p:nvSpPr>
-            <p:cNvPr id="210" name="Google Shape;210;p23"/>
+            <p:cNvPr id="219" name="Google Shape;219;p24"/>
             <p:cNvSpPr txBox="1"/>
             <p:nvPr/>
           </p:nvSpPr>
@@ -11077,7 +11472,7 @@
       </p:grpSp>
       <p:grpSp>
         <p:nvGrpSpPr>
-          <p:cNvPr id="211" name="Google Shape;211;p23"/>
+          <p:cNvPr id="220" name="Google Shape;220;p24"/>
           <p:cNvGrpSpPr/>
           <p:nvPr/>
         </p:nvGrpSpPr>
@@ -11091,7 +11486,7 @@
         </p:grpSpPr>
         <p:pic>
           <p:nvPicPr>
-            <p:cNvPr id="212" name="Google Shape;212;p23"/>
+            <p:cNvPr id="221" name="Google Shape;221;p24"/>
             <p:cNvPicPr preferRelativeResize="0"/>
             <p:nvPr/>
           </p:nvPicPr>
@@ -11118,7 +11513,7 @@
         </p:pic>
         <p:sp>
           <p:nvSpPr>
-            <p:cNvPr id="213" name="Google Shape;213;p23"/>
+            <p:cNvPr id="222" name="Google Shape;222;p24"/>
             <p:cNvSpPr txBox="1"/>
             <p:nvPr/>
           </p:nvSpPr>
@@ -11183,12 +11578,12 @@
 </p:sld>
 </file>
 
-<file path=ppt/slides/slide12.xml><?xml version="1.0" encoding="utf-8"?>
+<file path=ppt/slides/slide13.xml><?xml version="1.0" encoding="utf-8"?>
 <p:sld xmlns:a="http://schemas.openxmlformats.org/drawingml/2006/main" xmlns:r="http://schemas.openxmlformats.org/officeDocument/2006/relationships" xmlns:mc="http://schemas.openxmlformats.org/markup-compatibility/2006" xmlns:mv="urn:schemas-microsoft-com:mac:vml" xmlns:p="http://schemas.openxmlformats.org/presentationml/2006/main" xmlns:c="http://schemas.openxmlformats.org/drawingml/2006/chart" xmlns:dgm="http://schemas.openxmlformats.org/drawingml/2006/diagram" xmlns:o="urn:schemas-microsoft-com:office:office" xmlns:v="urn:schemas-microsoft-com:vml" xmlns:pvml="urn:schemas-microsoft-com:office:powerpoint" xmlns:com="http://schemas.openxmlformats.org/drawingml/2006/compatibility" xmlns:p14="http://schemas.microsoft.com/office/powerpoint/2010/main" xmlns:p15="http://schemas.microsoft.com/office/powerpoint/2012/main" xmlns:ahyp="http://schemas.microsoft.com/office/drawing/2018/hyperlinkcolor">
   <p:cSld>
     <p:spTree>
       <p:nvGrpSpPr>
-        <p:cNvPr id="217" name="Shape 217"/>
+        <p:cNvPr id="226" name="Shape 226"/>
         <p:cNvGrpSpPr/>
         <p:nvPr/>
       </p:nvGrpSpPr>
@@ -11202,7 +11597,7 @@
       </p:grpSpPr>
       <p:sp>
         <p:nvSpPr>
-          <p:cNvPr id="218" name="Google Shape;218;p24"/>
+          <p:cNvPr id="227" name="Google Shape;227;p25"/>
           <p:cNvSpPr txBox="1"/>
           <p:nvPr>
             <p:ph type="title"/>
@@ -11242,7 +11637,7 @@
       </p:sp>
       <p:sp>
         <p:nvSpPr>
-          <p:cNvPr id="219" name="Google Shape;219;p24"/>
+          <p:cNvPr id="228" name="Google Shape;228;p25"/>
           <p:cNvSpPr txBox="1"/>
           <p:nvPr>
             <p:ph idx="1" type="body"/>
@@ -11322,7 +11717,7 @@
       </p:sp>
       <p:pic>
         <p:nvPicPr>
-          <p:cNvPr id="220" name="Google Shape;220;p24" title="flusso.png"/>
+          <p:cNvPr id="229" name="Google Shape;229;p25" title="flusso.png"/>
           <p:cNvPicPr preferRelativeResize="0"/>
           <p:nvPr/>
         </p:nvPicPr>
@@ -11356,12 +11751,12 @@
 </p:sld>
 </file>
 
-<file path=ppt/slides/slide13.xml><?xml version="1.0" encoding="utf-8"?>
+<file path=ppt/slides/slide14.xml><?xml version="1.0" encoding="utf-8"?>
 <p:sld xmlns:a="http://schemas.openxmlformats.org/drawingml/2006/main" xmlns:r="http://schemas.openxmlformats.org/officeDocument/2006/relationships" xmlns:mc="http://schemas.openxmlformats.org/markup-compatibility/2006" xmlns:mv="urn:schemas-microsoft-com:mac:vml" xmlns:p="http://schemas.openxmlformats.org/presentationml/2006/main" xmlns:c="http://schemas.openxmlformats.org/drawingml/2006/chart" xmlns:dgm="http://schemas.openxmlformats.org/drawingml/2006/diagram" xmlns:o="urn:schemas-microsoft-com:office:office" xmlns:v="urn:schemas-microsoft-com:vml" xmlns:pvml="urn:schemas-microsoft-com:office:powerpoint" xmlns:com="http://schemas.openxmlformats.org/drawingml/2006/compatibility" xmlns:p14="http://schemas.microsoft.com/office/powerpoint/2010/main" xmlns:p15="http://schemas.microsoft.com/office/powerpoint/2012/main" xmlns:ahyp="http://schemas.microsoft.com/office/drawing/2018/hyperlinkcolor">
   <p:cSld>
     <p:spTree>
       <p:nvGrpSpPr>
-        <p:cNvPr id="224" name="Shape 224"/>
+        <p:cNvPr id="233" name="Shape 233"/>
         <p:cNvGrpSpPr/>
         <p:nvPr/>
       </p:nvGrpSpPr>
@@ -11375,7 +11770,7 @@
       </p:grpSpPr>
       <p:sp>
         <p:nvSpPr>
-          <p:cNvPr id="225" name="Google Shape;225;p25"/>
+          <p:cNvPr id="234" name="Google Shape;234;p26"/>
           <p:cNvSpPr txBox="1"/>
           <p:nvPr>
             <p:ph type="title"/>
@@ -11421,12 +11816,12 @@
 </p:sld>
 </file>
 
-<file path=ppt/slides/slide14.xml><?xml version="1.0" encoding="utf-8"?>
+<file path=ppt/slides/slide15.xml><?xml version="1.0" encoding="utf-8"?>
 <p:sld xmlns:a="http://schemas.openxmlformats.org/drawingml/2006/main" xmlns:r="http://schemas.openxmlformats.org/officeDocument/2006/relationships" xmlns:mc="http://schemas.openxmlformats.org/markup-compatibility/2006" xmlns:mv="urn:schemas-microsoft-com:mac:vml" xmlns:p="http://schemas.openxmlformats.org/presentationml/2006/main" xmlns:c="http://schemas.openxmlformats.org/drawingml/2006/chart" xmlns:dgm="http://schemas.openxmlformats.org/drawingml/2006/diagram" xmlns:o="urn:schemas-microsoft-com:office:office" xmlns:v="urn:schemas-microsoft-com:vml" xmlns:pvml="urn:schemas-microsoft-com:office:powerpoint" xmlns:com="http://schemas.openxmlformats.org/drawingml/2006/compatibility" xmlns:p14="http://schemas.microsoft.com/office/powerpoint/2010/main" xmlns:p15="http://schemas.microsoft.com/office/powerpoint/2012/main" xmlns:ahyp="http://schemas.microsoft.com/office/drawing/2018/hyperlinkcolor">
   <p:cSld>
     <p:spTree>
       <p:nvGrpSpPr>
-        <p:cNvPr id="229" name="Shape 229"/>
+        <p:cNvPr id="238" name="Shape 238"/>
         <p:cNvGrpSpPr/>
         <p:nvPr/>
       </p:nvGrpSpPr>
@@ -11440,7 +11835,7 @@
       </p:grpSpPr>
       <p:sp>
         <p:nvSpPr>
-          <p:cNvPr id="230" name="Google Shape;230;p26"/>
+          <p:cNvPr id="239" name="Google Shape;239;p27"/>
           <p:cNvSpPr txBox="1"/>
           <p:nvPr>
             <p:ph type="title"/>
@@ -11480,7 +11875,7 @@
       </p:sp>
       <p:sp>
         <p:nvSpPr>
-          <p:cNvPr id="231" name="Google Shape;231;p26"/>
+          <p:cNvPr id="240" name="Google Shape;240;p27"/>
           <p:cNvSpPr txBox="1"/>
           <p:nvPr>
             <p:ph idx="1" type="body"/>
@@ -11560,7 +11955,7 @@
       </p:sp>
       <p:graphicFrame>
         <p:nvGraphicFramePr>
-          <p:cNvPr id="232" name="Google Shape;232;p26"/>
+          <p:cNvPr id="241" name="Google Shape;241;p27"/>
           <p:cNvGraphicFramePr/>
           <p:nvPr/>
         </p:nvGraphicFramePr>
@@ -11573,7 +11968,7 @@
             <a:tbl>
               <a:tblPr>
                 <a:noFill/>
-                <a:tableStyleId>{450F87D2-49EB-4E2D-8740-32A8A3695292}</a:tableStyleId>
+                <a:tableStyleId>{8A7704E5-724E-4C47-ACF2-365F26CFA848}</a:tableStyleId>
               </a:tblPr>
               <a:tblGrid>
                 <a:gridCol w="1990275"/>
@@ -12208,7 +12603,7 @@
       </p:graphicFrame>
       <p:sp>
         <p:nvSpPr>
-          <p:cNvPr id="233" name="Google Shape;233;p26"/>
+          <p:cNvPr id="242" name="Google Shape;242;p27"/>
           <p:cNvSpPr txBox="1"/>
           <p:nvPr/>
         </p:nvSpPr>
@@ -13608,6 +14003,828 @@
         </p:nvSpPr>
         <p:spPr>
           <a:xfrm>
+            <a:off x="1060700" y="531875"/>
+            <a:ext cx="4214400" cy="796800"/>
+          </a:xfrm>
+          <a:prstGeom prst="rect">
+            <a:avLst/>
+          </a:prstGeom>
+        </p:spPr>
+        <p:txBody>
+          <a:bodyPr anchorCtr="0" anchor="t" bIns="91425" lIns="91425" spcFirstLastPara="1" rIns="91425" wrap="square" tIns="91425">
+            <a:normAutofit/>
+          </a:bodyPr>
+          <a:lstStyle/>
+          <a:p>
+            <a:pPr indent="0" lvl="0" marL="0" rtl="0" algn="l">
+              <a:spcBef>
+                <a:spcPts val="0"/>
+              </a:spcBef>
+              <a:spcAft>
+                <a:spcPts val="0"/>
+              </a:spcAft>
+              <a:buNone/>
+            </a:pPr>
+            <a:r>
+              <a:rPr lang="it" sz="2000"/>
+              <a:t>SOFTWARE REQUIREMENTS </a:t>
+            </a:r>
+            <a:endParaRPr sz="2000"/>
+          </a:p>
+          <a:p>
+            <a:pPr indent="0" lvl="0" marL="0" rtl="0" algn="l">
+              <a:spcBef>
+                <a:spcPts val="0"/>
+              </a:spcBef>
+              <a:spcAft>
+                <a:spcPts val="0"/>
+              </a:spcAft>
+              <a:buNone/>
+            </a:pPr>
+            <a:r>
+              <a:rPr lang="it" sz="2000"/>
+              <a:t>SPECIFICATION</a:t>
+            </a:r>
+            <a:endParaRPr sz="2000"/>
+          </a:p>
+        </p:txBody>
+      </p:sp>
+      <p:graphicFrame>
+        <p:nvGraphicFramePr>
+          <p:cNvPr id="176" name="Google Shape;176;p19"/>
+          <p:cNvGraphicFramePr/>
+          <p:nvPr/>
+        </p:nvGraphicFramePr>
+        <p:xfrm>
+          <a:off x="7067855" y="1693500"/>
+          <a:ext cx="3000000" cy="3000000"/>
+        </p:xfrm>
+        <a:graphic>
+          <a:graphicData uri="http://schemas.openxmlformats.org/drawingml/2006/table">
+            <a:tbl>
+              <a:tblPr>
+                <a:noFill/>
+                <a:tableStyleId>{8A7704E5-724E-4C47-ACF2-365F26CFA848}</a:tableStyleId>
+              </a:tblPr>
+              <a:tblGrid>
+                <a:gridCol w="1172075"/>
+              </a:tblGrid>
+              <a:tr h="381000">
+                <a:tc>
+                  <a:txBody>
+                    <a:bodyPr/>
+                    <a:lstStyle/>
+                    <a:p>
+                      <a:pPr indent="0" lvl="0" marL="0" rtl="0" algn="ctr">
+                        <a:spcBef>
+                          <a:spcPts val="0"/>
+                        </a:spcBef>
+                        <a:spcAft>
+                          <a:spcPts val="0"/>
+                        </a:spcAft>
+                        <a:buNone/>
+                      </a:pPr>
+                      <a:r>
+                        <a:rPr b="1" lang="it">
+                          <a:solidFill>
+                            <a:schemeClr val="lt1"/>
+                          </a:solidFill>
+                        </a:rPr>
+                        <a:t>WON’T</a:t>
+                      </a:r>
+                      <a:endParaRPr b="1">
+                        <a:solidFill>
+                          <a:schemeClr val="lt1"/>
+                        </a:solidFill>
+                      </a:endParaRPr>
+                    </a:p>
+                  </a:txBody>
+                  <a:tcPr marT="91425" marB="91425" marR="91425" marL="91425"/>
+                </a:tc>
+              </a:tr>
+              <a:tr h="381000">
+                <a:tc>
+                  <a:txBody>
+                    <a:bodyPr/>
+                    <a:lstStyle/>
+                    <a:p>
+                      <a:pPr indent="0" lvl="0" marL="0" rtl="0" algn="l">
+                        <a:spcBef>
+                          <a:spcPts val="0"/>
+                        </a:spcBef>
+                        <a:spcAft>
+                          <a:spcPts val="0"/>
+                        </a:spcAft>
+                        <a:buNone/>
+                      </a:pPr>
+                      <a:r>
+                        <a:rPr lang="it">
+                          <a:solidFill>
+                            <a:schemeClr val="lt1"/>
+                          </a:solidFill>
+                        </a:rPr>
+                        <a:t>Invito diretto</a:t>
+                      </a:r>
+                      <a:endParaRPr>
+                        <a:solidFill>
+                          <a:schemeClr val="lt1"/>
+                        </a:solidFill>
+                      </a:endParaRPr>
+                    </a:p>
+                  </a:txBody>
+                  <a:tcPr marT="91425" marB="91425" marR="91425" marL="91425"/>
+                </a:tc>
+              </a:tr>
+              <a:tr h="381000">
+                <a:tc>
+                  <a:txBody>
+                    <a:bodyPr/>
+                    <a:lstStyle/>
+                    <a:p>
+                      <a:pPr indent="0" lvl="0" marL="0" rtl="0" algn="l">
+                        <a:spcBef>
+                          <a:spcPts val="0"/>
+                        </a:spcBef>
+                        <a:spcAft>
+                          <a:spcPts val="0"/>
+                        </a:spcAft>
+                        <a:buNone/>
+                      </a:pPr>
+                      <a:r>
+                        <a:rPr lang="it">
+                          <a:solidFill>
+                            <a:schemeClr val="lt1"/>
+                          </a:solidFill>
+                        </a:rPr>
+                        <a:t>Lista amici</a:t>
+                      </a:r>
+                      <a:endParaRPr>
+                        <a:solidFill>
+                          <a:schemeClr val="lt1"/>
+                        </a:solidFill>
+                      </a:endParaRPr>
+                    </a:p>
+                  </a:txBody>
+                  <a:tcPr marT="91425" marB="91425" marR="91425" marL="91425"/>
+                </a:tc>
+              </a:tr>
+            </a:tbl>
+          </a:graphicData>
+        </a:graphic>
+      </p:graphicFrame>
+      <p:graphicFrame>
+        <p:nvGraphicFramePr>
+          <p:cNvPr id="177" name="Google Shape;177;p19"/>
+          <p:cNvGraphicFramePr/>
+          <p:nvPr/>
+        </p:nvGraphicFramePr>
+        <p:xfrm>
+          <a:off x="1060705" y="1693500"/>
+          <a:ext cx="3000000" cy="3000000"/>
+        </p:xfrm>
+        <a:graphic>
+          <a:graphicData uri="http://schemas.openxmlformats.org/drawingml/2006/table">
+            <a:tbl>
+              <a:tblPr>
+                <a:noFill/>
+                <a:tableStyleId>{8A7704E5-724E-4C47-ACF2-365F26CFA848}</a:tableStyleId>
+              </a:tblPr>
+              <a:tblGrid>
+                <a:gridCol w="2347750"/>
+              </a:tblGrid>
+              <a:tr h="381000">
+                <a:tc>
+                  <a:txBody>
+                    <a:bodyPr/>
+                    <a:lstStyle/>
+                    <a:p>
+                      <a:pPr indent="0" lvl="0" marL="0" rtl="0" algn="ctr">
+                        <a:spcBef>
+                          <a:spcPts val="0"/>
+                        </a:spcBef>
+                        <a:spcAft>
+                          <a:spcPts val="0"/>
+                        </a:spcAft>
+                        <a:buNone/>
+                      </a:pPr>
+                      <a:r>
+                        <a:rPr b="1" lang="it">
+                          <a:solidFill>
+                            <a:schemeClr val="lt1"/>
+                          </a:solidFill>
+                        </a:rPr>
+                        <a:t>MUST</a:t>
+                      </a:r>
+                      <a:endParaRPr b="1">
+                        <a:solidFill>
+                          <a:schemeClr val="lt1"/>
+                        </a:solidFill>
+                      </a:endParaRPr>
+                    </a:p>
+                  </a:txBody>
+                  <a:tcPr marT="91425" marB="91425" marR="91425" marL="91425"/>
+                </a:tc>
+              </a:tr>
+              <a:tr h="381000">
+                <a:tc>
+                  <a:txBody>
+                    <a:bodyPr/>
+                    <a:lstStyle/>
+                    <a:p>
+                      <a:pPr indent="0" lvl="0" marL="0" rtl="0" algn="l">
+                        <a:lnSpc>
+                          <a:spcPct val="100000"/>
+                        </a:lnSpc>
+                        <a:spcBef>
+                          <a:spcPts val="0"/>
+                        </a:spcBef>
+                        <a:spcAft>
+                          <a:spcPts val="0"/>
+                        </a:spcAft>
+                        <a:buNone/>
+                      </a:pPr>
+                      <a:r>
+                        <a:rPr lang="it">
+                          <a:solidFill>
+                            <a:schemeClr val="lt1"/>
+                          </a:solidFill>
+                        </a:rPr>
+                        <a:t>Ruoli capitano - cannoniere</a:t>
+                      </a:r>
+                      <a:endParaRPr>
+                        <a:solidFill>
+                          <a:schemeClr val="lt1"/>
+                        </a:solidFill>
+                      </a:endParaRPr>
+                    </a:p>
+                  </a:txBody>
+                  <a:tcPr marT="91425" marB="91425" marR="91425" marL="91425"/>
+                </a:tc>
+              </a:tr>
+              <a:tr h="381000">
+                <a:tc>
+                  <a:txBody>
+                    <a:bodyPr/>
+                    <a:lstStyle/>
+                    <a:p>
+                      <a:pPr indent="0" lvl="0" marL="0" rtl="0" algn="l">
+                        <a:lnSpc>
+                          <a:spcPct val="100000"/>
+                        </a:lnSpc>
+                        <a:spcBef>
+                          <a:spcPts val="0"/>
+                        </a:spcBef>
+                        <a:spcAft>
+                          <a:spcPts val="0"/>
+                        </a:spcAft>
+                        <a:buNone/>
+                      </a:pPr>
+                      <a:r>
+                        <a:rPr lang="it">
+                          <a:solidFill>
+                            <a:schemeClr val="lt1"/>
+                          </a:solidFill>
+                        </a:rPr>
+                        <a:t>Asteroidi</a:t>
+                      </a:r>
+                      <a:endParaRPr>
+                        <a:solidFill>
+                          <a:schemeClr val="lt1"/>
+                        </a:solidFill>
+                      </a:endParaRPr>
+                    </a:p>
+                  </a:txBody>
+                  <a:tcPr marT="91425" marB="91425" marR="91425" marL="91425"/>
+                </a:tc>
+              </a:tr>
+              <a:tr h="381000">
+                <a:tc>
+                  <a:txBody>
+                    <a:bodyPr/>
+                    <a:lstStyle/>
+                    <a:p>
+                      <a:pPr indent="0" lvl="0" marL="0" rtl="0" algn="l">
+                        <a:lnSpc>
+                          <a:spcPct val="100000"/>
+                        </a:lnSpc>
+                        <a:spcBef>
+                          <a:spcPts val="0"/>
+                        </a:spcBef>
+                        <a:spcAft>
+                          <a:spcPts val="0"/>
+                        </a:spcAft>
+                        <a:buNone/>
+                      </a:pPr>
+                      <a:r>
+                        <a:rPr lang="it">
+                          <a:solidFill>
+                            <a:schemeClr val="lt1"/>
+                          </a:solidFill>
+                        </a:rPr>
+                        <a:t>Creazione di una partita</a:t>
+                      </a:r>
+                      <a:endParaRPr>
+                        <a:solidFill>
+                          <a:schemeClr val="lt1"/>
+                        </a:solidFill>
+                      </a:endParaRPr>
+                    </a:p>
+                  </a:txBody>
+                  <a:tcPr marT="91425" marB="91425" marR="91425" marL="91425"/>
+                </a:tc>
+              </a:tr>
+              <a:tr h="381000">
+                <a:tc>
+                  <a:txBody>
+                    <a:bodyPr/>
+                    <a:lstStyle/>
+                    <a:p>
+                      <a:pPr indent="0" lvl="0" marL="0" rtl="0" algn="l">
+                        <a:lnSpc>
+                          <a:spcPct val="100000"/>
+                        </a:lnSpc>
+                        <a:spcBef>
+                          <a:spcPts val="0"/>
+                        </a:spcBef>
+                        <a:spcAft>
+                          <a:spcPts val="0"/>
+                        </a:spcAft>
+                        <a:buNone/>
+                      </a:pPr>
+                      <a:r>
+                        <a:rPr lang="it">
+                          <a:solidFill>
+                            <a:schemeClr val="lt1"/>
+                          </a:solidFill>
+                        </a:rPr>
+                        <a:t>Unione a una partita</a:t>
+                      </a:r>
+                      <a:endParaRPr>
+                        <a:solidFill>
+                          <a:schemeClr val="lt1"/>
+                        </a:solidFill>
+                      </a:endParaRPr>
+                    </a:p>
+                  </a:txBody>
+                  <a:tcPr marT="91425" marB="91425" marR="91425" marL="91425"/>
+                </a:tc>
+              </a:tr>
+              <a:tr h="381000">
+                <a:tc>
+                  <a:txBody>
+                    <a:bodyPr/>
+                    <a:lstStyle/>
+                    <a:p>
+                      <a:pPr indent="0" lvl="0" marL="0" rtl="0" algn="l">
+                        <a:lnSpc>
+                          <a:spcPct val="100000"/>
+                        </a:lnSpc>
+                        <a:spcBef>
+                          <a:spcPts val="0"/>
+                        </a:spcBef>
+                        <a:spcAft>
+                          <a:spcPts val="0"/>
+                        </a:spcAft>
+                        <a:buNone/>
+                      </a:pPr>
+                      <a:r>
+                        <a:rPr lang="it">
+                          <a:solidFill>
+                            <a:schemeClr val="lt1"/>
+                          </a:solidFill>
+                        </a:rPr>
+                        <a:t>Registrazione e Accesso</a:t>
+                      </a:r>
+                      <a:endParaRPr>
+                        <a:solidFill>
+                          <a:schemeClr val="lt1"/>
+                        </a:solidFill>
+                      </a:endParaRPr>
+                    </a:p>
+                  </a:txBody>
+                  <a:tcPr marT="91425" marB="91425" marR="91425" marL="91425"/>
+                </a:tc>
+              </a:tr>
+              <a:tr h="381000">
+                <a:tc>
+                  <a:txBody>
+                    <a:bodyPr/>
+                    <a:lstStyle/>
+                    <a:p>
+                      <a:pPr indent="0" lvl="0" marL="0" rtl="0" algn="l">
+                        <a:lnSpc>
+                          <a:spcPct val="100000"/>
+                        </a:lnSpc>
+                        <a:spcBef>
+                          <a:spcPts val="0"/>
+                        </a:spcBef>
+                        <a:spcAft>
+                          <a:spcPts val="0"/>
+                        </a:spcAft>
+                        <a:buNone/>
+                      </a:pPr>
+                      <a:r>
+                        <a:rPr lang="it">
+                          <a:solidFill>
+                            <a:schemeClr val="lt1"/>
+                          </a:solidFill>
+                        </a:rPr>
+                        <a:t>Classifica </a:t>
+                      </a:r>
+                      <a:endParaRPr>
+                        <a:solidFill>
+                          <a:schemeClr val="lt1"/>
+                        </a:solidFill>
+                      </a:endParaRPr>
+                    </a:p>
+                  </a:txBody>
+                  <a:tcPr marT="91425" marB="91425" marR="91425" marL="91425"/>
+                </a:tc>
+              </a:tr>
+            </a:tbl>
+          </a:graphicData>
+        </a:graphic>
+      </p:graphicFrame>
+      <p:graphicFrame>
+        <p:nvGraphicFramePr>
+          <p:cNvPr id="178" name="Google Shape;178;p19"/>
+          <p:cNvGraphicFramePr/>
+          <p:nvPr/>
+        </p:nvGraphicFramePr>
+        <p:xfrm>
+          <a:off x="3624980" y="1693500"/>
+          <a:ext cx="3000000" cy="3000000"/>
+        </p:xfrm>
+        <a:graphic>
+          <a:graphicData uri="http://schemas.openxmlformats.org/drawingml/2006/table">
+            <a:tbl>
+              <a:tblPr>
+                <a:noFill/>
+                <a:tableStyleId>{8A7704E5-724E-4C47-ACF2-365F26CFA848}</a:tableStyleId>
+              </a:tblPr>
+              <a:tblGrid>
+                <a:gridCol w="1650125"/>
+              </a:tblGrid>
+              <a:tr h="381000">
+                <a:tc>
+                  <a:txBody>
+                    <a:bodyPr/>
+                    <a:lstStyle/>
+                    <a:p>
+                      <a:pPr indent="0" lvl="0" marL="0" rtl="0" algn="ctr">
+                        <a:spcBef>
+                          <a:spcPts val="0"/>
+                        </a:spcBef>
+                        <a:spcAft>
+                          <a:spcPts val="0"/>
+                        </a:spcAft>
+                        <a:buNone/>
+                      </a:pPr>
+                      <a:r>
+                        <a:rPr b="1" lang="it">
+                          <a:solidFill>
+                            <a:schemeClr val="lt1"/>
+                          </a:solidFill>
+                        </a:rPr>
+                        <a:t>SHOULD</a:t>
+                      </a:r>
+                      <a:endParaRPr b="1">
+                        <a:solidFill>
+                          <a:schemeClr val="lt1"/>
+                        </a:solidFill>
+                      </a:endParaRPr>
+                    </a:p>
+                  </a:txBody>
+                  <a:tcPr marT="91425" marB="91425" marR="91425" marL="91425"/>
+                </a:tc>
+              </a:tr>
+              <a:tr h="381000">
+                <a:tc>
+                  <a:txBody>
+                    <a:bodyPr/>
+                    <a:lstStyle/>
+                    <a:p>
+                      <a:pPr indent="0" lvl="0" marL="0" rtl="0" algn="l">
+                        <a:spcBef>
+                          <a:spcPts val="0"/>
+                        </a:spcBef>
+                        <a:spcAft>
+                          <a:spcPts val="0"/>
+                        </a:spcAft>
+                        <a:buNone/>
+                      </a:pPr>
+                      <a:r>
+                        <a:rPr lang="it">
+                          <a:solidFill>
+                            <a:schemeClr val="lt1"/>
+                          </a:solidFill>
+                        </a:rPr>
+                        <a:t>Abbandono partita</a:t>
+                      </a:r>
+                      <a:endParaRPr>
+                        <a:solidFill>
+                          <a:schemeClr val="lt1"/>
+                        </a:solidFill>
+                      </a:endParaRPr>
+                    </a:p>
+                  </a:txBody>
+                  <a:tcPr marT="91425" marB="91425" marR="91425" marL="91425"/>
+                </a:tc>
+              </a:tr>
+              <a:tr h="381000">
+                <a:tc>
+                  <a:txBody>
+                    <a:bodyPr/>
+                    <a:lstStyle/>
+                    <a:p>
+                      <a:pPr indent="0" lvl="0" marL="0" rtl="0" algn="l">
+                        <a:spcBef>
+                          <a:spcPts val="0"/>
+                        </a:spcBef>
+                        <a:spcAft>
+                          <a:spcPts val="0"/>
+                        </a:spcAft>
+                        <a:buNone/>
+                      </a:pPr>
+                      <a:r>
+                        <a:rPr lang="it">
+                          <a:solidFill>
+                            <a:schemeClr val="lt1"/>
+                          </a:solidFill>
+                        </a:rPr>
+                        <a:t>Esfiltrazione</a:t>
+                      </a:r>
+                      <a:endParaRPr>
+                        <a:solidFill>
+                          <a:schemeClr val="lt1"/>
+                        </a:solidFill>
+                      </a:endParaRPr>
+                    </a:p>
+                  </a:txBody>
+                  <a:tcPr marT="91425" marB="91425" marR="91425" marL="91425"/>
+                </a:tc>
+              </a:tr>
+              <a:tr h="381000">
+                <a:tc>
+                  <a:txBody>
+                    <a:bodyPr/>
+                    <a:lstStyle/>
+                    <a:p>
+                      <a:pPr indent="0" lvl="0" marL="0" rtl="0" algn="l">
+                        <a:spcBef>
+                          <a:spcPts val="0"/>
+                        </a:spcBef>
+                        <a:spcAft>
+                          <a:spcPts val="0"/>
+                        </a:spcAft>
+                        <a:buNone/>
+                      </a:pPr>
+                      <a:r>
+                        <a:rPr lang="it">
+                          <a:solidFill>
+                            <a:schemeClr val="lt1"/>
+                          </a:solidFill>
+                        </a:rPr>
+                        <a:t>Boost</a:t>
+                      </a:r>
+                      <a:endParaRPr>
+                        <a:solidFill>
+                          <a:schemeClr val="lt1"/>
+                        </a:solidFill>
+                      </a:endParaRPr>
+                    </a:p>
+                  </a:txBody>
+                  <a:tcPr marT="91425" marB="91425" marR="91425" marL="91425"/>
+                </a:tc>
+              </a:tr>
+              <a:tr h="381000">
+                <a:tc>
+                  <a:txBody>
+                    <a:bodyPr/>
+                    <a:lstStyle/>
+                    <a:p>
+                      <a:pPr indent="0" lvl="0" marL="0" rtl="0" algn="l">
+                        <a:spcBef>
+                          <a:spcPts val="0"/>
+                        </a:spcBef>
+                        <a:spcAft>
+                          <a:spcPts val="0"/>
+                        </a:spcAft>
+                        <a:buNone/>
+                      </a:pPr>
+                      <a:r>
+                        <a:rPr lang="it">
+                          <a:solidFill>
+                            <a:schemeClr val="lt1"/>
+                          </a:solidFill>
+                        </a:rPr>
+                        <a:t>Items</a:t>
+                      </a:r>
+                      <a:endParaRPr>
+                        <a:solidFill>
+                          <a:schemeClr val="lt1"/>
+                        </a:solidFill>
+                      </a:endParaRPr>
+                    </a:p>
+                  </a:txBody>
+                  <a:tcPr marT="91425" marB="91425" marR="91425" marL="91425"/>
+                </a:tc>
+              </a:tr>
+            </a:tbl>
+          </a:graphicData>
+        </a:graphic>
+      </p:graphicFrame>
+      <p:graphicFrame>
+        <p:nvGraphicFramePr>
+          <p:cNvPr id="179" name="Google Shape;179;p19"/>
+          <p:cNvGraphicFramePr/>
+          <p:nvPr/>
+        </p:nvGraphicFramePr>
+        <p:xfrm>
+          <a:off x="5491617" y="1693500"/>
+          <a:ext cx="3000000" cy="3000000"/>
+        </p:xfrm>
+        <a:graphic>
+          <a:graphicData uri="http://schemas.openxmlformats.org/drawingml/2006/table">
+            <a:tbl>
+              <a:tblPr>
+                <a:noFill/>
+                <a:tableStyleId>{8A7704E5-724E-4C47-ACF2-365F26CFA848}</a:tableStyleId>
+              </a:tblPr>
+              <a:tblGrid>
+                <a:gridCol w="1359700"/>
+              </a:tblGrid>
+              <a:tr h="381000">
+                <a:tc>
+                  <a:txBody>
+                    <a:bodyPr/>
+                    <a:lstStyle/>
+                    <a:p>
+                      <a:pPr indent="0" lvl="0" marL="0" rtl="0" algn="ctr">
+                        <a:spcBef>
+                          <a:spcPts val="0"/>
+                        </a:spcBef>
+                        <a:spcAft>
+                          <a:spcPts val="0"/>
+                        </a:spcAft>
+                        <a:buNone/>
+                      </a:pPr>
+                      <a:r>
+                        <a:rPr b="1" lang="it">
+                          <a:solidFill>
+                            <a:schemeClr val="lt1"/>
+                          </a:solidFill>
+                        </a:rPr>
+                        <a:t>COULD</a:t>
+                      </a:r>
+                      <a:endParaRPr b="1">
+                        <a:solidFill>
+                          <a:schemeClr val="lt1"/>
+                        </a:solidFill>
+                      </a:endParaRPr>
+                    </a:p>
+                  </a:txBody>
+                  <a:tcPr marT="91425" marB="91425" marR="91425" marL="91425"/>
+                </a:tc>
+              </a:tr>
+              <a:tr h="381000">
+                <a:tc>
+                  <a:txBody>
+                    <a:bodyPr/>
+                    <a:lstStyle/>
+                    <a:p>
+                      <a:pPr indent="0" lvl="0" marL="0" rtl="0" algn="l">
+                        <a:spcBef>
+                          <a:spcPts val="0"/>
+                        </a:spcBef>
+                        <a:spcAft>
+                          <a:spcPts val="0"/>
+                        </a:spcAft>
+                        <a:buNone/>
+                      </a:pPr>
+                      <a:r>
+                        <a:rPr lang="it">
+                          <a:solidFill>
+                            <a:schemeClr val="lt1"/>
+                          </a:solidFill>
+                        </a:rPr>
+                        <a:t>Rank asteroidi</a:t>
+                      </a:r>
+                      <a:endParaRPr>
+                        <a:solidFill>
+                          <a:schemeClr val="lt1"/>
+                        </a:solidFill>
+                      </a:endParaRPr>
+                    </a:p>
+                  </a:txBody>
+                  <a:tcPr marT="91425" marB="91425" marR="91425" marL="91425"/>
+                </a:tc>
+              </a:tr>
+              <a:tr h="381000">
+                <a:tc>
+                  <a:txBody>
+                    <a:bodyPr/>
+                    <a:lstStyle/>
+                    <a:p>
+                      <a:pPr indent="0" lvl="0" marL="0" rtl="0" algn="l">
+                        <a:spcBef>
+                          <a:spcPts val="0"/>
+                        </a:spcBef>
+                        <a:spcAft>
+                          <a:spcPts val="0"/>
+                        </a:spcAft>
+                        <a:buNone/>
+                      </a:pPr>
+                      <a:r>
+                        <a:rPr lang="it">
+                          <a:solidFill>
+                            <a:schemeClr val="lt1"/>
+                          </a:solidFill>
+                        </a:rPr>
+                        <a:t>Rank proiettili</a:t>
+                      </a:r>
+                      <a:endParaRPr>
+                        <a:solidFill>
+                          <a:schemeClr val="lt1"/>
+                        </a:solidFill>
+                      </a:endParaRPr>
+                    </a:p>
+                  </a:txBody>
+                  <a:tcPr marT="91425" marB="91425" marR="91425" marL="91425"/>
+                </a:tc>
+              </a:tr>
+              <a:tr h="381000">
+                <a:tc>
+                  <a:txBody>
+                    <a:bodyPr/>
+                    <a:lstStyle/>
+                    <a:p>
+                      <a:pPr indent="0" lvl="0" marL="0" rtl="0" algn="l">
+                        <a:spcBef>
+                          <a:spcPts val="0"/>
+                        </a:spcBef>
+                        <a:spcAft>
+                          <a:spcPts val="0"/>
+                        </a:spcAft>
+                        <a:buNone/>
+                      </a:pPr>
+                      <a:r>
+                        <a:rPr lang="it">
+                          <a:solidFill>
+                            <a:schemeClr val="lt1"/>
+                          </a:solidFill>
+                        </a:rPr>
+                        <a:t>Comunicazioni</a:t>
+                      </a:r>
+                      <a:endParaRPr>
+                        <a:solidFill>
+                          <a:schemeClr val="lt1"/>
+                        </a:solidFill>
+                      </a:endParaRPr>
+                    </a:p>
+                  </a:txBody>
+                  <a:tcPr marT="91425" marB="91425" marR="91425" marL="91425"/>
+                </a:tc>
+              </a:tr>
+            </a:tbl>
+          </a:graphicData>
+        </a:graphic>
+      </p:graphicFrame>
+    </p:spTree>
+  </p:cSld>
+  <p:clrMapOvr>
+    <a:masterClrMapping/>
+  </p:clrMapOvr>
+</p:sld>
+</file>
+
+<file path=ppt/slides/slide8.xml><?xml version="1.0" encoding="utf-8"?>
+<p:sld xmlns:a="http://schemas.openxmlformats.org/drawingml/2006/main" xmlns:r="http://schemas.openxmlformats.org/officeDocument/2006/relationships" xmlns:mc="http://schemas.openxmlformats.org/markup-compatibility/2006" xmlns:mv="urn:schemas-microsoft-com:mac:vml" xmlns:p="http://schemas.openxmlformats.org/presentationml/2006/main" xmlns:c="http://schemas.openxmlformats.org/drawingml/2006/chart" xmlns:dgm="http://schemas.openxmlformats.org/drawingml/2006/diagram" xmlns:o="urn:schemas-microsoft-com:office:office" xmlns:v="urn:schemas-microsoft-com:vml" xmlns:pvml="urn:schemas-microsoft-com:office:powerpoint" xmlns:com="http://schemas.openxmlformats.org/drawingml/2006/compatibility" xmlns:p14="http://schemas.microsoft.com/office/powerpoint/2010/main" xmlns:p15="http://schemas.microsoft.com/office/powerpoint/2012/main" xmlns:ahyp="http://schemas.microsoft.com/office/drawing/2018/hyperlinkcolor">
+  <p:cSld>
+    <p:spTree>
+      <p:nvGrpSpPr>
+        <p:cNvPr id="183" name="Shape 183"/>
+        <p:cNvGrpSpPr/>
+        <p:nvPr/>
+      </p:nvGrpSpPr>
+      <p:grpSpPr>
+        <a:xfrm>
+          <a:off x="0" y="0"/>
+          <a:ext cx="0" cy="0"/>
+          <a:chOff x="0" y="0"/>
+          <a:chExt cx="0" cy="0"/>
+        </a:xfrm>
+      </p:grpSpPr>
+      <p:sp>
+        <p:nvSpPr>
+          <p:cNvPr id="184" name="Google Shape;184;p20"/>
+          <p:cNvSpPr txBox="1"/>
+          <p:nvPr>
+            <p:ph type="title"/>
+          </p:nvPr>
+        </p:nvSpPr>
+        <p:spPr>
+          <a:xfrm>
             <a:off x="1087050" y="814700"/>
             <a:ext cx="2300400" cy="441600"/>
           </a:xfrm>
@@ -13640,7 +14857,7 @@
       </p:sp>
       <p:sp>
         <p:nvSpPr>
-          <p:cNvPr id="176" name="Google Shape;176;p19"/>
+          <p:cNvPr id="185" name="Google Shape;185;p20"/>
           <p:cNvSpPr txBox="1"/>
           <p:nvPr>
             <p:ph idx="1" type="body"/>
@@ -13696,7 +14913,7 @@
       </p:sp>
       <p:pic>
         <p:nvPicPr>
-          <p:cNvPr id="177" name="Google Shape;177;p19"/>
+          <p:cNvPr id="186" name="Google Shape;186;p20"/>
           <p:cNvPicPr preferRelativeResize="0"/>
           <p:nvPr/>
         </p:nvPicPr>
@@ -13730,12 +14947,12 @@
 </p:sld>
 </file>
 
-<file path=ppt/slides/slide8.xml><?xml version="1.0" encoding="utf-8"?>
+<file path=ppt/slides/slide9.xml><?xml version="1.0" encoding="utf-8"?>
 <p:sld xmlns:a="http://schemas.openxmlformats.org/drawingml/2006/main" xmlns:r="http://schemas.openxmlformats.org/officeDocument/2006/relationships" xmlns:mc="http://schemas.openxmlformats.org/markup-compatibility/2006" xmlns:mv="urn:schemas-microsoft-com:mac:vml" xmlns:p="http://schemas.openxmlformats.org/presentationml/2006/main" xmlns:c="http://schemas.openxmlformats.org/drawingml/2006/chart" xmlns:dgm="http://schemas.openxmlformats.org/drawingml/2006/diagram" xmlns:o="urn:schemas-microsoft-com:office:office" xmlns:v="urn:schemas-microsoft-com:vml" xmlns:pvml="urn:schemas-microsoft-com:office:powerpoint" xmlns:com="http://schemas.openxmlformats.org/drawingml/2006/compatibility" xmlns:p14="http://schemas.microsoft.com/office/powerpoint/2010/main" xmlns:p15="http://schemas.microsoft.com/office/powerpoint/2012/main" xmlns:ahyp="http://schemas.microsoft.com/office/drawing/2018/hyperlinkcolor">
   <p:cSld>
     <p:spTree>
       <p:nvGrpSpPr>
-        <p:cNvPr id="181" name="Shape 181"/>
+        <p:cNvPr id="190" name="Shape 190"/>
         <p:cNvGrpSpPr/>
         <p:nvPr/>
       </p:nvGrpSpPr>
@@ -13749,7 +14966,7 @@
       </p:grpSpPr>
       <p:sp>
         <p:nvSpPr>
-          <p:cNvPr id="182" name="Google Shape;182;p20"/>
+          <p:cNvPr id="191" name="Google Shape;191;p21"/>
           <p:cNvSpPr txBox="1"/>
           <p:nvPr>
             <p:ph type="title"/>
@@ -13795,302 +15012,286 @@
 </p:sld>
 </file>
 
-<file path=ppt/slides/slide9.xml><?xml version="1.0" encoding="utf-8"?>
-<p:sld xmlns:a="http://schemas.openxmlformats.org/drawingml/2006/main" xmlns:r="http://schemas.openxmlformats.org/officeDocument/2006/relationships" xmlns:mc="http://schemas.openxmlformats.org/markup-compatibility/2006" xmlns:mv="urn:schemas-microsoft-com:mac:vml" xmlns:p="http://schemas.openxmlformats.org/presentationml/2006/main" xmlns:c="http://schemas.openxmlformats.org/drawingml/2006/chart" xmlns:dgm="http://schemas.openxmlformats.org/drawingml/2006/diagram" xmlns:o="urn:schemas-microsoft-com:office:office" xmlns:v="urn:schemas-microsoft-com:vml" xmlns:pvml="urn:schemas-microsoft-com:office:powerpoint" xmlns:com="http://schemas.openxmlformats.org/drawingml/2006/compatibility" xmlns:p14="http://schemas.microsoft.com/office/powerpoint/2010/main" xmlns:p15="http://schemas.microsoft.com/office/powerpoint/2012/main" xmlns:ahyp="http://schemas.microsoft.com/office/drawing/2018/hyperlinkcolor">
-  <p:cSld>
-    <p:spTree>
-      <p:nvGrpSpPr>
-        <p:cNvPr id="186" name="Shape 186"/>
-        <p:cNvGrpSpPr/>
-        <p:nvPr/>
-      </p:nvGrpSpPr>
-      <p:grpSpPr>
-        <a:xfrm>
-          <a:off x="0" y="0"/>
-          <a:ext cx="0" cy="0"/>
-          <a:chOff x="0" y="0"/>
-          <a:chExt cx="0" cy="0"/>
-        </a:xfrm>
-      </p:grpSpPr>
-      <p:sp>
-        <p:nvSpPr>
-          <p:cNvPr id="187" name="Google Shape;187;p21"/>
-          <p:cNvSpPr txBox="1"/>
-          <p:nvPr>
-            <p:ph type="title"/>
-          </p:nvPr>
-        </p:nvSpPr>
-        <p:spPr>
-          <a:xfrm>
-            <a:off x="1100200" y="831075"/>
-            <a:ext cx="1754400" cy="491100"/>
-          </a:xfrm>
-          <a:prstGeom prst="rect">
-            <a:avLst/>
-          </a:prstGeom>
-        </p:spPr>
-        <p:txBody>
-          <a:bodyPr anchorCtr="0" anchor="t" bIns="91425" lIns="91425" spcFirstLastPara="1" rIns="91425" wrap="square" tIns="91425">
-            <a:normAutofit/>
-          </a:bodyPr>
-          <a:lstStyle/>
-          <a:p>
-            <a:pPr indent="0" lvl="0" marL="0" rtl="0" algn="l">
-              <a:spcBef>
-                <a:spcPts val="0"/>
-              </a:spcBef>
-              <a:spcAft>
-                <a:spcPts val="0"/>
-              </a:spcAft>
-              <a:buNone/>
-            </a:pPr>
-            <a:r>
-              <a:rPr lang="it" sz="2000"/>
-              <a:t>SISTEMA</a:t>
-            </a:r>
-            <a:endParaRPr sz="2000"/>
-          </a:p>
-        </p:txBody>
-      </p:sp>
-      <p:sp>
-        <p:nvSpPr>
-          <p:cNvPr id="188" name="Google Shape;188;p21"/>
-          <p:cNvSpPr txBox="1"/>
-          <p:nvPr>
-            <p:ph idx="1" type="body"/>
-          </p:nvPr>
-        </p:nvSpPr>
-        <p:spPr>
-          <a:xfrm>
-            <a:off x="1100200" y="1567550"/>
-            <a:ext cx="3403200" cy="2911200"/>
-          </a:xfrm>
-          <a:prstGeom prst="rect">
-            <a:avLst/>
-          </a:prstGeom>
-        </p:spPr>
-        <p:txBody>
-          <a:bodyPr anchorCtr="0" anchor="t" bIns="91425" lIns="91425" spcFirstLastPara="1" rIns="91425" wrap="square" tIns="91425">
-            <a:normAutofit/>
-          </a:bodyPr>
-          <a:lstStyle/>
-          <a:p>
-            <a:pPr indent="0" lvl="0" marL="0" rtl="0" algn="l">
-              <a:spcBef>
-                <a:spcPts val="0"/>
-              </a:spcBef>
-              <a:spcAft>
-                <a:spcPts val="0"/>
-              </a:spcAft>
-              <a:buNone/>
-            </a:pPr>
-            <a:r>
-              <a:rPr lang="it"/>
-              <a:t>Container Docker:</a:t>
-            </a:r>
-            <a:endParaRPr/>
-          </a:p>
-          <a:p>
-            <a:pPr indent="-311150" lvl="0" marL="457200" rtl="0" algn="l">
-              <a:lnSpc>
-                <a:spcPct val="200000"/>
-              </a:lnSpc>
-              <a:spcBef>
-                <a:spcPts val="1200"/>
-              </a:spcBef>
-              <a:spcAft>
-                <a:spcPts val="0"/>
-              </a:spcAft>
-              <a:buSzPts val="1300"/>
-              <a:buChar char="●"/>
-            </a:pPr>
-            <a:r>
-              <a:rPr lang="it"/>
-              <a:t>Database: mariadb 10.5</a:t>
-            </a:r>
-            <a:endParaRPr/>
-          </a:p>
-          <a:p>
-            <a:pPr indent="-311150" lvl="0" marL="457200" rtl="0" algn="l">
-              <a:lnSpc>
-                <a:spcPct val="200000"/>
-              </a:lnSpc>
-              <a:spcBef>
-                <a:spcPts val="0"/>
-              </a:spcBef>
-              <a:spcAft>
-                <a:spcPts val="0"/>
-              </a:spcAft>
-              <a:buSzPts val="1300"/>
-              <a:buChar char="●"/>
-            </a:pPr>
-            <a:r>
-              <a:rPr lang="it"/>
-              <a:t>Web Server: apache php 8.1</a:t>
-            </a:r>
-            <a:endParaRPr/>
-          </a:p>
-          <a:p>
-            <a:pPr indent="-311150" lvl="0" marL="457200" rtl="0" algn="l">
-              <a:lnSpc>
-                <a:spcPct val="200000"/>
-              </a:lnSpc>
-              <a:spcBef>
-                <a:spcPts val="0"/>
-              </a:spcBef>
-              <a:spcAft>
-                <a:spcPts val="0"/>
-              </a:spcAft>
-              <a:buSzPts val="1300"/>
-              <a:buChar char="●"/>
-            </a:pPr>
-            <a:r>
-              <a:rPr lang="it"/>
-              <a:t>Socket Server: alpine php 8.1</a:t>
-            </a:r>
-            <a:endParaRPr/>
-          </a:p>
-          <a:p>
-            <a:pPr indent="0" lvl="0" marL="0" rtl="0" algn="l">
-              <a:spcBef>
-                <a:spcPts val="1200"/>
-              </a:spcBef>
-              <a:spcAft>
-                <a:spcPts val="1200"/>
-              </a:spcAft>
-              <a:buNone/>
-            </a:pPr>
-            <a:r>
-              <a:rPr lang="it"/>
-              <a:t>Garantisce portabilità ed indipendenza tra le parti del software.</a:t>
-            </a:r>
-            <a:endParaRPr/>
-          </a:p>
-        </p:txBody>
-      </p:sp>
-      <p:sp>
-        <p:nvSpPr>
-          <p:cNvPr id="189" name="Google Shape;189;p21"/>
-          <p:cNvSpPr txBox="1"/>
-          <p:nvPr>
-            <p:ph idx="2" type="body"/>
-          </p:nvPr>
-        </p:nvSpPr>
-        <p:spPr>
-          <a:xfrm>
-            <a:off x="4887171" y="1521500"/>
-            <a:ext cx="3403200" cy="2911200"/>
-          </a:xfrm>
-          <a:prstGeom prst="rect">
-            <a:avLst/>
-          </a:prstGeom>
-        </p:spPr>
-        <p:txBody>
-          <a:bodyPr anchorCtr="0" anchor="t" bIns="91425" lIns="91425" spcFirstLastPara="1" rIns="91425" wrap="square" tIns="91425">
-            <a:normAutofit/>
-          </a:bodyPr>
-          <a:lstStyle/>
-          <a:p>
-            <a:pPr indent="0" lvl="0" marL="0" rtl="0" algn="l">
-              <a:spcBef>
-                <a:spcPts val="0"/>
-              </a:spcBef>
-              <a:spcAft>
-                <a:spcPts val="0"/>
-              </a:spcAft>
-              <a:buNone/>
-            </a:pPr>
-            <a:r>
-              <a:rPr lang="it"/>
-              <a:t>La procedura per l’installazione, l’avvio e la gestione dei container è presente nel documento “Manuale Installazione”.</a:t>
-            </a:r>
-            <a:endParaRPr/>
-          </a:p>
-          <a:p>
-            <a:pPr indent="0" lvl="0" marL="0" rtl="0" algn="l">
-              <a:spcBef>
-                <a:spcPts val="1200"/>
-              </a:spcBef>
-              <a:spcAft>
-                <a:spcPts val="0"/>
-              </a:spcAft>
-              <a:buNone/>
-            </a:pPr>
-            <a:r>
-              <a:rPr lang="it"/>
-              <a:t>Il Database istanzia lo schema al primo avvio del container tramite il file init.sql.</a:t>
-            </a:r>
-            <a:endParaRPr/>
-          </a:p>
-          <a:p>
-            <a:pPr indent="0" lvl="0" marL="0" rtl="0" algn="l">
-              <a:spcBef>
-                <a:spcPts val="1200"/>
-              </a:spcBef>
-              <a:spcAft>
-                <a:spcPts val="0"/>
-              </a:spcAft>
-              <a:buNone/>
-            </a:pPr>
-            <a:r>
-              <a:t/>
-            </a:r>
-            <a:endParaRPr/>
-          </a:p>
-          <a:p>
-            <a:pPr indent="0" lvl="0" marL="0" rtl="0" algn="l">
-              <a:spcBef>
-                <a:spcPts val="1200"/>
-              </a:spcBef>
-              <a:spcAft>
-                <a:spcPts val="1200"/>
-              </a:spcAft>
-              <a:buNone/>
-            </a:pPr>
-            <a:r>
-              <a:t/>
-            </a:r>
-            <a:endParaRPr/>
-          </a:p>
-        </p:txBody>
-      </p:sp>
-      <p:pic>
-        <p:nvPicPr>
-          <p:cNvPr id="190" name="Google Shape;190;p21" title="Immagine WhatsApp 2025-09-18 ore 02.18.46_6b278d9f.jpg"/>
-          <p:cNvPicPr preferRelativeResize="0"/>
-          <p:nvPr/>
-        </p:nvPicPr>
-        <p:blipFill>
-          <a:blip r:embed="rId3">
-            <a:alphaModFix/>
-          </a:blip>
-          <a:stretch>
-            <a:fillRect/>
-          </a:stretch>
-        </p:blipFill>
-        <p:spPr>
-          <a:xfrm>
-            <a:off x="5666937" y="3106800"/>
-            <a:ext cx="1843675" cy="1325900"/>
-          </a:xfrm>
-          <a:prstGeom prst="rect">
-            <a:avLst/>
-          </a:prstGeom>
-          <a:noFill/>
-          <a:ln>
-            <a:noFill/>
-          </a:ln>
-        </p:spPr>
-      </p:pic>
-    </p:spTree>
-  </p:cSld>
-  <p:clrMapOvr>
-    <a:masterClrMapping/>
-  </p:clrMapOvr>
-</p:sld>
+<file path=ppt/theme/theme1.xml><?xml version="1.0" encoding="utf-8"?>
+<a:theme xmlns:a="http://schemas.openxmlformats.org/drawingml/2006/main" xmlns:r="http://schemas.openxmlformats.org/officeDocument/2006/relationships">
+  <a:themeElements>
+    <a:clrScheme name="Default">
+      <a:dk1>
+        <a:srgbClr val="000000"/>
+      </a:dk1>
+      <a:lt1>
+        <a:srgbClr val="FFFFFF"/>
+      </a:lt1>
+      <a:dk2>
+        <a:srgbClr val="158158"/>
+      </a:dk2>
+      <a:lt2>
+        <a:srgbClr val="F3F3F3"/>
+      </a:lt2>
+      <a:accent1>
+        <a:srgbClr val="058DC7"/>
+      </a:accent1>
+      <a:accent2>
+        <a:srgbClr val="50B432"/>
+      </a:accent2>
+      <a:accent3>
+        <a:srgbClr val="ED561B"/>
+      </a:accent3>
+      <a:accent4>
+        <a:srgbClr val="EDEF00"/>
+      </a:accent4>
+      <a:accent5>
+        <a:srgbClr val="24CBE5"/>
+      </a:accent5>
+      <a:accent6>
+        <a:srgbClr val="64E572"/>
+      </a:accent6>
+      <a:hlink>
+        <a:srgbClr val="2200CC"/>
+      </a:hlink>
+      <a:folHlink>
+        <a:srgbClr val="551A8B"/>
+      </a:folHlink>
+    </a:clrScheme>
+    <a:fontScheme name="Office">
+      <a:majorFont>
+        <a:latin typeface="Arial"/>
+        <a:ea typeface=""/>
+        <a:cs typeface=""/>
+        <a:font script="Jpan" typeface="ＭＳ Ｐゴシック"/>
+        <a:font script="Hang" typeface="맑은 고딕"/>
+        <a:font script="Hans" typeface="宋体"/>
+        <a:font script="Hant" typeface="新細明體"/>
+        <a:font script="Arab" typeface="Times New Roman"/>
+        <a:font script="Hebr" typeface="Times New Roman"/>
+        <a:font script="Thai" typeface="Angsana New"/>
+        <a:font script="Ethi" typeface="Nyala"/>
+        <a:font script="Beng" typeface="Vrinda"/>
+        <a:font script="Gujr" typeface="Shruti"/>
+        <a:font script="Khmr" typeface="MoolBoran"/>
+        <a:font script="Knda" typeface="Tunga"/>
+        <a:font script="Guru" typeface="Raavi"/>
+        <a:font script="Cans" typeface="Euphemia"/>
+        <a:font script="Cher" typeface="Plantagenet Cherokee"/>
+        <a:font script="Yiii" typeface="Microsoft Yi Baiti"/>
+        <a:font script="Tibt" typeface="Microsoft Himalaya"/>
+        <a:font script="Thaa" typeface="MV Boli"/>
+        <a:font script="Deva" typeface="Mangal"/>
+        <a:font script="Telu" typeface="Gautami"/>
+        <a:font script="Taml" typeface="Latha"/>
+        <a:font script="Syrc" typeface="Estrangelo Edessa"/>
+        <a:font script="Orya" typeface="Kalinga"/>
+        <a:font script="Mlym" typeface="Kartika"/>
+        <a:font script="Laoo" typeface="DokChampa"/>
+        <a:font script="Sinh" typeface="Iskoola Pota"/>
+        <a:font script="Mong" typeface="Mongolian Baiti"/>
+        <a:font script="Viet" typeface="Times New Roman"/>
+        <a:font script="Uigh" typeface="Microsoft Uighur"/>
+        <a:font script="Geor" typeface="Sylfaen"/>
+      </a:majorFont>
+      <a:minorFont>
+        <a:latin typeface="Arial"/>
+        <a:ea typeface=""/>
+        <a:cs typeface=""/>
+        <a:font script="Jpan" typeface="ＭＳ Ｐゴシック"/>
+        <a:font script="Hang" typeface="맑은 고딕"/>
+        <a:font script="Hans" typeface="宋体"/>
+        <a:font script="Hant" typeface="新細明體"/>
+        <a:font script="Arab" typeface="Arial"/>
+        <a:font script="Hebr" typeface="Arial"/>
+        <a:font script="Thai" typeface="Cordia New"/>
+        <a:font script="Ethi" typeface="Nyala"/>
+        <a:font script="Beng" typeface="Vrinda"/>
+        <a:font script="Gujr" typeface="Shruti"/>
+        <a:font script="Khmr" typeface="DaunPenh"/>
+        <a:font script="Knda" typeface="Tunga"/>
+        <a:font script="Guru" typeface="Raavi"/>
+        <a:font script="Cans" typeface="Euphemia"/>
+        <a:font script="Cher" typeface="Plantagenet Cherokee"/>
+        <a:font script="Yiii" typeface="Microsoft Yi Baiti"/>
+        <a:font script="Tibt" typeface="Microsoft Himalaya"/>
+        <a:font script="Thaa" typeface="MV Boli"/>
+        <a:font script="Deva" typeface="Mangal"/>
+        <a:font script="Telu" typeface="Gautami"/>
+        <a:font script="Taml" typeface="Latha"/>
+        <a:font script="Syrc" typeface="Estrangelo Edessa"/>
+        <a:font script="Orya" typeface="Kalinga"/>
+        <a:font script="Mlym" typeface="Kartika"/>
+        <a:font script="Laoo" typeface="DokChampa"/>
+        <a:font script="Sinh" typeface="Iskoola Pota"/>
+        <a:font script="Mong" typeface="Mongolian Baiti"/>
+        <a:font script="Viet" typeface="Arial"/>
+        <a:font script="Uigh" typeface="Microsoft Uighur"/>
+        <a:font script="Geor" typeface="Sylfaen"/>
+      </a:minorFont>
+    </a:fontScheme>
+    <a:fmtScheme name="Office">
+      <a:fillStyleLst>
+        <a:solidFill>
+          <a:schemeClr val="phClr"/>
+        </a:solidFill>
+        <a:gradFill rotWithShape="1">
+          <a:gsLst>
+            <a:gs pos="0">
+              <a:schemeClr val="phClr">
+                <a:tint val="50000"/>
+                <a:satMod val="300000"/>
+              </a:schemeClr>
+            </a:gs>
+            <a:gs pos="35000">
+              <a:schemeClr val="phClr">
+                <a:tint val="37000"/>
+                <a:satMod val="300000"/>
+              </a:schemeClr>
+            </a:gs>
+            <a:gs pos="100000">
+              <a:schemeClr val="phClr">
+                <a:tint val="15000"/>
+                <a:satMod val="350000"/>
+              </a:schemeClr>
+            </a:gs>
+          </a:gsLst>
+          <a:lin ang="16200000" scaled="1"/>
+        </a:gradFill>
+        <a:gradFill rotWithShape="1">
+          <a:gsLst>
+            <a:gs pos="0">
+              <a:schemeClr val="phClr">
+                <a:tint val="100000"/>
+                <a:shade val="100000"/>
+                <a:satMod val="130000"/>
+              </a:schemeClr>
+            </a:gs>
+            <a:gs pos="100000">
+              <a:schemeClr val="phClr">
+                <a:tint val="50000"/>
+                <a:shade val="100000"/>
+                <a:satMod val="350000"/>
+              </a:schemeClr>
+            </a:gs>
+          </a:gsLst>
+          <a:lin ang="16200000" scaled="0"/>
+        </a:gradFill>
+      </a:fillStyleLst>
+      <a:lnStyleLst>
+        <a:ln w="9525" cap="flat" cmpd="sng" algn="ctr">
+          <a:solidFill>
+            <a:schemeClr val="phClr">
+              <a:shade val="95000"/>
+              <a:satMod val="105000"/>
+            </a:schemeClr>
+          </a:solidFill>
+          <a:prstDash val="solid"/>
+        </a:ln>
+        <a:ln w="25400" cap="flat" cmpd="sng" algn="ctr">
+          <a:solidFill>
+            <a:schemeClr val="phClr"/>
+          </a:solidFill>
+          <a:prstDash val="solid"/>
+        </a:ln>
+        <a:ln w="38100" cap="flat" cmpd="sng" algn="ctr">
+          <a:solidFill>
+            <a:schemeClr val="phClr"/>
+          </a:solidFill>
+          <a:prstDash val="solid"/>
+        </a:ln>
+      </a:lnStyleLst>
+      <a:effectStyleLst>
+        <a:effectStyle>
+          <a:effectLst>
+            <a:outerShdw blurRad="40000" dist="20000" dir="5400000" rotWithShape="0">
+              <a:srgbClr val="000000">
+                <a:alpha val="38000"/>
+              </a:srgbClr>
+            </a:outerShdw>
+          </a:effectLst>
+        </a:effectStyle>
+        <a:effectStyle>
+          <a:effectLst>
+            <a:outerShdw blurRad="40000" dist="23000" dir="5400000" rotWithShape="0">
+              <a:srgbClr val="000000">
+                <a:alpha val="35000"/>
+              </a:srgbClr>
+            </a:outerShdw>
+          </a:effectLst>
+        </a:effectStyle>
+        <a:effectStyle>
+          <a:effectLst>
+            <a:outerShdw blurRad="40000" dist="23000" dir="5400000" rotWithShape="0">
+              <a:srgbClr val="000000">
+                <a:alpha val="35000"/>
+              </a:srgbClr>
+            </a:outerShdw>
+          </a:effectLst>
+          <a:scene3d>
+            <a:camera prst="orthographicFront">
+              <a:rot lat="0" lon="0" rev="0"/>
+            </a:camera>
+            <a:lightRig rig="threePt" dir="t">
+              <a:rot lat="0" lon="0" rev="1200000"/>
+            </a:lightRig>
+          </a:scene3d>
+          <a:sp3d>
+            <a:bevelT w="63500" h="25400"/>
+          </a:sp3d>
+        </a:effectStyle>
+      </a:effectStyleLst>
+      <a:bgFillStyleLst>
+        <a:solidFill>
+          <a:schemeClr val="phClr"/>
+        </a:solidFill>
+        <a:gradFill rotWithShape="1">
+          <a:gsLst>
+            <a:gs pos="0">
+              <a:schemeClr val="phClr">
+                <a:tint val="40000"/>
+                <a:satMod val="350000"/>
+              </a:schemeClr>
+            </a:gs>
+            <a:gs pos="40000">
+              <a:schemeClr val="phClr">
+                <a:tint val="45000"/>
+                <a:shade val="99000"/>
+                <a:satMod val="350000"/>
+              </a:schemeClr>
+            </a:gs>
+            <a:gs pos="100000">
+              <a:schemeClr val="phClr">
+                <a:shade val="20000"/>
+                <a:satMod val="255000"/>
+              </a:schemeClr>
+            </a:gs>
+          </a:gsLst>
+          <a:path path="circle">
+            <a:fillToRect l="50000" t="-80000" r="50000" b="180000"/>
+          </a:path>
+        </a:gradFill>
+        <a:gradFill rotWithShape="1">
+          <a:gsLst>
+            <a:gs pos="0">
+              <a:schemeClr val="phClr">
+                <a:tint val="80000"/>
+                <a:satMod val="300000"/>
+              </a:schemeClr>
+            </a:gs>
+            <a:gs pos="100000">
+              <a:schemeClr val="phClr">
+                <a:shade val="30000"/>
+                <a:satMod val="200000"/>
+              </a:schemeClr>
+            </a:gs>
+          </a:gsLst>
+          <a:path path="circle">
+            <a:fillToRect l="50000" t="50000" r="50000" b="50000"/>
+          </a:path>
+        </a:gradFill>
+      </a:bgFillStyleLst>
+    </a:fmtScheme>
+  </a:themeElements>
+</a:theme>
 </file>
 
-<file path=ppt/theme/theme1.xml><?xml version="1.0" encoding="utf-8"?>
+<file path=ppt/theme/theme2.xml><?xml version="1.0" encoding="utf-8"?>
 <a:theme xmlns:a="http://schemas.openxmlformats.org/drawingml/2006/main" xmlns:r="http://schemas.openxmlformats.org/officeDocument/2006/relationships" name="Focus">
   <a:themeElements>
     <a:clrScheme name="Focus">
@@ -14367,283 +15568,4 @@
     </a:fmtScheme>
   </a:themeElements>
 </a:theme>
-</file>
-
-<file path=ppt/theme/theme2.xml><?xml version="1.0" encoding="utf-8"?>
-<a:theme xmlns:a="http://schemas.openxmlformats.org/drawingml/2006/main" xmlns:r="http://schemas.openxmlformats.org/officeDocument/2006/relationships">
-  <a:themeElements>
-    <a:clrScheme name="Default">
-      <a:dk1>
-        <a:srgbClr val="000000"/>
-      </a:dk1>
-      <a:lt1>
-        <a:srgbClr val="FFFFFF"/>
-      </a:lt1>
-      <a:dk2>
-        <a:srgbClr val="158158"/>
-      </a:dk2>
-      <a:lt2>
-        <a:srgbClr val="F3F3F3"/>
-      </a:lt2>
-      <a:accent1>
-        <a:srgbClr val="058DC7"/>
-      </a:accent1>
-      <a:accent2>
-        <a:srgbClr val="50B432"/>
-      </a:accent2>
-      <a:accent3>
-        <a:srgbClr val="ED561B"/>
-      </a:accent3>
-      <a:accent4>
-        <a:srgbClr val="EDEF00"/>
-      </a:accent4>
-      <a:accent5>
-        <a:srgbClr val="24CBE5"/>
-      </a:accent5>
-      <a:accent6>
-        <a:srgbClr val="64E572"/>
-      </a:accent6>
-      <a:hlink>
-        <a:srgbClr val="2200CC"/>
-      </a:hlink>
-      <a:folHlink>
-        <a:srgbClr val="551A8B"/>
-      </a:folHlink>
-    </a:clrScheme>
-    <a:fontScheme name="Office">
-      <a:majorFont>
-        <a:latin typeface="Arial"/>
-        <a:ea typeface=""/>
-        <a:cs typeface=""/>
-        <a:font script="Jpan" typeface="ＭＳ Ｐゴシック"/>
-        <a:font script="Hang" typeface="맑은 고딕"/>
-        <a:font script="Hans" typeface="宋体"/>
-        <a:font script="Hant" typeface="新細明體"/>
-        <a:font script="Arab" typeface="Times New Roman"/>
-        <a:font script="Hebr" typeface="Times New Roman"/>
-        <a:font script="Thai" typeface="Angsana New"/>
-        <a:font script="Ethi" typeface="Nyala"/>
-        <a:font script="Beng" typeface="Vrinda"/>
-        <a:font script="Gujr" typeface="Shruti"/>
-        <a:font script="Khmr" typeface="MoolBoran"/>
-        <a:font script="Knda" typeface="Tunga"/>
-        <a:font script="Guru" typeface="Raavi"/>
-        <a:font script="Cans" typeface="Euphemia"/>
-        <a:font script="Cher" typeface="Plantagenet Cherokee"/>
-        <a:font script="Yiii" typeface="Microsoft Yi Baiti"/>
-        <a:font script="Tibt" typeface="Microsoft Himalaya"/>
-        <a:font script="Thaa" typeface="MV Boli"/>
-        <a:font script="Deva" typeface="Mangal"/>
-        <a:font script="Telu" typeface="Gautami"/>
-        <a:font script="Taml" typeface="Latha"/>
-        <a:font script="Syrc" typeface="Estrangelo Edessa"/>
-        <a:font script="Orya" typeface="Kalinga"/>
-        <a:font script="Mlym" typeface="Kartika"/>
-        <a:font script="Laoo" typeface="DokChampa"/>
-        <a:font script="Sinh" typeface="Iskoola Pota"/>
-        <a:font script="Mong" typeface="Mongolian Baiti"/>
-        <a:font script="Viet" typeface="Times New Roman"/>
-        <a:font script="Uigh" typeface="Microsoft Uighur"/>
-        <a:font script="Geor" typeface="Sylfaen"/>
-      </a:majorFont>
-      <a:minorFont>
-        <a:latin typeface="Arial"/>
-        <a:ea typeface=""/>
-        <a:cs typeface=""/>
-        <a:font script="Jpan" typeface="ＭＳ Ｐゴシック"/>
-        <a:font script="Hang" typeface="맑은 고딕"/>
-        <a:font script="Hans" typeface="宋体"/>
-        <a:font script="Hant" typeface="新細明體"/>
-        <a:font script="Arab" typeface="Arial"/>
-        <a:font script="Hebr" typeface="Arial"/>
-        <a:font script="Thai" typeface="Cordia New"/>
-        <a:font script="Ethi" typeface="Nyala"/>
-        <a:font script="Beng" typeface="Vrinda"/>
-        <a:font script="Gujr" typeface="Shruti"/>
-        <a:font script="Khmr" typeface="DaunPenh"/>
-        <a:font script="Knda" typeface="Tunga"/>
-        <a:font script="Guru" typeface="Raavi"/>
-        <a:font script="Cans" typeface="Euphemia"/>
-        <a:font script="Cher" typeface="Plantagenet Cherokee"/>
-        <a:font script="Yiii" typeface="Microsoft Yi Baiti"/>
-        <a:font script="Tibt" typeface="Microsoft Himalaya"/>
-        <a:font script="Thaa" typeface="MV Boli"/>
-        <a:font script="Deva" typeface="Mangal"/>
-        <a:font script="Telu" typeface="Gautami"/>
-        <a:font script="Taml" typeface="Latha"/>
-        <a:font script="Syrc" typeface="Estrangelo Edessa"/>
-        <a:font script="Orya" typeface="Kalinga"/>
-        <a:font script="Mlym" typeface="Kartika"/>
-        <a:font script="Laoo" typeface="DokChampa"/>
-        <a:font script="Sinh" typeface="Iskoola Pota"/>
-        <a:font script="Mong" typeface="Mongolian Baiti"/>
-        <a:font script="Viet" typeface="Arial"/>
-        <a:font script="Uigh" typeface="Microsoft Uighur"/>
-        <a:font script="Geor" typeface="Sylfaen"/>
-      </a:minorFont>
-    </a:fontScheme>
-    <a:fmtScheme name="Office">
-      <a:fillStyleLst>
-        <a:solidFill>
-          <a:schemeClr val="phClr"/>
-        </a:solidFill>
-        <a:gradFill rotWithShape="1">
-          <a:gsLst>
-            <a:gs pos="0">
-              <a:schemeClr val="phClr">
-                <a:tint val="50000"/>
-                <a:satMod val="300000"/>
-              </a:schemeClr>
-            </a:gs>
-            <a:gs pos="35000">
-              <a:schemeClr val="phClr">
-                <a:tint val="37000"/>
-                <a:satMod val="300000"/>
-              </a:schemeClr>
-            </a:gs>
-            <a:gs pos="100000">
-              <a:schemeClr val="phClr">
-                <a:tint val="15000"/>
-                <a:satMod val="350000"/>
-              </a:schemeClr>
-            </a:gs>
-          </a:gsLst>
-          <a:lin ang="16200000" scaled="1"/>
-        </a:gradFill>
-        <a:gradFill rotWithShape="1">
-          <a:gsLst>
-            <a:gs pos="0">
-              <a:schemeClr val="phClr">
-                <a:tint val="100000"/>
-                <a:shade val="100000"/>
-                <a:satMod val="130000"/>
-              </a:schemeClr>
-            </a:gs>
-            <a:gs pos="100000">
-              <a:schemeClr val="phClr">
-                <a:tint val="50000"/>
-                <a:shade val="100000"/>
-                <a:satMod val="350000"/>
-              </a:schemeClr>
-            </a:gs>
-          </a:gsLst>
-          <a:lin ang="16200000" scaled="0"/>
-        </a:gradFill>
-      </a:fillStyleLst>
-      <a:lnStyleLst>
-        <a:ln w="9525" cap="flat" cmpd="sng" algn="ctr">
-          <a:solidFill>
-            <a:schemeClr val="phClr">
-              <a:shade val="95000"/>
-              <a:satMod val="105000"/>
-            </a:schemeClr>
-          </a:solidFill>
-          <a:prstDash val="solid"/>
-        </a:ln>
-        <a:ln w="25400" cap="flat" cmpd="sng" algn="ctr">
-          <a:solidFill>
-            <a:schemeClr val="phClr"/>
-          </a:solidFill>
-          <a:prstDash val="solid"/>
-        </a:ln>
-        <a:ln w="38100" cap="flat" cmpd="sng" algn="ctr">
-          <a:solidFill>
-            <a:schemeClr val="phClr"/>
-          </a:solidFill>
-          <a:prstDash val="solid"/>
-        </a:ln>
-      </a:lnStyleLst>
-      <a:effectStyleLst>
-        <a:effectStyle>
-          <a:effectLst>
-            <a:outerShdw blurRad="40000" dist="20000" dir="5400000" rotWithShape="0">
-              <a:srgbClr val="000000">
-                <a:alpha val="38000"/>
-              </a:srgbClr>
-            </a:outerShdw>
-          </a:effectLst>
-        </a:effectStyle>
-        <a:effectStyle>
-          <a:effectLst>
-            <a:outerShdw blurRad="40000" dist="23000" dir="5400000" rotWithShape="0">
-              <a:srgbClr val="000000">
-                <a:alpha val="35000"/>
-              </a:srgbClr>
-            </a:outerShdw>
-          </a:effectLst>
-        </a:effectStyle>
-        <a:effectStyle>
-          <a:effectLst>
-            <a:outerShdw blurRad="40000" dist="23000" dir="5400000" rotWithShape="0">
-              <a:srgbClr val="000000">
-                <a:alpha val="35000"/>
-              </a:srgbClr>
-            </a:outerShdw>
-          </a:effectLst>
-          <a:scene3d>
-            <a:camera prst="orthographicFront">
-              <a:rot lat="0" lon="0" rev="0"/>
-            </a:camera>
-            <a:lightRig rig="threePt" dir="t">
-              <a:rot lat="0" lon="0" rev="1200000"/>
-            </a:lightRig>
-          </a:scene3d>
-          <a:sp3d>
-            <a:bevelT w="63500" h="25400"/>
-          </a:sp3d>
-        </a:effectStyle>
-      </a:effectStyleLst>
-      <a:bgFillStyleLst>
-        <a:solidFill>
-          <a:schemeClr val="phClr"/>
-        </a:solidFill>
-        <a:gradFill rotWithShape="1">
-          <a:gsLst>
-            <a:gs pos="0">
-              <a:schemeClr val="phClr">
-                <a:tint val="40000"/>
-                <a:satMod val="350000"/>
-              </a:schemeClr>
-            </a:gs>
-            <a:gs pos="40000">
-              <a:schemeClr val="phClr">
-                <a:tint val="45000"/>
-                <a:shade val="99000"/>
-                <a:satMod val="350000"/>
-              </a:schemeClr>
-            </a:gs>
-            <a:gs pos="100000">
-              <a:schemeClr val="phClr">
-                <a:shade val="20000"/>
-                <a:satMod val="255000"/>
-              </a:schemeClr>
-            </a:gs>
-          </a:gsLst>
-          <a:path path="circle">
-            <a:fillToRect l="50000" t="-80000" r="50000" b="180000"/>
-          </a:path>
-        </a:gradFill>
-        <a:gradFill rotWithShape="1">
-          <a:gsLst>
-            <a:gs pos="0">
-              <a:schemeClr val="phClr">
-                <a:tint val="80000"/>
-                <a:satMod val="300000"/>
-              </a:schemeClr>
-            </a:gs>
-            <a:gs pos="100000">
-              <a:schemeClr val="phClr">
-                <a:shade val="30000"/>
-                <a:satMod val="200000"/>
-              </a:schemeClr>
-            </a:gs>
-          </a:gsLst>
-          <a:path path="circle">
-            <a:fillToRect l="50000" t="50000" r="50000" b="50000"/>
-          </a:path>
-        </a:gradFill>
-      </a:bgFillStyleLst>
-    </a:fmtScheme>
-  </a:themeElements>
-</a:theme>
 </file>